--- a/Hands-on Modules/Embedding/1. What is Power BI Embedded.pptx
+++ b/Hands-on Modules/Embedding/1. What is Power BI Embedded.pptx
@@ -6,25 +6,32 @@
     <p:sldMasterId id="2147483665" r:id="rId5"/>
   </p:sldMasterIdLst>
   <p:notesMasterIdLst>
-    <p:notesMasterId r:id="rId22"/>
+    <p:notesMasterId r:id="rId29"/>
   </p:notesMasterIdLst>
   <p:sldIdLst>
     <p:sldId id="300" r:id="rId6"/>
     <p:sldId id="312" r:id="rId7"/>
     <p:sldId id="323" r:id="rId8"/>
     <p:sldId id="324" r:id="rId9"/>
-    <p:sldId id="263" r:id="rId10"/>
-    <p:sldId id="334" r:id="rId11"/>
-    <p:sldId id="265" r:id="rId12"/>
-    <p:sldId id="325" r:id="rId13"/>
-    <p:sldId id="266" r:id="rId14"/>
-    <p:sldId id="267" r:id="rId15"/>
-    <p:sldId id="268" r:id="rId16"/>
-    <p:sldId id="275" r:id="rId17"/>
-    <p:sldId id="276" r:id="rId18"/>
-    <p:sldId id="333" r:id="rId19"/>
-    <p:sldId id="321" r:id="rId20"/>
-    <p:sldId id="315" r:id="rId21"/>
+    <p:sldId id="265" r:id="rId10"/>
+    <p:sldId id="325" r:id="rId11"/>
+    <p:sldId id="266" r:id="rId12"/>
+    <p:sldId id="267" r:id="rId13"/>
+    <p:sldId id="268" r:id="rId14"/>
+    <p:sldId id="275" r:id="rId15"/>
+    <p:sldId id="276" r:id="rId16"/>
+    <p:sldId id="340" r:id="rId17"/>
+    <p:sldId id="341" r:id="rId18"/>
+    <p:sldId id="342" r:id="rId19"/>
+    <p:sldId id="343" r:id="rId20"/>
+    <p:sldId id="339" r:id="rId21"/>
+    <p:sldId id="335" r:id="rId22"/>
+    <p:sldId id="337" r:id="rId23"/>
+    <p:sldId id="338" r:id="rId24"/>
+    <p:sldId id="336" r:id="rId25"/>
+    <p:sldId id="333" r:id="rId26"/>
+    <p:sldId id="321" r:id="rId27"/>
+    <p:sldId id="315" r:id="rId28"/>
   </p:sldIdLst>
   <p:sldSz cx="12192000" cy="6858000"/>
   <p:notesSz cx="6858000" cy="9144000"/>
@@ -222,7 +229,7 @@
           <a:p>
             <a:fld id="{52A13B17-C506-4D51-BB37-16B365906619}" type="datetimeFigureOut">
               <a:rPr lang="en-US" smtClean="0"/>
-              <a:t>2/25/2019</a:t>
+              <a:t>2/26/2019</a:t>
             </a:fld>
             <a:endParaRPr lang="en-US"/>
           </a:p>
@@ -771,7 +778,7 @@
           <a:p>
             <a:fld id="{35A2D088-BDBD-41A5-ADCE-5C6A4DC08057}" type="datetime8">
               <a:rPr lang="en-US" smtClean="0"/>
-              <a:t>2/25/2019 11:36 PM</a:t>
+              <a:t>2/26/2019 10:34 AM</a:t>
             </a:fld>
             <a:endParaRPr lang="en-US" dirty="0"/>
           </a:p>
@@ -966,7 +973,7 @@
           <a:p>
             <a:fld id="{E6761AD9-DA11-4F49-B2E9-E9A671D97C71}" type="slidenum">
               <a:rPr lang="en-US" smtClean="0"/>
-              <a:t>8</a:t>
+              <a:t>6</a:t>
             </a:fld>
             <a:endParaRPr lang="en-US"/>
           </a:p>
@@ -1123,7 +1130,7 @@
           <a:p>
             <a:fld id="{35A2D088-BDBD-41A5-ADCE-5C6A4DC08057}" type="datetime8">
               <a:rPr lang="en-US" smtClean="0"/>
-              <a:t>2/25/2019 11:36 PM</a:t>
+              <a:t>2/26/2019 10:34 AM</a:t>
             </a:fld>
             <a:endParaRPr lang="en-US" dirty="0"/>
           </a:p>
@@ -1147,7 +1154,7 @@
             <a:fld id="{B4008EB6-D09E-4580-8CD6-DDB14511944F}" type="slidenum">
               <a:rPr lang="en-US" smtClean="0"/>
               <a:pPr/>
-              <a:t>14</a:t>
+              <a:t>21</a:t>
             </a:fld>
             <a:endParaRPr lang="en-US" dirty="0"/>
           </a:p>
@@ -1231,7 +1238,7 @@
           <a:p>
             <a:fld id="{0998D5BB-B127-481F-BC0A-2F77C576BB34}" type="slidenum">
               <a:rPr lang="en-US" smtClean="0"/>
-              <a:t>15</a:t>
+              <a:t>22</a:t>
             </a:fld>
             <a:endParaRPr lang="en-US"/>
           </a:p>
@@ -1357,7 +1364,7 @@
                   <a:prstClr val="black"/>
                 </a:solidFill>
               </a:rPr>
-              <a:t>2/25/2019 11:36 PM</a:t>
+              <a:t>2/26/2019 10:34 AM</a:t>
             </a:fld>
             <a:endParaRPr lang="en-US" dirty="0">
               <a:solidFill>
@@ -1389,7 +1396,7 @@
                 </a:solidFill>
               </a:rPr>
               <a:pPr/>
-              <a:t>16</a:t>
+              <a:t>23</a:t>
             </a:fld>
             <a:endParaRPr lang="en-US" dirty="0">
               <a:solidFill>
@@ -11503,7 +11510,7 @@
             <a:fld id="{2E809A50-B28D-413A-915D-87F91E5248C6}" type="datetimeFigureOut">
               <a:rPr lang="en-US" smtClean="0"/>
               <a:pPr/>
-              <a:t>2/25/2019</a:t>
+              <a:t>2/26/2019</a:t>
             </a:fld>
             <a:endParaRPr lang="en-US"/>
           </a:p>
@@ -11690,7 +11697,7 @@
           <a:p>
             <a:fld id="{1279C872-40C5-4778-A459-913B2790679C}" type="datetimeFigureOut">
               <a:rPr lang="en-US" smtClean="0"/>
-              <a:t>2/25/2019</a:t>
+              <a:t>2/26/2019</a:t>
             </a:fld>
             <a:endParaRPr lang="en-US"/>
           </a:p>
@@ -11955,7 +11962,7 @@
           <a:p>
             <a:fld id="{1279C872-40C5-4778-A459-913B2790679C}" type="datetimeFigureOut">
               <a:rPr lang="en-US" smtClean="0"/>
-              <a:t>2/25/2019</a:t>
+              <a:t>2/26/2019</a:t>
             </a:fld>
             <a:endParaRPr lang="en-US"/>
           </a:p>
@@ -12367,7 +12374,7 @@
           <a:p>
             <a:fld id="{1279C872-40C5-4778-A459-913B2790679C}" type="datetimeFigureOut">
               <a:rPr lang="en-US" smtClean="0"/>
-              <a:t>2/25/2019</a:t>
+              <a:t>2/26/2019</a:t>
             </a:fld>
             <a:endParaRPr lang="en-US"/>
           </a:p>
@@ -14740,341 +14747,6 @@
           <p:cNvPr id="2" name="Title 1">
             <a:extLst>
               <a:ext uri="{FF2B5EF4-FFF2-40B4-BE49-F238E27FC236}">
-                <a16:creationId xmlns:a16="http://schemas.microsoft.com/office/drawing/2014/main" id="{9BE05351-2724-4E97-86E0-2B4B45DBA7E5}"/>
-              </a:ext>
-            </a:extLst>
-          </p:cNvPr>
-          <p:cNvSpPr>
-            <a:spLocks noGrp="1"/>
-          </p:cNvSpPr>
-          <p:nvPr>
-            <p:ph type="title"/>
-          </p:nvPr>
-        </p:nvSpPr>
-        <p:spPr>
-          <a:xfrm>
-            <a:off x="648929" y="629266"/>
-            <a:ext cx="3505495" cy="1622321"/>
-          </a:xfrm>
-        </p:spPr>
-        <p:txBody>
-          <a:bodyPr vert="horz" lIns="91440" tIns="45720" rIns="91440" bIns="45720" rtlCol="0" anchor="ctr">
-            <a:normAutofit/>
-          </a:bodyPr>
-          <a:lstStyle/>
-          <a:p>
-            <a:r>
-              <a:rPr lang="en-US" kern="1200">
-                <a:solidFill>
-                  <a:schemeClr val="tx1"/>
-                </a:solidFill>
-                <a:latin typeface="+mn-lt"/>
-                <a:ea typeface="+mj-ea"/>
-                <a:cs typeface="+mj-cs"/>
-              </a:rPr>
-              <a:t>First Party Embedding</a:t>
-            </a:r>
-          </a:p>
-        </p:txBody>
-      </p:sp>
-      <p:sp>
-        <p:nvSpPr>
-          <p:cNvPr id="3" name="Content Placeholder 2">
-            <a:extLst>
-              <a:ext uri="{FF2B5EF4-FFF2-40B4-BE49-F238E27FC236}">
-                <a16:creationId xmlns:a16="http://schemas.microsoft.com/office/drawing/2014/main" id="{828CFE44-D3D4-4AEA-9007-95FC2C08EAA5}"/>
-              </a:ext>
-            </a:extLst>
-          </p:cNvPr>
-          <p:cNvSpPr>
-            <a:spLocks noGrp="1"/>
-          </p:cNvSpPr>
-          <p:nvPr>
-            <p:ph sz="half" idx="1"/>
-          </p:nvPr>
-        </p:nvSpPr>
-        <p:spPr>
-          <a:xfrm>
-            <a:off x="648931" y="2438400"/>
-            <a:ext cx="3505494" cy="3785419"/>
-          </a:xfrm>
-        </p:spPr>
-        <p:txBody>
-          <a:bodyPr vert="horz" lIns="91440" tIns="45720" rIns="91440" bIns="45720" rtlCol="0">
-            <a:normAutofit/>
-          </a:bodyPr>
-          <a:lstStyle/>
-          <a:p>
-            <a:r>
-              <a:rPr lang="en-US" sz="2000"/>
-              <a:t>App authenticates current user with Azure AD</a:t>
-            </a:r>
-          </a:p>
-          <a:p>
-            <a:r>
-              <a:rPr lang="en-US" sz="2000"/>
-              <a:t>Your code accesses Power BI Service as current user</a:t>
-            </a:r>
-          </a:p>
-          <a:p>
-            <a:r>
-              <a:rPr lang="en-US" sz="2000"/>
-              <a:t>Embedding requires Azure AD access token for user</a:t>
-            </a:r>
-          </a:p>
-          <a:p>
-            <a:r>
-              <a:rPr lang="en-US" sz="2000"/>
-              <a:t>User requires Azure AD account and Power BI license</a:t>
-            </a:r>
-          </a:p>
-          <a:p>
-            <a:r>
-              <a:rPr lang="en-US" sz="2000"/>
-              <a:t>Your code has access to whatever user has access to</a:t>
-            </a:r>
-          </a:p>
-          <a:p>
-            <a:endParaRPr lang="en-US" sz="2000"/>
-          </a:p>
-        </p:txBody>
-      </p:sp>
-      <p:pic>
-        <p:nvPicPr>
-          <p:cNvPr id="5" name="Content Placeholder 4">
-            <a:extLst>
-              <a:ext uri="{FF2B5EF4-FFF2-40B4-BE49-F238E27FC236}">
-                <a16:creationId xmlns:a16="http://schemas.microsoft.com/office/drawing/2014/main" id="{5395AC01-85B1-49F5-B8AB-C0F7BB0CDA3E}"/>
-              </a:ext>
-            </a:extLst>
-          </p:cNvPr>
-          <p:cNvPicPr>
-            <a:picLocks noGrp="1" noChangeAspect="1"/>
-          </p:cNvPicPr>
-          <p:nvPr>
-            <p:ph sz="half" idx="2"/>
-          </p:nvPr>
-        </p:nvPicPr>
-        <p:blipFill>
-          <a:blip r:embed="rId2"/>
-          <a:stretch>
-            <a:fillRect/>
-          </a:stretch>
-        </p:blipFill>
-        <p:spPr>
-          <a:xfrm>
-            <a:off x="5608319" y="2393602"/>
-            <a:ext cx="5614835" cy="1917576"/>
-          </a:xfrm>
-          <a:prstGeom prst="rect">
-            <a:avLst/>
-          </a:prstGeom>
-          <a:effectLst/>
-        </p:spPr>
-      </p:pic>
-    </p:spTree>
-    <p:extLst>
-      <p:ext uri="{BB962C8B-B14F-4D97-AF65-F5344CB8AC3E}">
-        <p14:creationId xmlns:p14="http://schemas.microsoft.com/office/powerpoint/2010/main" val="878665244"/>
-      </p:ext>
-    </p:extLst>
-  </p:cSld>
-  <p:clrMapOvr>
-    <a:masterClrMapping/>
-  </p:clrMapOvr>
-</p:sld>
-</file>
-
-<file path=ppt/slides/slide11.xml><?xml version="1.0" encoding="utf-8"?>
-<p:sld xmlns:a="http://schemas.openxmlformats.org/drawingml/2006/main" xmlns:r="http://schemas.openxmlformats.org/officeDocument/2006/relationships" xmlns:p="http://schemas.openxmlformats.org/presentationml/2006/main">
-  <p:cSld>
-    <p:spTree>
-      <p:nvGrpSpPr>
-        <p:cNvPr id="1" name=""/>
-        <p:cNvGrpSpPr/>
-        <p:nvPr/>
-      </p:nvGrpSpPr>
-      <p:grpSpPr>
-        <a:xfrm>
-          <a:off x="0" y="0"/>
-          <a:ext cx="0" cy="0"/>
-          <a:chOff x="0" y="0"/>
-          <a:chExt cx="0" cy="0"/>
-        </a:xfrm>
-      </p:grpSpPr>
-      <p:sp>
-        <p:nvSpPr>
-          <p:cNvPr id="2" name="Title 1">
-            <a:extLst>
-              <a:ext uri="{FF2B5EF4-FFF2-40B4-BE49-F238E27FC236}">
-                <a16:creationId xmlns:a16="http://schemas.microsoft.com/office/drawing/2014/main" id="{9BE05351-2724-4E97-86E0-2B4B45DBA7E5}"/>
-              </a:ext>
-            </a:extLst>
-          </p:cNvPr>
-          <p:cNvSpPr>
-            <a:spLocks noGrp="1"/>
-          </p:cNvSpPr>
-          <p:nvPr>
-            <p:ph type="title"/>
-          </p:nvPr>
-        </p:nvSpPr>
-        <p:spPr>
-          <a:xfrm>
-            <a:off x="648929" y="629266"/>
-            <a:ext cx="3505495" cy="1622321"/>
-          </a:xfrm>
-        </p:spPr>
-        <p:txBody>
-          <a:bodyPr vert="horz" lIns="91440" tIns="45720" rIns="91440" bIns="45720" rtlCol="0" anchor="ctr">
-            <a:normAutofit/>
-          </a:bodyPr>
-          <a:lstStyle/>
-          <a:p>
-            <a:r>
-              <a:rPr lang="en-US" kern="1200">
-                <a:solidFill>
-                  <a:schemeClr val="tx1"/>
-                </a:solidFill>
-                <a:latin typeface="+mn-lt"/>
-                <a:ea typeface="+mj-ea"/>
-                <a:cs typeface="+mj-cs"/>
-              </a:rPr>
-              <a:t>Third Party Embedding</a:t>
-            </a:r>
-          </a:p>
-        </p:txBody>
-      </p:sp>
-      <p:sp>
-        <p:nvSpPr>
-          <p:cNvPr id="3" name="Content Placeholder 2">
-            <a:extLst>
-              <a:ext uri="{FF2B5EF4-FFF2-40B4-BE49-F238E27FC236}">
-                <a16:creationId xmlns:a16="http://schemas.microsoft.com/office/drawing/2014/main" id="{828CFE44-D3D4-4AEA-9007-95FC2C08EAA5}"/>
-              </a:ext>
-            </a:extLst>
-          </p:cNvPr>
-          <p:cNvSpPr>
-            <a:spLocks noGrp="1"/>
-          </p:cNvSpPr>
-          <p:nvPr>
-            <p:ph sz="half" idx="1"/>
-          </p:nvPr>
-        </p:nvSpPr>
-        <p:spPr>
-          <a:xfrm>
-            <a:off x="648931" y="2438400"/>
-            <a:ext cx="3505494" cy="3785419"/>
-          </a:xfrm>
-        </p:spPr>
-        <p:txBody>
-          <a:bodyPr vert="horz" lIns="91440" tIns="45720" rIns="91440" bIns="45720" rtlCol="0">
-            <a:normAutofit/>
-          </a:bodyPr>
-          <a:lstStyle/>
-          <a:p>
-            <a:r>
-              <a:rPr lang="en-US" sz="1700" b="1"/>
-              <a:t>App authenticates using Master User Account</a:t>
-            </a:r>
-          </a:p>
-          <a:p>
-            <a:pPr marL="800100" lvl="1"/>
-            <a:r>
-              <a:rPr lang="en-US" sz="1700" spc="200"/>
-              <a:t>Your code accesses Power BI Service as master user</a:t>
-            </a:r>
-          </a:p>
-          <a:p>
-            <a:pPr marL="800100" lvl="1"/>
-            <a:r>
-              <a:rPr lang="en-US" sz="1700" spc="200"/>
-              <a:t>Embedding uses embed token instead of access token</a:t>
-            </a:r>
-          </a:p>
-          <a:p>
-            <a:pPr marL="800100" lvl="1"/>
-            <a:r>
-              <a:rPr lang="en-US" sz="1700" spc="200"/>
-              <a:t>Users don’t need AAD accounts and Power BI licenses</a:t>
-            </a:r>
-          </a:p>
-          <a:p>
-            <a:pPr marL="800100" lvl="1"/>
-            <a:r>
-              <a:rPr lang="en-US" sz="1700" spc="200"/>
-              <a:t>Your code has access to whatever master has access to</a:t>
-            </a:r>
-          </a:p>
-        </p:txBody>
-      </p:sp>
-      <p:pic>
-        <p:nvPicPr>
-          <p:cNvPr id="7" name="Content Placeholder 6">
-            <a:extLst>
-              <a:ext uri="{FF2B5EF4-FFF2-40B4-BE49-F238E27FC236}">
-                <a16:creationId xmlns:a16="http://schemas.microsoft.com/office/drawing/2014/main" id="{9B8DF230-80D9-427B-B0C9-30FFC1C23C0B}"/>
-              </a:ext>
-            </a:extLst>
-          </p:cNvPr>
-          <p:cNvPicPr>
-            <a:picLocks noGrp="1" noChangeAspect="1"/>
-          </p:cNvPicPr>
-          <p:nvPr>
-            <p:ph sz="half" idx="2"/>
-          </p:nvPr>
-        </p:nvPicPr>
-        <p:blipFill>
-          <a:blip r:embed="rId2"/>
-          <a:stretch>
-            <a:fillRect/>
-          </a:stretch>
-        </p:blipFill>
-        <p:spPr>
-          <a:xfrm>
-            <a:off x="5608319" y="2393602"/>
-            <a:ext cx="5614835" cy="1917576"/>
-          </a:xfrm>
-          <a:prstGeom prst="rect">
-            <a:avLst/>
-          </a:prstGeom>
-          <a:effectLst/>
-        </p:spPr>
-      </p:pic>
-    </p:spTree>
-    <p:extLst>
-      <p:ext uri="{BB962C8B-B14F-4D97-AF65-F5344CB8AC3E}">
-        <p14:creationId xmlns:p14="http://schemas.microsoft.com/office/powerpoint/2010/main" val="893466603"/>
-      </p:ext>
-    </p:extLst>
-  </p:cSld>
-  <p:clrMapOvr>
-    <a:masterClrMapping/>
-  </p:clrMapOvr>
-</p:sld>
-</file>
-
-<file path=ppt/slides/slide12.xml><?xml version="1.0" encoding="utf-8"?>
-<p:sld xmlns:a="http://schemas.openxmlformats.org/drawingml/2006/main" xmlns:r="http://schemas.openxmlformats.org/officeDocument/2006/relationships" xmlns:p="http://schemas.openxmlformats.org/presentationml/2006/main">
-  <p:cSld>
-    <p:spTree>
-      <p:nvGrpSpPr>
-        <p:cNvPr id="1" name=""/>
-        <p:cNvGrpSpPr/>
-        <p:nvPr/>
-      </p:nvGrpSpPr>
-      <p:grpSpPr>
-        <a:xfrm>
-          <a:off x="0" y="0"/>
-          <a:ext cx="0" cy="0"/>
-          <a:chOff x="0" y="0"/>
-          <a:chExt cx="0" cy="0"/>
-        </a:xfrm>
-      </p:grpSpPr>
-      <p:sp>
-        <p:nvSpPr>
-          <p:cNvPr id="2" name="Title 1">
-            <a:extLst>
-              <a:ext uri="{FF2B5EF4-FFF2-40B4-BE49-F238E27FC236}">
                 <a16:creationId xmlns:a16="http://schemas.microsoft.com/office/drawing/2014/main" id="{47DB6BCE-0FF3-4CAA-B503-44F614D48538}"/>
               </a:ext>
             </a:extLst>
@@ -15304,7 +14976,7 @@
 </p:sld>
 </file>
 
-<file path=ppt/slides/slide13.xml><?xml version="1.0" encoding="utf-8"?>
+<file path=ppt/slides/slide11.xml><?xml version="1.0" encoding="utf-8"?>
 <p:sld xmlns:a="http://schemas.openxmlformats.org/drawingml/2006/main" xmlns:r="http://schemas.openxmlformats.org/officeDocument/2006/relationships" xmlns:p="http://schemas.openxmlformats.org/presentationml/2006/main">
   <p:cSld>
     <p:spTree>
@@ -15337,15 +15009,10 @@
             <p:ph type="title"/>
           </p:nvPr>
         </p:nvSpPr>
-        <p:spPr>
-          <a:xfrm>
-            <a:off x="838200" y="365125"/>
-            <a:ext cx="10515600" cy="1325563"/>
-          </a:xfrm>
-        </p:spPr>
+        <p:spPr/>
         <p:txBody>
           <a:bodyPr vert="horz" lIns="91440" tIns="45720" rIns="91440" bIns="45720" rtlCol="0" anchor="ctr">
-            <a:normAutofit fontScale="90000"/>
+            <a:normAutofit/>
           </a:bodyPr>
           <a:lstStyle/>
           <a:p>
@@ -15755,6 +15422,260 @@
   <p:clrMapOvr>
     <a:masterClrMapping/>
   </p:clrMapOvr>
+  <p:transition>
+    <p:fade/>
+  </p:transition>
+</p:sld>
+</file>
+
+<file path=ppt/slides/slide12.xml><?xml version="1.0" encoding="utf-8"?>
+<p:sld xmlns:a="http://schemas.openxmlformats.org/drawingml/2006/main" xmlns:r="http://schemas.openxmlformats.org/officeDocument/2006/relationships" xmlns:p="http://schemas.openxmlformats.org/presentationml/2006/main">
+  <p:cSld>
+    <p:spTree>
+      <p:nvGrpSpPr>
+        <p:cNvPr id="1" name=""/>
+        <p:cNvGrpSpPr/>
+        <p:nvPr/>
+      </p:nvGrpSpPr>
+      <p:grpSpPr>
+        <a:xfrm>
+          <a:off x="0" y="0"/>
+          <a:ext cx="0" cy="0"/>
+          <a:chOff x="0" y="0"/>
+          <a:chExt cx="0" cy="0"/>
+        </a:xfrm>
+      </p:grpSpPr>
+      <p:sp>
+        <p:nvSpPr>
+          <p:cNvPr id="2" name="Title 1">
+            <a:extLst>
+              <a:ext uri="{FF2B5EF4-FFF2-40B4-BE49-F238E27FC236}">
+                <a16:creationId xmlns:a16="http://schemas.microsoft.com/office/drawing/2014/main" id="{30D43B7C-8B3B-4B73-8EF8-0682B188358D}"/>
+              </a:ext>
+            </a:extLst>
+          </p:cNvPr>
+          <p:cNvSpPr>
+            <a:spLocks noGrp="1"/>
+          </p:cNvSpPr>
+          <p:nvPr>
+            <p:ph type="title"/>
+          </p:nvPr>
+        </p:nvSpPr>
+        <p:spPr/>
+        <p:txBody>
+          <a:bodyPr/>
+          <a:lstStyle/>
+          <a:p>
+            <a:r>
+              <a:rPr lang="en-US" dirty="0"/>
+              <a:t>Licensing</a:t>
+            </a:r>
+          </a:p>
+        </p:txBody>
+      </p:sp>
+    </p:spTree>
+    <p:extLst>
+      <p:ext uri="{BB962C8B-B14F-4D97-AF65-F5344CB8AC3E}">
+        <p14:creationId xmlns:p14="http://schemas.microsoft.com/office/powerpoint/2010/main" val="677098957"/>
+      </p:ext>
+    </p:extLst>
+  </p:cSld>
+  <p:clrMapOvr>
+    <a:masterClrMapping/>
+  </p:clrMapOvr>
+  <p:transition>
+    <p:fade/>
+  </p:transition>
+</p:sld>
+</file>
+
+<file path=ppt/slides/slide13.xml><?xml version="1.0" encoding="utf-8"?>
+<p:sld xmlns:a="http://schemas.openxmlformats.org/drawingml/2006/main" xmlns:r="http://schemas.openxmlformats.org/officeDocument/2006/relationships" xmlns:p="http://schemas.openxmlformats.org/presentationml/2006/main">
+  <p:cSld>
+    <p:spTree>
+      <p:nvGrpSpPr>
+        <p:cNvPr id="1" name=""/>
+        <p:cNvGrpSpPr/>
+        <p:nvPr/>
+      </p:nvGrpSpPr>
+      <p:grpSpPr>
+        <a:xfrm>
+          <a:off x="0" y="0"/>
+          <a:ext cx="0" cy="0"/>
+          <a:chOff x="0" y="0"/>
+          <a:chExt cx="0" cy="0"/>
+        </a:xfrm>
+      </p:grpSpPr>
+      <p:sp>
+        <p:nvSpPr>
+          <p:cNvPr id="2" name="Title 1">
+            <a:extLst>
+              <a:ext uri="{FF2B5EF4-FFF2-40B4-BE49-F238E27FC236}">
+                <a16:creationId xmlns:a16="http://schemas.microsoft.com/office/drawing/2014/main" id="{F1978CCE-97E9-4F3F-8D50-99DB1E3ADBD2}"/>
+              </a:ext>
+            </a:extLst>
+          </p:cNvPr>
+          <p:cNvSpPr>
+            <a:spLocks noGrp="1"/>
+          </p:cNvSpPr>
+          <p:nvPr>
+            <p:ph type="title"/>
+          </p:nvPr>
+        </p:nvSpPr>
+        <p:spPr/>
+        <p:txBody>
+          <a:bodyPr/>
+          <a:lstStyle/>
+          <a:p>
+            <a:r>
+              <a:rPr lang="en-US" dirty="0"/>
+              <a:t>Licensing</a:t>
+            </a:r>
+          </a:p>
+        </p:txBody>
+      </p:sp>
+      <p:sp>
+        <p:nvSpPr>
+          <p:cNvPr id="3" name="Text Placeholder 2">
+            <a:extLst>
+              <a:ext uri="{FF2B5EF4-FFF2-40B4-BE49-F238E27FC236}">
+                <a16:creationId xmlns:a16="http://schemas.microsoft.com/office/drawing/2014/main" id="{A7BB45FB-93F5-4A28-8489-ECA86E813E5A}"/>
+              </a:ext>
+            </a:extLst>
+          </p:cNvPr>
+          <p:cNvSpPr>
+            <a:spLocks noGrp="1"/>
+          </p:cNvSpPr>
+          <p:nvPr>
+            <p:ph type="body" idx="1"/>
+          </p:nvPr>
+        </p:nvSpPr>
+        <p:spPr>
+          <a:xfrm>
+            <a:off x="839788" y="1655612"/>
+            <a:ext cx="5157787" cy="849463"/>
+          </a:xfrm>
+        </p:spPr>
+        <p:txBody>
+          <a:bodyPr/>
+          <a:lstStyle/>
+          <a:p>
+            <a:r>
+              <a:rPr lang="en-US" dirty="0"/>
+              <a:t>How do I purchase Power BI Embedded?</a:t>
+            </a:r>
+          </a:p>
+        </p:txBody>
+      </p:sp>
+      <p:sp>
+        <p:nvSpPr>
+          <p:cNvPr id="4" name="Content Placeholder 3">
+            <a:extLst>
+              <a:ext uri="{FF2B5EF4-FFF2-40B4-BE49-F238E27FC236}">
+                <a16:creationId xmlns:a16="http://schemas.microsoft.com/office/drawing/2014/main" id="{10473DCF-D0BB-42F4-B3FA-822349BFFFD0}"/>
+              </a:ext>
+            </a:extLst>
+          </p:cNvPr>
+          <p:cNvSpPr>
+            <a:spLocks noGrp="1"/>
+          </p:cNvSpPr>
+          <p:nvPr>
+            <p:ph sz="half" idx="2"/>
+          </p:nvPr>
+        </p:nvSpPr>
+        <p:spPr>
+          <a:xfrm>
+            <a:off x="839788" y="2505075"/>
+            <a:ext cx="5157787" cy="849463"/>
+          </a:xfrm>
+        </p:spPr>
+        <p:txBody>
+          <a:bodyPr/>
+          <a:lstStyle/>
+          <a:p>
+            <a:r>
+              <a:rPr lang="en-US" sz="2400" dirty="0"/>
+              <a:t>Power BI Embedded is available through Azure.</a:t>
+            </a:r>
+          </a:p>
+        </p:txBody>
+      </p:sp>
+      <p:sp>
+        <p:nvSpPr>
+          <p:cNvPr id="5" name="Text Placeholder 4">
+            <a:extLst>
+              <a:ext uri="{FF2B5EF4-FFF2-40B4-BE49-F238E27FC236}">
+                <a16:creationId xmlns:a16="http://schemas.microsoft.com/office/drawing/2014/main" id="{22CCFECB-A5DC-48EE-806F-740A1D88C56D}"/>
+              </a:ext>
+            </a:extLst>
+          </p:cNvPr>
+          <p:cNvSpPr>
+            <a:spLocks noGrp="1"/>
+          </p:cNvSpPr>
+          <p:nvPr>
+            <p:ph type="body" sz="quarter" idx="3"/>
+          </p:nvPr>
+        </p:nvSpPr>
+        <p:spPr>
+          <a:xfrm>
+            <a:off x="6172200" y="1655612"/>
+            <a:ext cx="5183188" cy="849463"/>
+          </a:xfrm>
+        </p:spPr>
+        <p:txBody>
+          <a:bodyPr/>
+          <a:lstStyle/>
+          <a:p>
+            <a:r>
+              <a:rPr lang="en-US" sz="1600" dirty="0"/>
+              <a:t>What happens if I already purchased Power BI Premium and now I want some of the benefits of Power BI Embedded in Azure?</a:t>
+            </a:r>
+          </a:p>
+        </p:txBody>
+      </p:sp>
+      <p:sp>
+        <p:nvSpPr>
+          <p:cNvPr id="6" name="Content Placeholder 5">
+            <a:extLst>
+              <a:ext uri="{FF2B5EF4-FFF2-40B4-BE49-F238E27FC236}">
+                <a16:creationId xmlns:a16="http://schemas.microsoft.com/office/drawing/2014/main" id="{2A15BD23-39FC-4A64-A69C-6825FC545DBE}"/>
+              </a:ext>
+            </a:extLst>
+          </p:cNvPr>
+          <p:cNvSpPr>
+            <a:spLocks noGrp="1"/>
+          </p:cNvSpPr>
+          <p:nvPr>
+            <p:ph sz="quarter" idx="4"/>
+          </p:nvPr>
+        </p:nvSpPr>
+        <p:spPr>
+          <a:xfrm>
+            <a:off x="6172200" y="2505075"/>
+            <a:ext cx="5183188" cy="2511457"/>
+          </a:xfrm>
+        </p:spPr>
+        <p:txBody>
+          <a:bodyPr/>
+          <a:lstStyle/>
+          <a:p>
+            <a:r>
+              <a:rPr lang="en-US" sz="2400" dirty="0"/>
+              <a:t>Customers continue to pay for any existing Power BI Premium purchases until the end of their current agreement term and then may switch their Power BI Premium purchases as necessary at that point.</a:t>
+            </a:r>
+          </a:p>
+        </p:txBody>
+      </p:sp>
+    </p:spTree>
+    <p:extLst>
+      <p:ext uri="{BB962C8B-B14F-4D97-AF65-F5344CB8AC3E}">
+        <p14:creationId xmlns:p14="http://schemas.microsoft.com/office/powerpoint/2010/main" val="3283526701"/>
+      </p:ext>
+    </p:extLst>
+  </p:cSld>
+  <p:clrMapOvr>
+    <a:masterClrMapping/>
+  </p:clrMapOvr>
 </p:sld>
 </file>
 
@@ -15777,7 +15698,13 @@
       </p:grpSpPr>
       <p:sp>
         <p:nvSpPr>
-          <p:cNvPr id="2" name="Title 1"/>
+          <p:cNvPr id="2" name="Title 1">
+            <a:extLst>
+              <a:ext uri="{FF2B5EF4-FFF2-40B4-BE49-F238E27FC236}">
+                <a16:creationId xmlns:a16="http://schemas.microsoft.com/office/drawing/2014/main" id="{D2F760B9-C1D5-4464-AFED-D72F8C5E96B6}"/>
+              </a:ext>
+            </a:extLst>
+          </p:cNvPr>
           <p:cNvSpPr>
             <a:spLocks noGrp="1"/>
           </p:cNvSpPr>
@@ -15791,12 +15718,140 @@
           <a:lstStyle/>
           <a:p>
             <a:r>
-              <a:rPr lang="en-US" dirty="0">
-                <a:solidFill>
-                  <a:schemeClr val="tx1"/>
-                </a:solidFill>
-              </a:rPr>
-              <a:t>Wrap Up</a:t>
+              <a:rPr lang="en-US" dirty="0"/>
+              <a:t>Licensing</a:t>
+            </a:r>
+          </a:p>
+        </p:txBody>
+      </p:sp>
+      <p:sp>
+        <p:nvSpPr>
+          <p:cNvPr id="3" name="Text Placeholder 2">
+            <a:extLst>
+              <a:ext uri="{FF2B5EF4-FFF2-40B4-BE49-F238E27FC236}">
+                <a16:creationId xmlns:a16="http://schemas.microsoft.com/office/drawing/2014/main" id="{DD2888B4-2BAC-4325-9799-49D40C36FD70}"/>
+              </a:ext>
+            </a:extLst>
+          </p:cNvPr>
+          <p:cNvSpPr>
+            <a:spLocks noGrp="1"/>
+          </p:cNvSpPr>
+          <p:nvPr>
+            <p:ph type="body" idx="1"/>
+          </p:nvPr>
+        </p:nvSpPr>
+        <p:spPr>
+          <a:xfrm>
+            <a:off x="839788" y="1766411"/>
+            <a:ext cx="5157787" cy="738664"/>
+          </a:xfrm>
+        </p:spPr>
+        <p:txBody>
+          <a:bodyPr/>
+          <a:lstStyle/>
+          <a:p>
+            <a:r>
+              <a:rPr lang="en-US" sz="2000" dirty="0"/>
+              <a:t>Do I still have to buy Power BI Premium to get access to Power BI Embedded?</a:t>
+            </a:r>
+          </a:p>
+        </p:txBody>
+      </p:sp>
+      <p:sp>
+        <p:nvSpPr>
+          <p:cNvPr id="4" name="Content Placeholder 3">
+            <a:extLst>
+              <a:ext uri="{FF2B5EF4-FFF2-40B4-BE49-F238E27FC236}">
+                <a16:creationId xmlns:a16="http://schemas.microsoft.com/office/drawing/2014/main" id="{95D01C7E-FA85-48B0-91DA-7DC80662D019}"/>
+              </a:ext>
+            </a:extLst>
+          </p:cNvPr>
+          <p:cNvSpPr>
+            <a:spLocks noGrp="1"/>
+          </p:cNvSpPr>
+          <p:nvPr>
+            <p:ph sz="half" idx="2"/>
+          </p:nvPr>
+        </p:nvSpPr>
+        <p:spPr>
+          <a:xfrm>
+            <a:off x="839788" y="2505075"/>
+            <a:ext cx="5157787" cy="1514261"/>
+          </a:xfrm>
+        </p:spPr>
+        <p:txBody>
+          <a:bodyPr/>
+          <a:lstStyle/>
+          <a:p>
+            <a:r>
+              <a:rPr lang="en-US" sz="2400" dirty="0"/>
+              <a:t>No, Power BI Embedded includes the Azure-based capacity that you need to deploy and distribute your solution to customers.</a:t>
+            </a:r>
+          </a:p>
+        </p:txBody>
+      </p:sp>
+      <p:sp>
+        <p:nvSpPr>
+          <p:cNvPr id="5" name="Text Placeholder 4">
+            <a:extLst>
+              <a:ext uri="{FF2B5EF4-FFF2-40B4-BE49-F238E27FC236}">
+                <a16:creationId xmlns:a16="http://schemas.microsoft.com/office/drawing/2014/main" id="{40135572-F677-49DC-AC8B-F4E607073754}"/>
+              </a:ext>
+            </a:extLst>
+          </p:cNvPr>
+          <p:cNvSpPr>
+            <a:spLocks noGrp="1"/>
+          </p:cNvSpPr>
+          <p:nvPr>
+            <p:ph type="body" sz="quarter" idx="3"/>
+          </p:nvPr>
+        </p:nvSpPr>
+        <p:spPr>
+          <a:xfrm>
+            <a:off x="6172200" y="1655612"/>
+            <a:ext cx="5183188" cy="849463"/>
+          </a:xfrm>
+        </p:spPr>
+        <p:txBody>
+          <a:bodyPr/>
+          <a:lstStyle/>
+          <a:p>
+            <a:r>
+              <a:rPr lang="en-US" dirty="0"/>
+              <a:t>What’s the purchase commitment for Power BI Embedded?</a:t>
+            </a:r>
+          </a:p>
+        </p:txBody>
+      </p:sp>
+      <p:sp>
+        <p:nvSpPr>
+          <p:cNvPr id="6" name="Content Placeholder 5">
+            <a:extLst>
+              <a:ext uri="{FF2B5EF4-FFF2-40B4-BE49-F238E27FC236}">
+                <a16:creationId xmlns:a16="http://schemas.microsoft.com/office/drawing/2014/main" id="{3713B980-9E28-4F20-902B-211272D94AFD}"/>
+              </a:ext>
+            </a:extLst>
+          </p:cNvPr>
+          <p:cNvSpPr>
+            <a:spLocks noGrp="1"/>
+          </p:cNvSpPr>
+          <p:nvPr>
+            <p:ph sz="quarter" idx="4"/>
+          </p:nvPr>
+        </p:nvSpPr>
+        <p:spPr>
+          <a:xfrm>
+            <a:off x="6172200" y="2505075"/>
+            <a:ext cx="5183188" cy="1514261"/>
+          </a:xfrm>
+        </p:spPr>
+        <p:txBody>
+          <a:bodyPr/>
+          <a:lstStyle/>
+          <a:p>
+            <a:r>
+              <a:rPr lang="en-US" sz="2400" dirty="0"/>
+              <a:t>Customers may change their usage on an hourly basis. There is no monthly or annual commitment for the Power BI Embedded service.</a:t>
             </a:r>
           </a:p>
         </p:txBody>
@@ -15804,25 +15859,13 @@
     </p:spTree>
     <p:extLst>
       <p:ext uri="{BB962C8B-B14F-4D97-AF65-F5344CB8AC3E}">
-        <p14:creationId xmlns:p14="http://schemas.microsoft.com/office/powerpoint/2010/main" val="2714070568"/>
+        <p14:creationId xmlns:p14="http://schemas.microsoft.com/office/powerpoint/2010/main" val="2693957279"/>
       </p:ext>
     </p:extLst>
   </p:cSld>
   <p:clrMapOvr>
     <a:masterClrMapping/>
   </p:clrMapOvr>
-  <mc:AlternateContent xmlns:mc="http://schemas.openxmlformats.org/markup-compatibility/2006" xmlns:p14="http://schemas.microsoft.com/office/powerpoint/2010/main">
-    <mc:Choice Requires="p14">
-      <p:transition spd="med" p14:dur="700">
-        <p:fade/>
-      </p:transition>
-    </mc:Choice>
-    <mc:Fallback xmlns="">
-      <p:transition spd="med">
-        <p:fade/>
-      </p:transition>
-    </mc:Fallback>
-  </mc:AlternateContent>
 </p:sld>
 </file>
 
@@ -15845,7 +15888,13 @@
       </p:grpSpPr>
       <p:sp>
         <p:nvSpPr>
-          <p:cNvPr id="2" name="Title 1"/>
+          <p:cNvPr id="2" name="Title 1">
+            <a:extLst>
+              <a:ext uri="{FF2B5EF4-FFF2-40B4-BE49-F238E27FC236}">
+                <a16:creationId xmlns:a16="http://schemas.microsoft.com/office/drawing/2014/main" id="{6B56BF4C-AA23-4364-93C6-4EFAA7166CB0}"/>
+              </a:ext>
+            </a:extLst>
+          </p:cNvPr>
           <p:cNvSpPr>
             <a:spLocks noGrp="1"/>
           </p:cNvSpPr>
@@ -15855,143 +15904,214 @@
         </p:nvSpPr>
         <p:spPr/>
         <p:txBody>
-          <a:bodyPr>
-            <a:normAutofit/>
-          </a:bodyPr>
+          <a:bodyPr/>
           <a:lstStyle/>
           <a:p>
             <a:r>
-              <a:rPr lang="en-US" sz="4400" dirty="0">
-                <a:solidFill>
-                  <a:schemeClr val="tx1"/>
-                </a:solidFill>
-                <a:latin typeface="Segoe UI Light" panose="020B0502040204020203" pitchFamily="34" charset="0"/>
-                <a:cs typeface="Segoe UI Light" panose="020B0502040204020203" pitchFamily="34" charset="0"/>
-              </a:rPr>
-              <a:t>Wrap-up</a:t>
+              <a:rPr lang="en-US" dirty="0"/>
+              <a:t>Licensing</a:t>
             </a:r>
           </a:p>
         </p:txBody>
       </p:sp>
       <p:sp>
         <p:nvSpPr>
-          <p:cNvPr id="9" name="TextBox 8">
+          <p:cNvPr id="3" name="Text Placeholder 2">
             <a:extLst>
               <a:ext uri="{FF2B5EF4-FFF2-40B4-BE49-F238E27FC236}">
-                <a16:creationId xmlns:a16="http://schemas.microsoft.com/office/drawing/2014/main" id="{0F86F9F9-39B5-4CE6-AF48-9ADAE40EA728}"/>
+                <a16:creationId xmlns:a16="http://schemas.microsoft.com/office/drawing/2014/main" id="{B0089D77-98C3-4B47-B574-409E929E970F}"/>
               </a:ext>
             </a:extLst>
           </p:cNvPr>
-          <p:cNvSpPr txBox="1"/>
-          <p:nvPr/>
+          <p:cNvSpPr>
+            <a:spLocks noGrp="1"/>
+          </p:cNvSpPr>
+          <p:nvPr>
+            <p:ph type="body" idx="1"/>
+          </p:nvPr>
         </p:nvSpPr>
         <p:spPr>
           <a:xfrm>
-            <a:off x="340285" y="1741246"/>
-            <a:ext cx="7247965" cy="3006977"/>
+            <a:off x="839788" y="1655612"/>
+            <a:ext cx="5157787" cy="849463"/>
           </a:xfrm>
-          <a:prstGeom prst="rect">
-            <a:avLst/>
-          </a:prstGeom>
-          <a:noFill/>
         </p:spPr>
         <p:txBody>
-          <a:bodyPr wrap="square" lIns="182880" tIns="146304" rIns="182880" bIns="146304" rtlCol="0">
-            <a:spAutoFit/>
-          </a:bodyPr>
+          <a:bodyPr/>
           <a:lstStyle/>
           <a:p>
-            <a:pPr>
-              <a:lnSpc>
-                <a:spcPct val="90000"/>
-              </a:lnSpc>
-              <a:spcAft>
-                <a:spcPts val="600"/>
-              </a:spcAft>
-            </a:pPr>
-            <a:r>
-              <a:rPr lang="en-US" sz="3600" dirty="0">
-                <a:latin typeface="+mj-lt"/>
+            <a:r>
+              <a:rPr lang="en-US" dirty="0"/>
+              <a:t>How does the usage of Power BI Embedded show up on my bill?</a:t>
+            </a:r>
+          </a:p>
+        </p:txBody>
+      </p:sp>
+      <p:sp>
+        <p:nvSpPr>
+          <p:cNvPr id="4" name="Content Placeholder 3">
+            <a:extLst>
+              <a:ext uri="{FF2B5EF4-FFF2-40B4-BE49-F238E27FC236}">
+                <a16:creationId xmlns:a16="http://schemas.microsoft.com/office/drawing/2014/main" id="{115A94A4-4B17-42DD-AC0D-E5F290AD6A16}"/>
+              </a:ext>
+            </a:extLst>
+          </p:cNvPr>
+          <p:cNvSpPr>
+            <a:spLocks noGrp="1"/>
+          </p:cNvSpPr>
+          <p:nvPr>
+            <p:ph sz="half" idx="2"/>
+          </p:nvPr>
+        </p:nvSpPr>
+        <p:spPr>
+          <a:xfrm>
+            <a:off x="839788" y="2505075"/>
+            <a:ext cx="5157787" cy="2511457"/>
+          </a:xfrm>
+        </p:spPr>
+        <p:txBody>
+          <a:bodyPr/>
+          <a:lstStyle/>
+          <a:p>
+            <a:r>
+              <a:rPr lang="en-US" sz="2400" dirty="0"/>
+              <a:t>Power BI Embedded bills on a predictable hourly rate based on the type of node(s) deployed. As long as your resource is active, you are billed even if there is no usage. To stop being billed, you need to pause your resource actively.</a:t>
+            </a:r>
+          </a:p>
+        </p:txBody>
+      </p:sp>
+      <p:sp>
+        <p:nvSpPr>
+          <p:cNvPr id="5" name="Text Placeholder 4">
+            <a:extLst>
+              <a:ext uri="{FF2B5EF4-FFF2-40B4-BE49-F238E27FC236}">
+                <a16:creationId xmlns:a16="http://schemas.microsoft.com/office/drawing/2014/main" id="{1336D597-1EB4-4546-99B9-4393287E3323}"/>
+              </a:ext>
+            </a:extLst>
+          </p:cNvPr>
+          <p:cNvSpPr>
+            <a:spLocks noGrp="1"/>
+          </p:cNvSpPr>
+          <p:nvPr>
+            <p:ph type="body" sz="quarter" idx="3"/>
+          </p:nvPr>
+        </p:nvSpPr>
+        <p:spPr>
+          <a:xfrm>
+            <a:off x="6172200" y="1655612"/>
+            <a:ext cx="5183188" cy="849463"/>
+          </a:xfrm>
+        </p:spPr>
+        <p:txBody>
+          <a:bodyPr/>
+          <a:lstStyle/>
+          <a:p>
+            <a:r>
+              <a:rPr lang="en-US" dirty="0"/>
+              <a:t>Who needs a Power BI Pro license for Power BI Embedded and why?</a:t>
+            </a:r>
+          </a:p>
+        </p:txBody>
+      </p:sp>
+      <p:sp>
+        <p:nvSpPr>
+          <p:cNvPr id="6" name="Content Placeholder 5">
+            <a:extLst>
+              <a:ext uri="{FF2B5EF4-FFF2-40B4-BE49-F238E27FC236}">
+                <a16:creationId xmlns:a16="http://schemas.microsoft.com/office/drawing/2014/main" id="{257B2CC5-59CA-4F78-A8A8-C0697BBBBD4E}"/>
+              </a:ext>
+            </a:extLst>
+          </p:cNvPr>
+          <p:cNvSpPr>
+            <a:spLocks noGrp="1"/>
+          </p:cNvSpPr>
+          <p:nvPr>
+            <p:ph sz="quarter" idx="4"/>
+          </p:nvPr>
+        </p:nvSpPr>
+        <p:spPr>
+          <a:xfrm>
+            <a:off x="6172200" y="2505075"/>
+            <a:ext cx="5183188" cy="3828740"/>
+          </a:xfrm>
+        </p:spPr>
+        <p:txBody>
+          <a:bodyPr/>
+          <a:lstStyle/>
+          <a:p>
+            <a:r>
+              <a:rPr lang="en-US" sz="1600" dirty="0">
+                <a:solidFill>
+                  <a:schemeClr val="tx1"/>
+                </a:solidFill>
               </a:rPr>
-              <a:t>Outcome</a:t>
-            </a:r>
-          </a:p>
-          <a:p>
-            <a:pPr>
-              <a:lnSpc>
-                <a:spcPct val="90000"/>
-              </a:lnSpc>
-              <a:spcAft>
-                <a:spcPts val="600"/>
-              </a:spcAft>
-            </a:pPr>
-            <a:r>
-              <a:rPr lang="en-US" sz="2400" dirty="0">
-                <a:latin typeface="Segoe UI Semilight" panose="020B0402040204020203" pitchFamily="34" charset="0"/>
-                <a:cs typeface="Segoe UI Semilight" panose="020B0402040204020203" pitchFamily="34" charset="0"/>
+              <a:t>Any developer that requires the use of the REST APIs needs a Power BI Pro license or </a:t>
+            </a:r>
+            <a:r>
+              <a:rPr lang="en-US" sz="1600" u="sng" dirty="0">
+                <a:solidFill>
+                  <a:schemeClr val="tx1"/>
+                </a:solidFill>
+                <a:hlinkClick r:id="rId2">
+                  <a:extLst>
+                    <a:ext uri="{A12FA001-AC4F-418D-AE19-62706E023703}">
+                      <ahyp:hlinkClr xmlns:ahyp="http://schemas.microsoft.com/office/drawing/2018/hyperlinkcolor" val="tx"/>
+                    </a:ext>
+                  </a:extLst>
+                </a:hlinkClick>
               </a:rPr>
-              <a:t>Identify the preferred solution for the case study</a:t>
-            </a:r>
-          </a:p>
-          <a:p>
-            <a:pPr>
-              <a:lnSpc>
-                <a:spcPct val="90000"/>
-              </a:lnSpc>
-              <a:spcAft>
-                <a:spcPts val="600"/>
-              </a:spcAft>
-            </a:pPr>
-            <a:r>
-              <a:rPr lang="en-US" sz="2400" dirty="0">
-                <a:latin typeface="Segoe UI Semilight" panose="020B0402040204020203" pitchFamily="34" charset="0"/>
-                <a:cs typeface="Segoe UI Semilight" panose="020B0402040204020203" pitchFamily="34" charset="0"/>
+              <a:t>service principal</a:t>
+            </a:r>
+            <a:r>
+              <a:rPr lang="en-US" sz="1600" dirty="0">
+                <a:solidFill>
+                  <a:schemeClr val="tx1"/>
+                </a:solidFill>
               </a:rPr>
-              <a:t>Identify solutions designed by other teams</a:t>
-            </a:r>
-          </a:p>
-          <a:p>
-            <a:pPr>
-              <a:lnSpc>
-                <a:spcPct val="90000"/>
-              </a:lnSpc>
-              <a:spcAft>
-                <a:spcPts val="600"/>
-              </a:spcAft>
-            </a:pPr>
-            <a:endParaRPr lang="en-US" sz="2400" dirty="0"/>
-          </a:p>
-          <a:p>
-            <a:pPr>
-              <a:lnSpc>
-                <a:spcPct val="90000"/>
-              </a:lnSpc>
-              <a:spcAft>
-                <a:spcPts val="600"/>
-              </a:spcAft>
-            </a:pPr>
-            <a:r>
-              <a:rPr lang="en-US" sz="3600" dirty="0">
-                <a:latin typeface="+mj-lt"/>
+              <a:t>. Any analyst that needs to add reports to a Power BI workspace can either have a Power BI Pro license or use service principal. Any tenant admin that needs to manage the Power BI tenant and capacity is required to have a Power BI Pro license.</a:t>
+            </a:r>
+          </a:p>
+          <a:p>
+            <a:r>
+              <a:rPr lang="en-US" sz="1600" dirty="0">
+                <a:solidFill>
+                  <a:schemeClr val="tx1"/>
+                </a:solidFill>
               </a:rPr>
-              <a:t>Timeframe</a:t>
-            </a:r>
-          </a:p>
-          <a:p>
-            <a:pPr>
-              <a:lnSpc>
-                <a:spcPct val="90000"/>
-              </a:lnSpc>
-              <a:spcAft>
-                <a:spcPts val="600"/>
-              </a:spcAft>
-            </a:pPr>
-            <a:r>
-              <a:rPr lang="en-US" sz="2400" dirty="0">
-                <a:latin typeface="Segoe UI Semilight" panose="020B0402040204020203" pitchFamily="34" charset="0"/>
-                <a:cs typeface="Segoe UI Semilight" panose="020B0402040204020203" pitchFamily="34" charset="0"/>
+              <a:t>Because Power BI Embedded allows the use of the Power BI portal for managing and validating embedded content, the Power BI Pro license is required to authenticate the App inside PowerBI.com to get access to the reports in the right repositories.</a:t>
+            </a:r>
+          </a:p>
+          <a:p>
+            <a:r>
+              <a:rPr lang="en-US" sz="1600" dirty="0">
+                <a:solidFill>
+                  <a:schemeClr val="tx1"/>
+                </a:solidFill>
               </a:rPr>
-              <a:t>15 minutes</a:t>
+              <a:t>However, for </a:t>
+            </a:r>
+            <a:r>
+              <a:rPr lang="en-US" sz="1600" u="sng" dirty="0">
+                <a:solidFill>
+                  <a:schemeClr val="tx1"/>
+                </a:solidFill>
+                <a:hlinkClick r:id="rId3">
+                  <a:extLst>
+                    <a:ext uri="{A12FA001-AC4F-418D-AE19-62706E023703}">
+                      <ahyp:hlinkClr xmlns:ahyp="http://schemas.microsoft.com/office/drawing/2018/hyperlinkcolor" val="tx"/>
+                    </a:ext>
+                  </a:extLst>
+                </a:hlinkClick>
+              </a:rPr>
+              <a:t>creating/editing embedded reports</a:t>
+            </a:r>
+            <a:r>
+              <a:rPr lang="en-US" sz="1600" dirty="0">
+                <a:solidFill>
+                  <a:schemeClr val="tx1"/>
+                </a:solidFill>
+              </a:rPr>
+              <a:t> inside your application, the end user does not need a Pro license as the user isn't required to be a Power BI user at all.</a:t>
             </a:r>
           </a:p>
         </p:txBody>
@@ -15999,35 +16119,19 @@
     </p:spTree>
     <p:extLst>
       <p:ext uri="{BB962C8B-B14F-4D97-AF65-F5344CB8AC3E}">
-        <p14:creationId xmlns:p14="http://schemas.microsoft.com/office/powerpoint/2010/main" val="4239998353"/>
+        <p14:creationId xmlns:p14="http://schemas.microsoft.com/office/powerpoint/2010/main" val="3237444771"/>
       </p:ext>
     </p:extLst>
   </p:cSld>
   <p:clrMapOvr>
     <a:masterClrMapping/>
   </p:clrMapOvr>
-  <mc:AlternateContent xmlns:mc="http://schemas.openxmlformats.org/markup-compatibility/2006" xmlns:p14="http://schemas.microsoft.com/office/powerpoint/2010/main">
-    <mc:Choice Requires="p14">
-      <p:transition p14:dur="0"/>
-    </mc:Choice>
-    <mc:Fallback xmlns="">
-      <p:transition/>
-    </mc:Fallback>
-  </mc:AlternateContent>
 </p:sld>
 </file>
 
 <file path=ppt/slides/slide16.xml><?xml version="1.0" encoding="utf-8"?>
 <p:sld xmlns:a="http://schemas.openxmlformats.org/drawingml/2006/main" xmlns:r="http://schemas.openxmlformats.org/officeDocument/2006/relationships" xmlns:p="http://schemas.openxmlformats.org/presentationml/2006/main">
   <p:cSld>
-    <p:bg>
-      <p:bgPr>
-        <a:solidFill>
-          <a:schemeClr val="bg2"/>
-        </a:solidFill>
-        <a:effectLst/>
-      </p:bgPr>
-    </p:bg>
     <p:spTree>
       <p:nvGrpSpPr>
         <p:cNvPr id="1" name=""/>
@@ -16042,28 +16146,921 @@
           <a:chExt cx="0" cy="0"/>
         </a:xfrm>
       </p:grpSpPr>
+      <p:sp>
+        <p:nvSpPr>
+          <p:cNvPr id="2" name="Title 1">
+            <a:extLst>
+              <a:ext uri="{FF2B5EF4-FFF2-40B4-BE49-F238E27FC236}">
+                <a16:creationId xmlns:a16="http://schemas.microsoft.com/office/drawing/2014/main" id="{6EB0EE16-51FA-4CD3-957F-FBF75DF06F06}"/>
+              </a:ext>
+            </a:extLst>
+          </p:cNvPr>
+          <p:cNvSpPr>
+            <a:spLocks noGrp="1"/>
+          </p:cNvSpPr>
+          <p:nvPr>
+            <p:ph type="title"/>
+          </p:nvPr>
+        </p:nvSpPr>
+        <p:spPr/>
+        <p:txBody>
+          <a:bodyPr/>
+          <a:lstStyle/>
+          <a:p>
+            <a:r>
+              <a:rPr lang="en-US" dirty="0"/>
+              <a:t>FAQs</a:t>
+            </a:r>
+          </a:p>
+        </p:txBody>
+      </p:sp>
     </p:spTree>
     <p:extLst>
       <p:ext uri="{BB962C8B-B14F-4D97-AF65-F5344CB8AC3E}">
-        <p14:creationId xmlns:p14="http://schemas.microsoft.com/office/powerpoint/2010/main" val="1897784522"/>
+        <p14:creationId xmlns:p14="http://schemas.microsoft.com/office/powerpoint/2010/main" val="3290717234"/>
       </p:ext>
     </p:extLst>
   </p:cSld>
   <p:clrMapOvr>
     <a:masterClrMapping/>
   </p:clrMapOvr>
-  <mc:AlternateContent xmlns:mc="http://schemas.openxmlformats.org/markup-compatibility/2006" xmlns:p14="http://schemas.microsoft.com/office/powerpoint/2010/main">
-    <mc:Choice Requires="p14">
-      <p:transition spd="med" p14:dur="700">
-        <p:fade/>
-      </p:transition>
-    </mc:Choice>
-    <mc:Fallback xmlns="">
-      <p:transition spd="med">
-        <p:fade/>
-      </p:transition>
-    </mc:Fallback>
-  </mc:AlternateContent>
+  <p:transition>
+    <p:fade/>
+  </p:transition>
+</p:sld>
+</file>
+
+<file path=ppt/slides/slide17.xml><?xml version="1.0" encoding="utf-8"?>
+<p:sld xmlns:a="http://schemas.openxmlformats.org/drawingml/2006/main" xmlns:r="http://schemas.openxmlformats.org/officeDocument/2006/relationships" xmlns:p="http://schemas.openxmlformats.org/presentationml/2006/main">
+  <p:cSld>
+    <p:spTree>
+      <p:nvGrpSpPr>
+        <p:cNvPr id="1" name=""/>
+        <p:cNvGrpSpPr/>
+        <p:nvPr/>
+      </p:nvGrpSpPr>
+      <p:grpSpPr>
+        <a:xfrm>
+          <a:off x="0" y="0"/>
+          <a:ext cx="0" cy="0"/>
+          <a:chOff x="0" y="0"/>
+          <a:chExt cx="0" cy="0"/>
+        </a:xfrm>
+      </p:grpSpPr>
+      <p:sp>
+        <p:nvSpPr>
+          <p:cNvPr id="2" name="Title 1">
+            <a:extLst>
+              <a:ext uri="{FF2B5EF4-FFF2-40B4-BE49-F238E27FC236}">
+                <a16:creationId xmlns:a16="http://schemas.microsoft.com/office/drawing/2014/main" id="{113A9765-A80A-4187-A741-561D23FE7FDF}"/>
+              </a:ext>
+            </a:extLst>
+          </p:cNvPr>
+          <p:cNvSpPr>
+            <a:spLocks noGrp="1"/>
+          </p:cNvSpPr>
+          <p:nvPr>
+            <p:ph type="title"/>
+          </p:nvPr>
+        </p:nvSpPr>
+        <p:spPr/>
+        <p:txBody>
+          <a:bodyPr/>
+          <a:lstStyle/>
+          <a:p>
+            <a:r>
+              <a:rPr lang="en-US" dirty="0"/>
+              <a:t>FAQs</a:t>
+            </a:r>
+          </a:p>
+        </p:txBody>
+      </p:sp>
+      <p:sp>
+        <p:nvSpPr>
+          <p:cNvPr id="3" name="Text Placeholder 2">
+            <a:extLst>
+              <a:ext uri="{FF2B5EF4-FFF2-40B4-BE49-F238E27FC236}">
+                <a16:creationId xmlns:a16="http://schemas.microsoft.com/office/drawing/2014/main" id="{B62A60E8-C99D-4C28-9D0A-9F2268FF8F9B}"/>
+              </a:ext>
+            </a:extLst>
+          </p:cNvPr>
+          <p:cNvSpPr>
+            <a:spLocks noGrp="1"/>
+          </p:cNvSpPr>
+          <p:nvPr>
+            <p:ph type="body" idx="1"/>
+          </p:nvPr>
+        </p:nvSpPr>
+        <p:spPr>
+          <a:xfrm>
+            <a:off x="839788" y="1877210"/>
+            <a:ext cx="5157787" cy="572465"/>
+          </a:xfrm>
+        </p:spPr>
+        <p:txBody>
+          <a:bodyPr anchor="ctr"/>
+          <a:lstStyle/>
+          <a:p>
+            <a:r>
+              <a:rPr lang="en-US" sz="1600" dirty="0"/>
+              <a:t>What type of content pack data can be embedded?</a:t>
+            </a:r>
+          </a:p>
+        </p:txBody>
+      </p:sp>
+      <p:sp>
+        <p:nvSpPr>
+          <p:cNvPr id="4" name="Content Placeholder 3">
+            <a:extLst>
+              <a:ext uri="{FF2B5EF4-FFF2-40B4-BE49-F238E27FC236}">
+                <a16:creationId xmlns:a16="http://schemas.microsoft.com/office/drawing/2014/main" id="{CCBBAC2C-A011-4519-9074-762A931C8212}"/>
+              </a:ext>
+            </a:extLst>
+          </p:cNvPr>
+          <p:cNvSpPr>
+            <a:spLocks noGrp="1"/>
+          </p:cNvSpPr>
+          <p:nvPr>
+            <p:ph sz="half" idx="2"/>
+          </p:nvPr>
+        </p:nvSpPr>
+        <p:spPr>
+          <a:xfrm>
+            <a:off x="839788" y="2505075"/>
+            <a:ext cx="5157787" cy="2179058"/>
+          </a:xfrm>
+        </p:spPr>
+        <p:txBody>
+          <a:bodyPr/>
+          <a:lstStyle/>
+          <a:p>
+            <a:r>
+              <a:rPr lang="en-US" sz="2400" b="1" dirty="0"/>
+              <a:t>Dashboards</a:t>
+            </a:r>
+            <a:r>
+              <a:rPr lang="en-US" sz="2400" dirty="0"/>
+              <a:t> and </a:t>
+            </a:r>
+            <a:r>
+              <a:rPr lang="en-US" sz="2400" b="1" dirty="0"/>
+              <a:t>tiles</a:t>
+            </a:r>
+            <a:r>
+              <a:rPr lang="en-US" sz="2400" dirty="0"/>
+              <a:t> that are built from content pack datasets </a:t>
+            </a:r>
+            <a:r>
+              <a:rPr lang="en-US" sz="2400" i="1" dirty="0"/>
+              <a:t>cannot</a:t>
+            </a:r>
+            <a:r>
+              <a:rPr lang="en-US" sz="2400" dirty="0"/>
+              <a:t> be embedded, however, </a:t>
+            </a:r>
+            <a:r>
+              <a:rPr lang="en-US" sz="2400" b="1" dirty="0"/>
+              <a:t>reports</a:t>
+            </a:r>
+            <a:r>
+              <a:rPr lang="en-US" sz="2400" dirty="0"/>
+              <a:t> built from a content pack dataset </a:t>
+            </a:r>
+            <a:r>
+              <a:rPr lang="en-US" sz="2400" i="1" dirty="0"/>
+              <a:t>can</a:t>
+            </a:r>
+            <a:r>
+              <a:rPr lang="en-US" sz="2400" dirty="0"/>
+              <a:t> be embedded.</a:t>
+            </a:r>
+          </a:p>
+        </p:txBody>
+      </p:sp>
+      <p:sp>
+        <p:nvSpPr>
+          <p:cNvPr id="5" name="Text Placeholder 4">
+            <a:extLst>
+              <a:ext uri="{FF2B5EF4-FFF2-40B4-BE49-F238E27FC236}">
+                <a16:creationId xmlns:a16="http://schemas.microsoft.com/office/drawing/2014/main" id="{0D3B65E4-3ABD-4555-9A90-072B0AE0CD6D}"/>
+              </a:ext>
+            </a:extLst>
+          </p:cNvPr>
+          <p:cNvSpPr>
+            <a:spLocks noGrp="1"/>
+          </p:cNvSpPr>
+          <p:nvPr>
+            <p:ph type="body" sz="quarter" idx="3"/>
+          </p:nvPr>
+        </p:nvSpPr>
+        <p:spPr>
+          <a:xfrm>
+            <a:off x="6172200" y="1877210"/>
+            <a:ext cx="5183188" cy="572465"/>
+          </a:xfrm>
+        </p:spPr>
+        <p:txBody>
+          <a:bodyPr anchor="ctr"/>
+          <a:lstStyle/>
+          <a:p>
+            <a:r>
+              <a:rPr lang="en-US" sz="1600" dirty="0"/>
+              <a:t>What deploy regions are supported?</a:t>
+            </a:r>
+          </a:p>
+        </p:txBody>
+      </p:sp>
+      <p:sp>
+        <p:nvSpPr>
+          <p:cNvPr id="6" name="Content Placeholder 5">
+            <a:extLst>
+              <a:ext uri="{FF2B5EF4-FFF2-40B4-BE49-F238E27FC236}">
+                <a16:creationId xmlns:a16="http://schemas.microsoft.com/office/drawing/2014/main" id="{8C9DC2E3-6A23-4749-93BF-4BD180BCA396}"/>
+              </a:ext>
+            </a:extLst>
+          </p:cNvPr>
+          <p:cNvSpPr>
+            <a:spLocks noGrp="1"/>
+          </p:cNvSpPr>
+          <p:nvPr>
+            <p:ph sz="quarter" idx="4"/>
+          </p:nvPr>
+        </p:nvSpPr>
+        <p:spPr>
+          <a:xfrm>
+            <a:off x="6172200" y="2505075"/>
+            <a:ext cx="5183188" cy="3459409"/>
+          </a:xfrm>
+        </p:spPr>
+        <p:txBody>
+          <a:bodyPr/>
+          <a:lstStyle/>
+          <a:p>
+            <a:r>
+              <a:rPr lang="en-US" sz="1400" dirty="0"/>
+              <a:t>Australia Southeast, </a:t>
+            </a:r>
+          </a:p>
+          <a:p>
+            <a:r>
+              <a:rPr lang="en-US" sz="1400" dirty="0"/>
+              <a:t>Brazil South, </a:t>
+            </a:r>
+          </a:p>
+          <a:p>
+            <a:r>
+              <a:rPr lang="en-US" sz="1400" dirty="0"/>
+              <a:t>Canada Central, </a:t>
+            </a:r>
+          </a:p>
+          <a:p>
+            <a:r>
+              <a:rPr lang="en-US" sz="1400" dirty="0"/>
+              <a:t>East US 2, </a:t>
+            </a:r>
+          </a:p>
+          <a:p>
+            <a:r>
+              <a:rPr lang="en-US" sz="1400" dirty="0"/>
+              <a:t>India West, </a:t>
+            </a:r>
+          </a:p>
+          <a:p>
+            <a:r>
+              <a:rPr lang="en-US" sz="1400" dirty="0"/>
+              <a:t>Japan East, </a:t>
+            </a:r>
+          </a:p>
+          <a:p>
+            <a:r>
+              <a:rPr lang="en-US" sz="1400" dirty="0"/>
+              <a:t>North Central US, </a:t>
+            </a:r>
+          </a:p>
+          <a:p>
+            <a:r>
+              <a:rPr lang="en-US" sz="1400" dirty="0"/>
+              <a:t>North Europe, </a:t>
+            </a:r>
+          </a:p>
+          <a:p>
+            <a:r>
+              <a:rPr lang="en-US" sz="1400" dirty="0"/>
+              <a:t>South Central US, </a:t>
+            </a:r>
+          </a:p>
+          <a:p>
+            <a:r>
+              <a:rPr lang="en-US" sz="1400" dirty="0"/>
+              <a:t>Southeast Asia, </a:t>
+            </a:r>
+          </a:p>
+          <a:p>
+            <a:r>
+              <a:rPr lang="en-US" sz="1400" dirty="0"/>
+              <a:t>UK South, </a:t>
+            </a:r>
+          </a:p>
+          <a:p>
+            <a:r>
+              <a:rPr lang="en-US" sz="1400" dirty="0"/>
+              <a:t>West Europe, </a:t>
+            </a:r>
+          </a:p>
+          <a:p>
+            <a:r>
+              <a:rPr lang="en-US" sz="1400" dirty="0"/>
+              <a:t>West US, and </a:t>
+            </a:r>
+          </a:p>
+          <a:p>
+            <a:r>
+              <a:rPr lang="en-US" sz="1400" dirty="0"/>
+              <a:t>West US 2.</a:t>
+            </a:r>
+          </a:p>
+        </p:txBody>
+      </p:sp>
+    </p:spTree>
+    <p:extLst>
+      <p:ext uri="{BB962C8B-B14F-4D97-AF65-F5344CB8AC3E}">
+        <p14:creationId xmlns:p14="http://schemas.microsoft.com/office/powerpoint/2010/main" val="2835079792"/>
+      </p:ext>
+    </p:extLst>
+  </p:cSld>
+  <p:clrMapOvr>
+    <a:masterClrMapping/>
+  </p:clrMapOvr>
+</p:sld>
+</file>
+
+<file path=ppt/slides/slide18.xml><?xml version="1.0" encoding="utf-8"?>
+<p:sld xmlns:a="http://schemas.openxmlformats.org/drawingml/2006/main" xmlns:r="http://schemas.openxmlformats.org/officeDocument/2006/relationships" xmlns:p="http://schemas.openxmlformats.org/presentationml/2006/main">
+  <p:cSld>
+    <p:spTree>
+      <p:nvGrpSpPr>
+        <p:cNvPr id="1" name=""/>
+        <p:cNvGrpSpPr/>
+        <p:nvPr/>
+      </p:nvGrpSpPr>
+      <p:grpSpPr>
+        <a:xfrm>
+          <a:off x="0" y="0"/>
+          <a:ext cx="0" cy="0"/>
+          <a:chOff x="0" y="0"/>
+          <a:chExt cx="0" cy="0"/>
+        </a:xfrm>
+      </p:grpSpPr>
+      <p:sp>
+        <p:nvSpPr>
+          <p:cNvPr id="2" name="Title 1">
+            <a:extLst>
+              <a:ext uri="{FF2B5EF4-FFF2-40B4-BE49-F238E27FC236}">
+                <a16:creationId xmlns:a16="http://schemas.microsoft.com/office/drawing/2014/main" id="{27786EB5-6011-4749-9085-CA0FD613983F}"/>
+              </a:ext>
+            </a:extLst>
+          </p:cNvPr>
+          <p:cNvSpPr>
+            <a:spLocks noGrp="1"/>
+          </p:cNvSpPr>
+          <p:nvPr>
+            <p:ph type="title"/>
+          </p:nvPr>
+        </p:nvSpPr>
+        <p:spPr/>
+        <p:txBody>
+          <a:bodyPr/>
+          <a:lstStyle/>
+          <a:p>
+            <a:r>
+              <a:rPr lang="en-US" dirty="0"/>
+              <a:t>FAQs</a:t>
+            </a:r>
+          </a:p>
+        </p:txBody>
+      </p:sp>
+      <p:sp>
+        <p:nvSpPr>
+          <p:cNvPr id="3" name="Text Placeholder 2">
+            <a:extLst>
+              <a:ext uri="{FF2B5EF4-FFF2-40B4-BE49-F238E27FC236}">
+                <a16:creationId xmlns:a16="http://schemas.microsoft.com/office/drawing/2014/main" id="{47A84B09-38C2-4310-AFDE-1B6C205F9FEC}"/>
+              </a:ext>
+            </a:extLst>
+          </p:cNvPr>
+          <p:cNvSpPr>
+            <a:spLocks noGrp="1"/>
+          </p:cNvSpPr>
+          <p:nvPr>
+            <p:ph type="body" idx="1"/>
+          </p:nvPr>
+        </p:nvSpPr>
+        <p:spPr>
+          <a:xfrm>
+            <a:off x="839788" y="1655612"/>
+            <a:ext cx="5157787" cy="849463"/>
+          </a:xfrm>
+        </p:spPr>
+        <p:txBody>
+          <a:bodyPr/>
+          <a:lstStyle/>
+          <a:p>
+            <a:r>
+              <a:rPr lang="en-US" dirty="0"/>
+              <a:t>How can I monitor Power BI Embedded capacity consumption?</a:t>
+            </a:r>
+          </a:p>
+        </p:txBody>
+      </p:sp>
+      <p:sp>
+        <p:nvSpPr>
+          <p:cNvPr id="4" name="Content Placeholder 3">
+            <a:extLst>
+              <a:ext uri="{FF2B5EF4-FFF2-40B4-BE49-F238E27FC236}">
+                <a16:creationId xmlns:a16="http://schemas.microsoft.com/office/drawing/2014/main" id="{686EEE8F-CCC9-412E-AC16-2B1EF2E706FE}"/>
+              </a:ext>
+            </a:extLst>
+          </p:cNvPr>
+          <p:cNvSpPr>
+            <a:spLocks noGrp="1"/>
+          </p:cNvSpPr>
+          <p:nvPr>
+            <p:ph sz="half" idx="2"/>
+          </p:nvPr>
+        </p:nvSpPr>
+        <p:spPr>
+          <a:xfrm>
+            <a:off x="839788" y="2505075"/>
+            <a:ext cx="5157787" cy="1661993"/>
+          </a:xfrm>
+        </p:spPr>
+        <p:txBody>
+          <a:bodyPr/>
+          <a:lstStyle/>
+          <a:p>
+            <a:r>
+              <a:rPr lang="en-US" sz="2400" dirty="0">
+                <a:solidFill>
+                  <a:schemeClr val="tx1"/>
+                </a:solidFill>
+              </a:rPr>
+              <a:t>Using the </a:t>
+            </a:r>
+            <a:r>
+              <a:rPr lang="en-US" sz="2400" u="sng" dirty="0">
+                <a:solidFill>
+                  <a:schemeClr val="tx1"/>
+                </a:solidFill>
+                <a:hlinkClick r:id="rId2">
+                  <a:extLst>
+                    <a:ext uri="{A12FA001-AC4F-418D-AE19-62706E023703}">
+                      <ahyp:hlinkClr xmlns:ahyp="http://schemas.microsoft.com/office/drawing/2018/hyperlinkcolor" val="tx"/>
+                    </a:ext>
+                  </a:extLst>
+                </a:hlinkClick>
+              </a:rPr>
+              <a:t>Power BI Admin portal</a:t>
+            </a:r>
+            <a:r>
+              <a:rPr lang="en-US" sz="2400" dirty="0">
+                <a:solidFill>
+                  <a:schemeClr val="tx1"/>
+                </a:solidFill>
+              </a:rPr>
+              <a:t>.</a:t>
+            </a:r>
+          </a:p>
+          <a:p>
+            <a:r>
+              <a:rPr lang="en-US" sz="2400" dirty="0">
+                <a:solidFill>
+                  <a:schemeClr val="tx1"/>
+                </a:solidFill>
+              </a:rPr>
+              <a:t>Downloading the </a:t>
+            </a:r>
+            <a:r>
+              <a:rPr lang="en-US" sz="2400" u="sng" dirty="0">
+                <a:solidFill>
+                  <a:schemeClr val="tx1"/>
+                </a:solidFill>
+                <a:hlinkClick r:id="rId3">
+                  <a:extLst>
+                    <a:ext uri="{A12FA001-AC4F-418D-AE19-62706E023703}">
+                      <ahyp:hlinkClr xmlns:ahyp="http://schemas.microsoft.com/office/drawing/2018/hyperlinkcolor" val="tx"/>
+                    </a:ext>
+                  </a:extLst>
+                </a:hlinkClick>
+              </a:rPr>
+              <a:t>metric app</a:t>
+            </a:r>
+            <a:r>
+              <a:rPr lang="en-US" sz="2400" dirty="0">
+                <a:solidFill>
+                  <a:schemeClr val="tx1"/>
+                </a:solidFill>
+              </a:rPr>
+              <a:t> in Power BI.</a:t>
+            </a:r>
+          </a:p>
+          <a:p>
+            <a:r>
+              <a:rPr lang="en-US" sz="2400" dirty="0">
+                <a:solidFill>
+                  <a:schemeClr val="tx1"/>
+                </a:solidFill>
+              </a:rPr>
+              <a:t>Using </a:t>
+            </a:r>
+            <a:r>
+              <a:rPr lang="en-US" sz="2400" u="sng" dirty="0">
+                <a:solidFill>
+                  <a:schemeClr val="tx1"/>
+                </a:solidFill>
+                <a:hlinkClick r:id="rId4">
+                  <a:extLst>
+                    <a:ext uri="{A12FA001-AC4F-418D-AE19-62706E023703}">
+                      <ahyp:hlinkClr xmlns:ahyp="http://schemas.microsoft.com/office/drawing/2018/hyperlinkcolor" val="tx"/>
+                    </a:ext>
+                  </a:extLst>
+                </a:hlinkClick>
+              </a:rPr>
+              <a:t>Azure diagnostic logging</a:t>
+            </a:r>
+            <a:r>
+              <a:rPr lang="en-US" sz="2400" dirty="0">
+                <a:solidFill>
+                  <a:schemeClr val="tx1"/>
+                </a:solidFill>
+              </a:rPr>
+              <a:t>.</a:t>
+            </a:r>
+          </a:p>
+        </p:txBody>
+      </p:sp>
+      <p:sp>
+        <p:nvSpPr>
+          <p:cNvPr id="5" name="Text Placeholder 4">
+            <a:extLst>
+              <a:ext uri="{FF2B5EF4-FFF2-40B4-BE49-F238E27FC236}">
+                <a16:creationId xmlns:a16="http://schemas.microsoft.com/office/drawing/2014/main" id="{D9ABF0EF-C81A-46E2-A545-981911079C4B}"/>
+              </a:ext>
+            </a:extLst>
+          </p:cNvPr>
+          <p:cNvSpPr>
+            <a:spLocks noGrp="1"/>
+          </p:cNvSpPr>
+          <p:nvPr>
+            <p:ph type="body" sz="quarter" idx="3"/>
+          </p:nvPr>
+        </p:nvSpPr>
+        <p:spPr>
+          <a:xfrm>
+            <a:off x="6172200" y="1690688"/>
+            <a:ext cx="5183188" cy="517065"/>
+          </a:xfrm>
+        </p:spPr>
+        <p:txBody>
+          <a:bodyPr anchor="t"/>
+          <a:lstStyle/>
+          <a:p>
+            <a:r>
+              <a:rPr lang="en-US" dirty="0"/>
+              <a:t>What is the Power BI Service?</a:t>
+            </a:r>
+          </a:p>
+        </p:txBody>
+      </p:sp>
+      <p:sp>
+        <p:nvSpPr>
+          <p:cNvPr id="6" name="Content Placeholder 5">
+            <a:extLst>
+              <a:ext uri="{FF2B5EF4-FFF2-40B4-BE49-F238E27FC236}">
+                <a16:creationId xmlns:a16="http://schemas.microsoft.com/office/drawing/2014/main" id="{DF466CA0-17F6-4F2C-9390-CFB02C09F419}"/>
+              </a:ext>
+            </a:extLst>
+          </p:cNvPr>
+          <p:cNvSpPr>
+            <a:spLocks noGrp="1"/>
+          </p:cNvSpPr>
+          <p:nvPr>
+            <p:ph sz="quarter" idx="4"/>
+          </p:nvPr>
+        </p:nvSpPr>
+        <p:spPr>
+          <a:xfrm>
+            <a:off x="6172200" y="2505075"/>
+            <a:ext cx="5183188" cy="3065455"/>
+          </a:xfrm>
+        </p:spPr>
+        <p:txBody>
+          <a:bodyPr/>
+          <a:lstStyle/>
+          <a:p>
+            <a:r>
+              <a:rPr lang="en-US" sz="2400" dirty="0">
+                <a:solidFill>
+                  <a:schemeClr val="tx1"/>
+                </a:solidFill>
+              </a:rPr>
+              <a:t>Provides cloud-based foundation for power BI platform</a:t>
+            </a:r>
+          </a:p>
+          <a:p>
+            <a:r>
+              <a:rPr lang="en-US" sz="2400" dirty="0">
+                <a:solidFill>
+                  <a:schemeClr val="tx1"/>
+                </a:solidFill>
+              </a:rPr>
+              <a:t>Accessible with browser through https://app.Powerbi.Com</a:t>
+            </a:r>
+          </a:p>
+          <a:p>
+            <a:r>
+              <a:rPr lang="en-US" sz="2400" dirty="0">
+                <a:solidFill>
+                  <a:schemeClr val="tx1"/>
+                </a:solidFill>
+              </a:rPr>
+              <a:t>Accessible through power BI mobile apps</a:t>
+            </a:r>
+          </a:p>
+          <a:p>
+            <a:r>
+              <a:rPr lang="en-US" sz="2400" dirty="0">
+                <a:solidFill>
+                  <a:schemeClr val="tx1"/>
+                </a:solidFill>
+              </a:rPr>
+              <a:t>Accessible to developers through power BI service API</a:t>
+            </a:r>
+          </a:p>
+        </p:txBody>
+      </p:sp>
+    </p:spTree>
+    <p:extLst>
+      <p:ext uri="{BB962C8B-B14F-4D97-AF65-F5344CB8AC3E}">
+        <p14:creationId xmlns:p14="http://schemas.microsoft.com/office/powerpoint/2010/main" val="3954084811"/>
+      </p:ext>
+    </p:extLst>
+  </p:cSld>
+  <p:clrMapOvr>
+    <a:masterClrMapping/>
+  </p:clrMapOvr>
+</p:sld>
+</file>
+
+<file path=ppt/slides/slide19.xml><?xml version="1.0" encoding="utf-8"?>
+<p:sld xmlns:a="http://schemas.openxmlformats.org/drawingml/2006/main" xmlns:r="http://schemas.openxmlformats.org/officeDocument/2006/relationships" xmlns:p="http://schemas.openxmlformats.org/presentationml/2006/main">
+  <p:cSld>
+    <p:spTree>
+      <p:nvGrpSpPr>
+        <p:cNvPr id="1" name=""/>
+        <p:cNvGrpSpPr/>
+        <p:nvPr/>
+      </p:nvGrpSpPr>
+      <p:grpSpPr>
+        <a:xfrm>
+          <a:off x="0" y="0"/>
+          <a:ext cx="0" cy="0"/>
+          <a:chOff x="0" y="0"/>
+          <a:chExt cx="0" cy="0"/>
+        </a:xfrm>
+      </p:grpSpPr>
+      <p:sp>
+        <p:nvSpPr>
+          <p:cNvPr id="2" name="Title 1">
+            <a:extLst>
+              <a:ext uri="{FF2B5EF4-FFF2-40B4-BE49-F238E27FC236}">
+                <a16:creationId xmlns:a16="http://schemas.microsoft.com/office/drawing/2014/main" id="{24F77C62-2741-4C4C-8581-6CA7C9D6B81E}"/>
+              </a:ext>
+            </a:extLst>
+          </p:cNvPr>
+          <p:cNvSpPr>
+            <a:spLocks noGrp="1"/>
+          </p:cNvSpPr>
+          <p:nvPr>
+            <p:ph type="title"/>
+          </p:nvPr>
+        </p:nvSpPr>
+        <p:spPr/>
+        <p:txBody>
+          <a:bodyPr/>
+          <a:lstStyle/>
+          <a:p>
+            <a:r>
+              <a:rPr lang="en-US" dirty="0"/>
+              <a:t>FAQs</a:t>
+            </a:r>
+          </a:p>
+        </p:txBody>
+      </p:sp>
+      <p:sp>
+        <p:nvSpPr>
+          <p:cNvPr id="3" name="Text Placeholder 2">
+            <a:extLst>
+              <a:ext uri="{FF2B5EF4-FFF2-40B4-BE49-F238E27FC236}">
+                <a16:creationId xmlns:a16="http://schemas.microsoft.com/office/drawing/2014/main" id="{D4C2B1B6-EE9F-4A0F-B44F-3E3D9C9B4DE7}"/>
+              </a:ext>
+            </a:extLst>
+          </p:cNvPr>
+          <p:cNvSpPr>
+            <a:spLocks noGrp="1"/>
+          </p:cNvSpPr>
+          <p:nvPr>
+            <p:ph type="body" idx="1"/>
+          </p:nvPr>
+        </p:nvSpPr>
+        <p:spPr>
+          <a:xfrm>
+            <a:off x="839788" y="1766411"/>
+            <a:ext cx="5157787" cy="738664"/>
+          </a:xfrm>
+        </p:spPr>
+        <p:txBody>
+          <a:bodyPr/>
+          <a:lstStyle/>
+          <a:p>
+            <a:r>
+              <a:rPr lang="en-US" sz="2000" dirty="0"/>
+              <a:t>What is the PBI Embedded dedicated capacity role in a PBI Embedded solution?</a:t>
+            </a:r>
+          </a:p>
+        </p:txBody>
+      </p:sp>
+      <p:sp>
+        <p:nvSpPr>
+          <p:cNvPr id="4" name="Content Placeholder 3">
+            <a:extLst>
+              <a:ext uri="{FF2B5EF4-FFF2-40B4-BE49-F238E27FC236}">
+                <a16:creationId xmlns:a16="http://schemas.microsoft.com/office/drawing/2014/main" id="{A3B2FE82-F344-4603-AE4A-6EE9BD2011E8}"/>
+              </a:ext>
+            </a:extLst>
+          </p:cNvPr>
+          <p:cNvSpPr>
+            <a:spLocks noGrp="1"/>
+          </p:cNvSpPr>
+          <p:nvPr>
+            <p:ph sz="half" idx="2"/>
+          </p:nvPr>
+        </p:nvSpPr>
+        <p:spPr>
+          <a:xfrm>
+            <a:off x="839788" y="2505075"/>
+            <a:ext cx="5157787" cy="2179058"/>
+          </a:xfrm>
+        </p:spPr>
+        <p:txBody>
+          <a:bodyPr/>
+          <a:lstStyle/>
+          <a:p>
+            <a:r>
+              <a:rPr lang="en-US" sz="2400" dirty="0">
+                <a:solidFill>
+                  <a:schemeClr val="tx1"/>
+                </a:solidFill>
+              </a:rPr>
+              <a:t>To </a:t>
+            </a:r>
+            <a:r>
+              <a:rPr lang="en-US" sz="2400" u="sng" dirty="0">
+                <a:solidFill>
+                  <a:schemeClr val="tx1"/>
+                </a:solidFill>
+                <a:hlinkClick r:id="rId2">
+                  <a:extLst>
+                    <a:ext uri="{A12FA001-AC4F-418D-AE19-62706E023703}">
+                      <ahyp:hlinkClr xmlns:ahyp="http://schemas.microsoft.com/office/drawing/2018/hyperlinkcolor" val="tx"/>
+                    </a:ext>
+                  </a:extLst>
+                </a:hlinkClick>
+              </a:rPr>
+              <a:t>promote your solution to production</a:t>
+            </a:r>
+            <a:r>
+              <a:rPr lang="en-US" sz="2400" dirty="0">
+                <a:solidFill>
+                  <a:schemeClr val="tx1"/>
+                </a:solidFill>
+              </a:rPr>
+              <a:t>, you need the Power BI content (app workspace that you are using in your application to be assigned to a Power BI Embedded (A SKU) capacity.</a:t>
+            </a:r>
+          </a:p>
+        </p:txBody>
+      </p:sp>
+      <p:sp>
+        <p:nvSpPr>
+          <p:cNvPr id="5" name="Text Placeholder 4">
+            <a:extLst>
+              <a:ext uri="{FF2B5EF4-FFF2-40B4-BE49-F238E27FC236}">
+                <a16:creationId xmlns:a16="http://schemas.microsoft.com/office/drawing/2014/main" id="{E0BE00F6-DF72-4842-86D9-7DBD1CF82AF4}"/>
+              </a:ext>
+            </a:extLst>
+          </p:cNvPr>
+          <p:cNvSpPr>
+            <a:spLocks noGrp="1"/>
+          </p:cNvSpPr>
+          <p:nvPr>
+            <p:ph type="body" sz="quarter" idx="3"/>
+          </p:nvPr>
+        </p:nvSpPr>
+        <p:spPr>
+          <a:xfrm>
+            <a:off x="6172200" y="1655612"/>
+            <a:ext cx="5183188" cy="849463"/>
+          </a:xfrm>
+        </p:spPr>
+        <p:txBody>
+          <a:bodyPr/>
+          <a:lstStyle/>
+          <a:p>
+            <a:r>
+              <a:rPr lang="en-US" dirty="0"/>
+              <a:t>What type of content pack data can be embedded?</a:t>
+            </a:r>
+          </a:p>
+        </p:txBody>
+      </p:sp>
+      <p:sp>
+        <p:nvSpPr>
+          <p:cNvPr id="6" name="Content Placeholder 5">
+            <a:extLst>
+              <a:ext uri="{FF2B5EF4-FFF2-40B4-BE49-F238E27FC236}">
+                <a16:creationId xmlns:a16="http://schemas.microsoft.com/office/drawing/2014/main" id="{4745E109-D7E9-4000-9A6C-1158B7E5EC86}"/>
+              </a:ext>
+            </a:extLst>
+          </p:cNvPr>
+          <p:cNvSpPr>
+            <a:spLocks noGrp="1"/>
+          </p:cNvSpPr>
+          <p:nvPr>
+            <p:ph sz="quarter" idx="4"/>
+          </p:nvPr>
+        </p:nvSpPr>
+        <p:spPr>
+          <a:xfrm>
+            <a:off x="6172200" y="2505075"/>
+            <a:ext cx="5183188" cy="2179058"/>
+          </a:xfrm>
+        </p:spPr>
+        <p:txBody>
+          <a:bodyPr/>
+          <a:lstStyle/>
+          <a:p>
+            <a:r>
+              <a:rPr lang="en-US" sz="2400" b="1" dirty="0"/>
+              <a:t>Dashboards</a:t>
+            </a:r>
+            <a:r>
+              <a:rPr lang="en-US" sz="2400" dirty="0"/>
+              <a:t> and </a:t>
+            </a:r>
+            <a:r>
+              <a:rPr lang="en-US" sz="2400" b="1" dirty="0"/>
+              <a:t>tiles</a:t>
+            </a:r>
+            <a:r>
+              <a:rPr lang="en-US" sz="2400" dirty="0"/>
+              <a:t> that are built from content pack datasets </a:t>
+            </a:r>
+            <a:r>
+              <a:rPr lang="en-US" sz="2400" i="1" dirty="0"/>
+              <a:t>cannot</a:t>
+            </a:r>
+            <a:r>
+              <a:rPr lang="en-US" sz="2400" dirty="0"/>
+              <a:t> be embedded, however, </a:t>
+            </a:r>
+            <a:r>
+              <a:rPr lang="en-US" sz="2400" b="1" dirty="0"/>
+              <a:t>reports</a:t>
+            </a:r>
+            <a:r>
+              <a:rPr lang="en-US" sz="2400" dirty="0"/>
+              <a:t> built from a content pack dataset </a:t>
+            </a:r>
+            <a:r>
+              <a:rPr lang="en-US" sz="2400" i="1" dirty="0"/>
+              <a:t>can</a:t>
+            </a:r>
+            <a:r>
+              <a:rPr lang="en-US" sz="2400" dirty="0"/>
+              <a:t> be embedded.</a:t>
+            </a:r>
+          </a:p>
+        </p:txBody>
+      </p:sp>
+    </p:spTree>
+    <p:extLst>
+      <p:ext uri="{BB962C8B-B14F-4D97-AF65-F5344CB8AC3E}">
+        <p14:creationId xmlns:p14="http://schemas.microsoft.com/office/powerpoint/2010/main" val="3171163662"/>
+      </p:ext>
+    </p:extLst>
+  </p:cSld>
+  <p:clrMapOvr>
+    <a:masterClrMapping/>
+  </p:clrMapOvr>
 </p:sld>
 </file>
 
@@ -16114,6 +17111,569 @@
     <p:extLst>
       <p:ext uri="{BB962C8B-B14F-4D97-AF65-F5344CB8AC3E}">
         <p14:creationId xmlns:p14="http://schemas.microsoft.com/office/powerpoint/2010/main" val="1666887711"/>
+      </p:ext>
+    </p:extLst>
+  </p:cSld>
+  <p:clrMapOvr>
+    <a:masterClrMapping/>
+  </p:clrMapOvr>
+  <mc:AlternateContent xmlns:mc="http://schemas.openxmlformats.org/markup-compatibility/2006" xmlns:p14="http://schemas.microsoft.com/office/powerpoint/2010/main">
+    <mc:Choice Requires="p14">
+      <p:transition spd="med" p14:dur="700">
+        <p:fade/>
+      </p:transition>
+    </mc:Choice>
+    <mc:Fallback xmlns="">
+      <p:transition spd="med">
+        <p:fade/>
+      </p:transition>
+    </mc:Fallback>
+  </mc:AlternateContent>
+</p:sld>
+</file>
+
+<file path=ppt/slides/slide20.xml><?xml version="1.0" encoding="utf-8"?>
+<p:sld xmlns:a="http://schemas.openxmlformats.org/drawingml/2006/main" xmlns:r="http://schemas.openxmlformats.org/officeDocument/2006/relationships" xmlns:p="http://schemas.openxmlformats.org/presentationml/2006/main">
+  <p:cSld>
+    <p:spTree>
+      <p:nvGrpSpPr>
+        <p:cNvPr id="1" name=""/>
+        <p:cNvGrpSpPr/>
+        <p:nvPr/>
+      </p:nvGrpSpPr>
+      <p:grpSpPr>
+        <a:xfrm>
+          <a:off x="0" y="0"/>
+          <a:ext cx="0" cy="0"/>
+          <a:chOff x="0" y="0"/>
+          <a:chExt cx="0" cy="0"/>
+        </a:xfrm>
+      </p:grpSpPr>
+      <p:sp>
+        <p:nvSpPr>
+          <p:cNvPr id="2" name="Title 1">
+            <a:extLst>
+              <a:ext uri="{FF2B5EF4-FFF2-40B4-BE49-F238E27FC236}">
+                <a16:creationId xmlns:a16="http://schemas.microsoft.com/office/drawing/2014/main" id="{DF1CD1D4-B373-455D-8E1F-D81BBA071ABE}"/>
+              </a:ext>
+            </a:extLst>
+          </p:cNvPr>
+          <p:cNvSpPr>
+            <a:spLocks noGrp="1"/>
+          </p:cNvSpPr>
+          <p:nvPr>
+            <p:ph type="title"/>
+          </p:nvPr>
+        </p:nvSpPr>
+        <p:spPr/>
+        <p:txBody>
+          <a:bodyPr/>
+          <a:lstStyle/>
+          <a:p>
+            <a:r>
+              <a:rPr lang="en-US" dirty="0"/>
+              <a:t>FAQs</a:t>
+            </a:r>
+          </a:p>
+        </p:txBody>
+      </p:sp>
+      <p:sp>
+        <p:nvSpPr>
+          <p:cNvPr id="3" name="Text Placeholder 2">
+            <a:extLst>
+              <a:ext uri="{FF2B5EF4-FFF2-40B4-BE49-F238E27FC236}">
+                <a16:creationId xmlns:a16="http://schemas.microsoft.com/office/drawing/2014/main" id="{0C7F245C-1EB7-4AA3-9DC4-F6625DA283AF}"/>
+              </a:ext>
+            </a:extLst>
+          </p:cNvPr>
+          <p:cNvSpPr>
+            <a:spLocks noGrp="1"/>
+          </p:cNvSpPr>
+          <p:nvPr>
+            <p:ph type="body" idx="1"/>
+          </p:nvPr>
+        </p:nvSpPr>
+        <p:spPr>
+          <a:xfrm>
+            <a:off x="839788" y="1655612"/>
+            <a:ext cx="5157787" cy="849463"/>
+          </a:xfrm>
+        </p:spPr>
+        <p:txBody>
+          <a:bodyPr/>
+          <a:lstStyle/>
+          <a:p>
+            <a:r>
+              <a:rPr lang="en-US" dirty="0"/>
+              <a:t>What is the authentication model for Power BI Embedded?</a:t>
+            </a:r>
+          </a:p>
+        </p:txBody>
+      </p:sp>
+      <p:sp>
+        <p:nvSpPr>
+          <p:cNvPr id="4" name="Content Placeholder 3">
+            <a:extLst>
+              <a:ext uri="{FF2B5EF4-FFF2-40B4-BE49-F238E27FC236}">
+                <a16:creationId xmlns:a16="http://schemas.microsoft.com/office/drawing/2014/main" id="{C0CCDAEE-B060-43D7-853B-1DE40B2EA7D5}"/>
+              </a:ext>
+            </a:extLst>
+          </p:cNvPr>
+          <p:cNvSpPr>
+            <a:spLocks noGrp="1"/>
+          </p:cNvSpPr>
+          <p:nvPr>
+            <p:ph sz="half" idx="2"/>
+          </p:nvPr>
+        </p:nvSpPr>
+        <p:spPr>
+          <a:xfrm>
+            <a:off x="839788" y="2505075"/>
+            <a:ext cx="5157787" cy="3656386"/>
+          </a:xfrm>
+        </p:spPr>
+        <p:txBody>
+          <a:bodyPr/>
+          <a:lstStyle/>
+          <a:p>
+            <a:r>
+              <a:rPr lang="en-US" sz="1600" dirty="0">
+                <a:solidFill>
+                  <a:schemeClr val="tx1"/>
+                </a:solidFill>
+              </a:rPr>
+              <a:t>Power BI Embedded continues to use Azure AD for authentication of the master user (a designated Power BI Pro licensed user), or with </a:t>
+            </a:r>
+            <a:r>
+              <a:rPr lang="en-US" sz="1600" u="sng" dirty="0">
+                <a:solidFill>
+                  <a:schemeClr val="tx1"/>
+                </a:solidFill>
+                <a:hlinkClick r:id="rId2">
+                  <a:extLst>
+                    <a:ext uri="{A12FA001-AC4F-418D-AE19-62706E023703}">
+                      <ahyp:hlinkClr xmlns:ahyp="http://schemas.microsoft.com/office/drawing/2018/hyperlinkcolor" val="tx"/>
+                    </a:ext>
+                  </a:extLst>
+                </a:hlinkClick>
+              </a:rPr>
+              <a:t>service principal</a:t>
+            </a:r>
+            <a:r>
+              <a:rPr lang="en-US" sz="1600" dirty="0">
+                <a:solidFill>
+                  <a:schemeClr val="tx1"/>
+                </a:solidFill>
+              </a:rPr>
+              <a:t> for authenticating the application inside Power BI.</a:t>
+            </a:r>
+          </a:p>
+          <a:p>
+            <a:r>
+              <a:rPr lang="en-US" sz="1600" dirty="0">
+                <a:solidFill>
+                  <a:schemeClr val="tx1"/>
+                </a:solidFill>
+              </a:rPr>
+              <a:t>The authentication and authorization of application users implemented by the ISV, the ISV can implement their authentication for their applications.</a:t>
+            </a:r>
+          </a:p>
+          <a:p>
+            <a:r>
+              <a:rPr lang="en-US" sz="1600" dirty="0">
+                <a:solidFill>
+                  <a:schemeClr val="tx1"/>
+                </a:solidFill>
+              </a:rPr>
+              <a:t>If you already have an Azure AD tenant, you can use your existing directory, or you can create a new Azure AD tenant for your embedded application content security.</a:t>
+            </a:r>
+          </a:p>
+          <a:p>
+            <a:r>
+              <a:rPr lang="en-US" sz="1600" dirty="0">
+                <a:solidFill>
+                  <a:schemeClr val="tx1"/>
+                </a:solidFill>
+              </a:rPr>
+              <a:t>To get an AAD token, you can use one of the </a:t>
+            </a:r>
+            <a:r>
+              <a:rPr lang="en-US" sz="1600" u="sng" dirty="0">
+                <a:solidFill>
+                  <a:schemeClr val="tx1"/>
+                </a:solidFill>
+                <a:hlinkClick r:id="rId3">
+                  <a:extLst>
+                    <a:ext uri="{A12FA001-AC4F-418D-AE19-62706E023703}">
+                      <ahyp:hlinkClr xmlns:ahyp="http://schemas.microsoft.com/office/drawing/2018/hyperlinkcolor" val="tx"/>
+                    </a:ext>
+                  </a:extLst>
+                </a:hlinkClick>
+              </a:rPr>
+              <a:t>Azure Active Directory Authentication Libraries</a:t>
+            </a:r>
+            <a:r>
+              <a:rPr lang="en-US" sz="1600" dirty="0">
+                <a:solidFill>
+                  <a:schemeClr val="tx1"/>
+                </a:solidFill>
+              </a:rPr>
+              <a:t>. There are client libraries available for multiple platforms.</a:t>
+            </a:r>
+          </a:p>
+        </p:txBody>
+      </p:sp>
+      <p:sp>
+        <p:nvSpPr>
+          <p:cNvPr id="8" name="Content Placeholder 7">
+            <a:extLst>
+              <a:ext uri="{FF2B5EF4-FFF2-40B4-BE49-F238E27FC236}">
+                <a16:creationId xmlns:a16="http://schemas.microsoft.com/office/drawing/2014/main" id="{D2047C62-C4AA-4ED4-A2CC-9B33FC6067FC}"/>
+              </a:ext>
+            </a:extLst>
+          </p:cNvPr>
+          <p:cNvSpPr>
+            <a:spLocks noGrp="1"/>
+          </p:cNvSpPr>
+          <p:nvPr>
+            <p:ph sz="quarter" idx="4"/>
+          </p:nvPr>
+        </p:nvSpPr>
+        <p:spPr/>
+        <p:txBody>
+          <a:bodyPr/>
+          <a:lstStyle/>
+          <a:p>
+            <a:endParaRPr lang="en-US"/>
+          </a:p>
+        </p:txBody>
+      </p:sp>
+      <p:sp>
+        <p:nvSpPr>
+          <p:cNvPr id="9" name="Text Placeholder 8">
+            <a:extLst>
+              <a:ext uri="{FF2B5EF4-FFF2-40B4-BE49-F238E27FC236}">
+                <a16:creationId xmlns:a16="http://schemas.microsoft.com/office/drawing/2014/main" id="{6F6531E7-035A-46F9-8D87-227C25738393}"/>
+              </a:ext>
+            </a:extLst>
+          </p:cNvPr>
+          <p:cNvSpPr>
+            <a:spLocks noGrp="1"/>
+          </p:cNvSpPr>
+          <p:nvPr>
+            <p:ph type="body" sz="quarter" idx="3"/>
+          </p:nvPr>
+        </p:nvSpPr>
+        <p:spPr/>
+        <p:txBody>
+          <a:bodyPr/>
+          <a:lstStyle/>
+          <a:p>
+            <a:endParaRPr lang="en-US"/>
+          </a:p>
+        </p:txBody>
+      </p:sp>
+    </p:spTree>
+    <p:extLst>
+      <p:ext uri="{BB962C8B-B14F-4D97-AF65-F5344CB8AC3E}">
+        <p14:creationId xmlns:p14="http://schemas.microsoft.com/office/powerpoint/2010/main" val="3931987177"/>
+      </p:ext>
+    </p:extLst>
+  </p:cSld>
+  <p:clrMapOvr>
+    <a:masterClrMapping/>
+  </p:clrMapOvr>
+</p:sld>
+</file>
+
+<file path=ppt/slides/slide21.xml><?xml version="1.0" encoding="utf-8"?>
+<p:sld xmlns:a="http://schemas.openxmlformats.org/drawingml/2006/main" xmlns:r="http://schemas.openxmlformats.org/officeDocument/2006/relationships" xmlns:p="http://schemas.openxmlformats.org/presentationml/2006/main">
+  <p:cSld>
+    <p:spTree>
+      <p:nvGrpSpPr>
+        <p:cNvPr id="1" name=""/>
+        <p:cNvGrpSpPr/>
+        <p:nvPr/>
+      </p:nvGrpSpPr>
+      <p:grpSpPr>
+        <a:xfrm>
+          <a:off x="0" y="0"/>
+          <a:ext cx="0" cy="0"/>
+          <a:chOff x="0" y="0"/>
+          <a:chExt cx="0" cy="0"/>
+        </a:xfrm>
+      </p:grpSpPr>
+      <p:sp>
+        <p:nvSpPr>
+          <p:cNvPr id="2" name="Title 1"/>
+          <p:cNvSpPr>
+            <a:spLocks noGrp="1"/>
+          </p:cNvSpPr>
+          <p:nvPr>
+            <p:ph type="title"/>
+          </p:nvPr>
+        </p:nvSpPr>
+        <p:spPr/>
+        <p:txBody>
+          <a:bodyPr/>
+          <a:lstStyle/>
+          <a:p>
+            <a:r>
+              <a:rPr lang="en-US" dirty="0">
+                <a:solidFill>
+                  <a:schemeClr val="tx1"/>
+                </a:solidFill>
+              </a:rPr>
+              <a:t>Wrap Up</a:t>
+            </a:r>
+          </a:p>
+        </p:txBody>
+      </p:sp>
+    </p:spTree>
+    <p:extLst>
+      <p:ext uri="{BB962C8B-B14F-4D97-AF65-F5344CB8AC3E}">
+        <p14:creationId xmlns:p14="http://schemas.microsoft.com/office/powerpoint/2010/main" val="2714070568"/>
+      </p:ext>
+    </p:extLst>
+  </p:cSld>
+  <p:clrMapOvr>
+    <a:masterClrMapping/>
+  </p:clrMapOvr>
+  <mc:AlternateContent xmlns:mc="http://schemas.openxmlformats.org/markup-compatibility/2006" xmlns:p14="http://schemas.microsoft.com/office/powerpoint/2010/main">
+    <mc:Choice Requires="p14">
+      <p:transition spd="med" p14:dur="700">
+        <p:fade/>
+      </p:transition>
+    </mc:Choice>
+    <mc:Fallback xmlns="">
+      <p:transition spd="med">
+        <p:fade/>
+      </p:transition>
+    </mc:Fallback>
+  </mc:AlternateContent>
+</p:sld>
+</file>
+
+<file path=ppt/slides/slide22.xml><?xml version="1.0" encoding="utf-8"?>
+<p:sld xmlns:a="http://schemas.openxmlformats.org/drawingml/2006/main" xmlns:r="http://schemas.openxmlformats.org/officeDocument/2006/relationships" xmlns:p="http://schemas.openxmlformats.org/presentationml/2006/main">
+  <p:cSld>
+    <p:spTree>
+      <p:nvGrpSpPr>
+        <p:cNvPr id="1" name=""/>
+        <p:cNvGrpSpPr/>
+        <p:nvPr/>
+      </p:nvGrpSpPr>
+      <p:grpSpPr>
+        <a:xfrm>
+          <a:off x="0" y="0"/>
+          <a:ext cx="0" cy="0"/>
+          <a:chOff x="0" y="0"/>
+          <a:chExt cx="0" cy="0"/>
+        </a:xfrm>
+      </p:grpSpPr>
+      <p:sp>
+        <p:nvSpPr>
+          <p:cNvPr id="2" name="Title 1"/>
+          <p:cNvSpPr>
+            <a:spLocks noGrp="1"/>
+          </p:cNvSpPr>
+          <p:nvPr>
+            <p:ph type="title"/>
+          </p:nvPr>
+        </p:nvSpPr>
+        <p:spPr/>
+        <p:txBody>
+          <a:bodyPr>
+            <a:normAutofit/>
+          </a:bodyPr>
+          <a:lstStyle/>
+          <a:p>
+            <a:r>
+              <a:rPr lang="en-US" sz="4400" dirty="0">
+                <a:solidFill>
+                  <a:schemeClr val="tx1"/>
+                </a:solidFill>
+                <a:latin typeface="Segoe UI Light" panose="020B0502040204020203" pitchFamily="34" charset="0"/>
+                <a:cs typeface="Segoe UI Light" panose="020B0502040204020203" pitchFamily="34" charset="0"/>
+              </a:rPr>
+              <a:t>Wrap-up</a:t>
+            </a:r>
+          </a:p>
+        </p:txBody>
+      </p:sp>
+      <p:sp>
+        <p:nvSpPr>
+          <p:cNvPr id="9" name="TextBox 8">
+            <a:extLst>
+              <a:ext uri="{FF2B5EF4-FFF2-40B4-BE49-F238E27FC236}">
+                <a16:creationId xmlns:a16="http://schemas.microsoft.com/office/drawing/2014/main" id="{0F86F9F9-39B5-4CE6-AF48-9ADAE40EA728}"/>
+              </a:ext>
+            </a:extLst>
+          </p:cNvPr>
+          <p:cNvSpPr txBox="1"/>
+          <p:nvPr/>
+        </p:nvSpPr>
+        <p:spPr>
+          <a:xfrm>
+            <a:off x="340285" y="1741246"/>
+            <a:ext cx="7247965" cy="3006977"/>
+          </a:xfrm>
+          <a:prstGeom prst="rect">
+            <a:avLst/>
+          </a:prstGeom>
+          <a:noFill/>
+        </p:spPr>
+        <p:txBody>
+          <a:bodyPr wrap="square" lIns="182880" tIns="146304" rIns="182880" bIns="146304" rtlCol="0">
+            <a:spAutoFit/>
+          </a:bodyPr>
+          <a:lstStyle/>
+          <a:p>
+            <a:pPr>
+              <a:lnSpc>
+                <a:spcPct val="90000"/>
+              </a:lnSpc>
+              <a:spcAft>
+                <a:spcPts val="600"/>
+              </a:spcAft>
+            </a:pPr>
+            <a:r>
+              <a:rPr lang="en-US" sz="3600" dirty="0">
+                <a:latin typeface="+mj-lt"/>
+              </a:rPr>
+              <a:t>Outcome</a:t>
+            </a:r>
+          </a:p>
+          <a:p>
+            <a:pPr>
+              <a:lnSpc>
+                <a:spcPct val="90000"/>
+              </a:lnSpc>
+              <a:spcAft>
+                <a:spcPts val="600"/>
+              </a:spcAft>
+            </a:pPr>
+            <a:r>
+              <a:rPr lang="en-US" sz="2400" dirty="0">
+                <a:latin typeface="Segoe UI Semilight" panose="020B0402040204020203" pitchFamily="34" charset="0"/>
+                <a:cs typeface="Segoe UI Semilight" panose="020B0402040204020203" pitchFamily="34" charset="0"/>
+              </a:rPr>
+              <a:t>Identify the preferred solution for the case study</a:t>
+            </a:r>
+          </a:p>
+          <a:p>
+            <a:pPr>
+              <a:lnSpc>
+                <a:spcPct val="90000"/>
+              </a:lnSpc>
+              <a:spcAft>
+                <a:spcPts val="600"/>
+              </a:spcAft>
+            </a:pPr>
+            <a:r>
+              <a:rPr lang="en-US" sz="2400" dirty="0">
+                <a:latin typeface="Segoe UI Semilight" panose="020B0402040204020203" pitchFamily="34" charset="0"/>
+                <a:cs typeface="Segoe UI Semilight" panose="020B0402040204020203" pitchFamily="34" charset="0"/>
+              </a:rPr>
+              <a:t>Identify solutions designed by other teams</a:t>
+            </a:r>
+          </a:p>
+          <a:p>
+            <a:pPr>
+              <a:lnSpc>
+                <a:spcPct val="90000"/>
+              </a:lnSpc>
+              <a:spcAft>
+                <a:spcPts val="600"/>
+              </a:spcAft>
+            </a:pPr>
+            <a:endParaRPr lang="en-US" sz="2400" dirty="0"/>
+          </a:p>
+          <a:p>
+            <a:pPr>
+              <a:lnSpc>
+                <a:spcPct val="90000"/>
+              </a:lnSpc>
+              <a:spcAft>
+                <a:spcPts val="600"/>
+              </a:spcAft>
+            </a:pPr>
+            <a:r>
+              <a:rPr lang="en-US" sz="3600" dirty="0">
+                <a:latin typeface="+mj-lt"/>
+              </a:rPr>
+              <a:t>Timeframe</a:t>
+            </a:r>
+          </a:p>
+          <a:p>
+            <a:pPr>
+              <a:lnSpc>
+                <a:spcPct val="90000"/>
+              </a:lnSpc>
+              <a:spcAft>
+                <a:spcPts val="600"/>
+              </a:spcAft>
+            </a:pPr>
+            <a:r>
+              <a:rPr lang="en-US" sz="2400" dirty="0">
+                <a:latin typeface="Segoe UI Semilight" panose="020B0402040204020203" pitchFamily="34" charset="0"/>
+                <a:cs typeface="Segoe UI Semilight" panose="020B0402040204020203" pitchFamily="34" charset="0"/>
+              </a:rPr>
+              <a:t>15 minutes</a:t>
+            </a:r>
+          </a:p>
+        </p:txBody>
+      </p:sp>
+    </p:spTree>
+    <p:extLst>
+      <p:ext uri="{BB962C8B-B14F-4D97-AF65-F5344CB8AC3E}">
+        <p14:creationId xmlns:p14="http://schemas.microsoft.com/office/powerpoint/2010/main" val="4239998353"/>
+      </p:ext>
+    </p:extLst>
+  </p:cSld>
+  <p:clrMapOvr>
+    <a:masterClrMapping/>
+  </p:clrMapOvr>
+  <mc:AlternateContent xmlns:mc="http://schemas.openxmlformats.org/markup-compatibility/2006" xmlns:p14="http://schemas.microsoft.com/office/powerpoint/2010/main">
+    <mc:Choice Requires="p14">
+      <p:transition p14:dur="0"/>
+    </mc:Choice>
+    <mc:Fallback xmlns="">
+      <p:transition/>
+    </mc:Fallback>
+  </mc:AlternateContent>
+</p:sld>
+</file>
+
+<file path=ppt/slides/slide23.xml><?xml version="1.0" encoding="utf-8"?>
+<p:sld xmlns:a="http://schemas.openxmlformats.org/drawingml/2006/main" xmlns:r="http://schemas.openxmlformats.org/officeDocument/2006/relationships" xmlns:p="http://schemas.openxmlformats.org/presentationml/2006/main">
+  <p:cSld>
+    <p:bg>
+      <p:bgPr>
+        <a:solidFill>
+          <a:schemeClr val="bg2"/>
+        </a:solidFill>
+        <a:effectLst/>
+      </p:bgPr>
+    </p:bg>
+    <p:spTree>
+      <p:nvGrpSpPr>
+        <p:cNvPr id="1" name=""/>
+        <p:cNvGrpSpPr/>
+        <p:nvPr/>
+      </p:nvGrpSpPr>
+      <p:grpSpPr>
+        <a:xfrm>
+          <a:off x="0" y="0"/>
+          <a:ext cx="0" cy="0"/>
+          <a:chOff x="0" y="0"/>
+          <a:chExt cx="0" cy="0"/>
+        </a:xfrm>
+      </p:grpSpPr>
+    </p:spTree>
+    <p:extLst>
+      <p:ext uri="{BB962C8B-B14F-4D97-AF65-F5344CB8AC3E}">
+        <p14:creationId xmlns:p14="http://schemas.microsoft.com/office/powerpoint/2010/main" val="1897784522"/>
       </p:ext>
     </p:extLst>
   </p:cSld>
@@ -16488,10 +18048,10 @@
       </p:grpSpPr>
       <p:sp>
         <p:nvSpPr>
-          <p:cNvPr id="3" name="Content Placeholder 2">
+          <p:cNvPr id="4" name="Content Placeholder 3">
             <a:extLst>
               <a:ext uri="{FF2B5EF4-FFF2-40B4-BE49-F238E27FC236}">
-                <a16:creationId xmlns:a16="http://schemas.microsoft.com/office/drawing/2014/main" id="{96AE7EB2-BF6D-4DD8-BF8D-3CCC6F0D5A2F}"/>
+                <a16:creationId xmlns:a16="http://schemas.microsoft.com/office/drawing/2014/main" id="{AF2C42A9-88FA-4F65-A5E5-04393337A5BD}"/>
               </a:ext>
             </a:extLst>
           </p:cNvPr>
@@ -16502,145 +18062,70 @@
             <p:ph type="body" sz="quarter" idx="10"/>
           </p:nvPr>
         </p:nvSpPr>
-        <p:spPr>
-          <a:xfrm>
-            <a:off x="269239" y="1189177"/>
-            <a:ext cx="11653523" cy="4749942"/>
-          </a:xfrm>
-        </p:spPr>
+        <p:spPr/>
         <p:txBody>
-          <a:bodyPr anchor="ctr">
+          <a:bodyPr vert="horz" lIns="91440" tIns="45720" rIns="91440" bIns="45720" rtlCol="0">
             <a:normAutofit/>
           </a:bodyPr>
           <a:lstStyle/>
           <a:p>
-            <a:pPr marL="342900" indent="-342900">
-              <a:spcBef>
-                <a:spcPts val="1200"/>
-              </a:spcBef>
-              <a:spcAft>
-                <a:spcPts val="200"/>
-              </a:spcAft>
-              <a:buClr>
-                <a:schemeClr val="accent1"/>
-              </a:buClr>
-              <a:buSzPct val="100000"/>
-            </a:pPr>
-            <a:r>
-              <a:rPr lang="en-US" sz="2400" spc="200" dirty="0">
-                <a:solidFill>
-                  <a:schemeClr val="tx1">
-                    <a:lumMod val="95000"/>
-                  </a:schemeClr>
-                </a:solidFill>
-              </a:rPr>
-              <a:t>Provides cloud-based foundation for power BI platform</a:t>
-            </a:r>
-          </a:p>
-          <a:p>
-            <a:pPr marL="342900" lvl="1" indent="-342900">
-              <a:spcBef>
-                <a:spcPts val="1200"/>
-              </a:spcBef>
-              <a:spcAft>
-                <a:spcPts val="200"/>
-              </a:spcAft>
-              <a:buClr>
-                <a:schemeClr val="accent1"/>
-              </a:buClr>
-              <a:buSzPct val="100000"/>
-            </a:pPr>
-            <a:r>
-              <a:rPr lang="en-US" spc="200" dirty="0">
-                <a:solidFill>
-                  <a:schemeClr val="tx1">
-                    <a:lumMod val="95000"/>
-                  </a:schemeClr>
-                </a:solidFill>
-              </a:rPr>
-              <a:t>Accessible with browser through </a:t>
-            </a:r>
-            <a:r>
-              <a:rPr lang="en-US" spc="200" dirty="0">
-                <a:solidFill>
-                  <a:schemeClr val="tx1">
-                    <a:lumMod val="95000"/>
-                  </a:schemeClr>
-                </a:solidFill>
-                <a:hlinkClick r:id="rId2">
-                  <a:extLst>
-                    <a:ext uri="{A12FA001-AC4F-418D-AE19-62706E023703}">
-                      <ahyp:hlinkClr xmlns:ahyp="http://schemas.microsoft.com/office/drawing/2018/hyperlinkcolor" val="tx"/>
-                    </a:ext>
-                  </a:extLst>
-                </a:hlinkClick>
-              </a:rPr>
-              <a:t>https://app.Powerbi.Com</a:t>
-            </a:r>
-            <a:endParaRPr lang="en-US" spc="200" dirty="0">
-              <a:solidFill>
-                <a:schemeClr val="tx1">
-                  <a:lumMod val="95000"/>
-                </a:schemeClr>
-              </a:solidFill>
-            </a:endParaRPr>
-          </a:p>
-          <a:p>
-            <a:pPr marL="342900" lvl="1" indent="-342900">
-              <a:spcBef>
-                <a:spcPts val="1200"/>
-              </a:spcBef>
-              <a:spcAft>
-                <a:spcPts val="200"/>
-              </a:spcAft>
-              <a:buClr>
-                <a:schemeClr val="accent1"/>
-              </a:buClr>
-              <a:buSzPct val="100000"/>
-            </a:pPr>
-            <a:r>
-              <a:rPr lang="en-US" spc="200" dirty="0">
-                <a:solidFill>
-                  <a:schemeClr val="tx1">
-                    <a:lumMod val="95000"/>
-                  </a:schemeClr>
-                </a:solidFill>
-              </a:rPr>
-              <a:t>Accessible through power BI mobile apps</a:t>
-            </a:r>
-          </a:p>
-          <a:p>
-            <a:pPr marL="342900" lvl="1" indent="-342900">
-              <a:spcBef>
-                <a:spcPts val="1200"/>
-              </a:spcBef>
-              <a:spcAft>
-                <a:spcPts val="200"/>
-              </a:spcAft>
-              <a:buClr>
-                <a:schemeClr val="accent1"/>
-              </a:buClr>
-              <a:buSzPct val="100000"/>
-            </a:pPr>
-            <a:r>
-              <a:rPr lang="en-US" spc="200" dirty="0">
-                <a:solidFill>
-                  <a:schemeClr val="tx1">
-                    <a:lumMod val="95000"/>
-                  </a:schemeClr>
-                </a:solidFill>
-              </a:rPr>
-              <a:t>Accessible to developers through power BI service API</a:t>
-            </a:r>
-          </a:p>
-          <a:p>
-            <a:endParaRPr lang="en-US" sz="2400" dirty="0">
-              <a:solidFill>
-                <a:schemeClr val="tx1">
-                  <a:lumMod val="95000"/>
-                </a:schemeClr>
-              </a:solidFill>
-            </a:endParaRPr>
+            <a:pPr marL="285750"/>
+            <a:r>
+              <a:rPr lang="en-US" sz="1800" spc="200" dirty="0"/>
+              <a:t>Accessible by making direct REST calls against service</a:t>
+            </a:r>
+          </a:p>
+          <a:p>
+            <a:pPr marL="285750"/>
+            <a:r>
+              <a:rPr lang="en-US" sz="1800" spc="200" dirty="0"/>
+              <a:t>Accessible by using assembly DLL that abstracts away REST calls</a:t>
+            </a:r>
+          </a:p>
+          <a:p>
+            <a:pPr marL="285750"/>
+            <a:r>
+              <a:rPr lang="en-US" sz="1800" spc="200" dirty="0"/>
+              <a:t>Assembly DLL is named </a:t>
+            </a:r>
+            <a:r>
+              <a:rPr lang="en-US" sz="1800" spc="200" dirty="0" err="1"/>
+              <a:t>microsoft.Powerbi.Api.Dll</a:t>
+            </a:r>
+            <a:endParaRPr lang="en-US" sz="1800" spc="200" dirty="0"/>
+          </a:p>
+          <a:p>
+            <a:pPr marL="285750"/>
+            <a:r>
+              <a:rPr lang="en-US" sz="1800" spc="200" dirty="0"/>
+              <a:t>Assembly DLL part of </a:t>
+            </a:r>
+            <a:r>
+              <a:rPr lang="en-US" sz="1800" spc="200" dirty="0" err="1"/>
+              <a:t>nuget</a:t>
+            </a:r>
+            <a:r>
+              <a:rPr lang="en-US" sz="1800" spc="200" dirty="0"/>
+              <a:t> package (</a:t>
+            </a:r>
+            <a:r>
+              <a:rPr lang="en-US" sz="1800" b="1" spc="200" dirty="0" err="1"/>
+              <a:t>microsoft.Powerbi.Api</a:t>
+            </a:r>
+            <a:r>
+              <a:rPr lang="en-US" sz="1800" spc="200" dirty="0"/>
+              <a:t>)</a:t>
+            </a:r>
+          </a:p>
+          <a:p>
+            <a:pPr marL="285750"/>
+            <a:r>
+              <a:rPr lang="en-US" sz="1800" spc="200" dirty="0"/>
+              <a:t>Calling service requires authentication with azure active directory</a:t>
+            </a:r>
+          </a:p>
+          <a:p>
+            <a:endParaRPr lang="en-US" sz="1400" dirty="0"/>
           </a:p>
         </p:txBody>
       </p:sp>
@@ -16649,7 +18134,7 @@
           <p:cNvPr id="2" name="Title 1">
             <a:extLst>
               <a:ext uri="{FF2B5EF4-FFF2-40B4-BE49-F238E27FC236}">
-                <a16:creationId xmlns:a16="http://schemas.microsoft.com/office/drawing/2014/main" id="{3844FE22-1C03-402F-A3BA-F7E245079CE3}"/>
+                <a16:creationId xmlns:a16="http://schemas.microsoft.com/office/drawing/2014/main" id="{4E24AFA5-27D2-4E92-A5D5-A72899EB40E5}"/>
               </a:ext>
             </a:extLst>
           </p:cNvPr>
@@ -16662,27 +18147,65 @@
         </p:nvSpPr>
         <p:spPr/>
         <p:txBody>
-          <a:bodyPr>
+          <a:bodyPr vert="horz" lIns="91440" tIns="45720" rIns="91440" bIns="45720" rtlCol="0" anchor="ctr">
             <a:normAutofit/>
           </a:bodyPr>
           <a:lstStyle/>
           <a:p>
             <a:r>
-              <a:rPr lang="en-US" dirty="0">
-                <a:solidFill>
-                  <a:schemeClr val="accent1"/>
-                </a:solidFill>
+              <a:rPr lang="en-US" b="1" dirty="0">
                 <a:latin typeface="+mn-lt"/>
               </a:rPr>
-              <a:t>Power BI Service</a:t>
-            </a:r>
+              <a:t>Using the Power BI Service API</a:t>
+            </a:r>
+            <a:endParaRPr lang="en-US" sz="4400" kern="1200" dirty="0">
+              <a:solidFill>
+                <a:schemeClr val="tx1"/>
+              </a:solidFill>
+              <a:latin typeface="+mn-lt"/>
+              <a:ea typeface="+mj-ea"/>
+              <a:cs typeface="+mj-cs"/>
+            </a:endParaRPr>
           </a:p>
         </p:txBody>
       </p:sp>
+      <p:pic>
+        <p:nvPicPr>
+          <p:cNvPr id="10" name="Content Placeholder 9">
+            <a:extLst>
+              <a:ext uri="{FF2B5EF4-FFF2-40B4-BE49-F238E27FC236}">
+                <a16:creationId xmlns:a16="http://schemas.microsoft.com/office/drawing/2014/main" id="{4431905D-18A2-4DEC-A291-3A106A2194A2}"/>
+              </a:ext>
+            </a:extLst>
+          </p:cNvPr>
+          <p:cNvPicPr>
+            <a:picLocks noGrp="1" noChangeAspect="1"/>
+          </p:cNvPicPr>
+          <p:nvPr>
+            <p:ph sz="half" idx="4294967295"/>
+          </p:nvPr>
+        </p:nvPicPr>
+        <p:blipFill>
+          <a:blip r:embed="rId2"/>
+          <a:stretch>
+            <a:fillRect/>
+          </a:stretch>
+        </p:blipFill>
+        <p:spPr>
+          <a:xfrm>
+            <a:off x="3288506" y="4112279"/>
+            <a:ext cx="5614987" cy="847725"/>
+          </a:xfrm>
+          <a:prstGeom prst="rect">
+            <a:avLst/>
+          </a:prstGeom>
+          <a:effectLst/>
+        </p:spPr>
+      </p:pic>
     </p:spTree>
     <p:extLst>
       <p:ext uri="{BB962C8B-B14F-4D97-AF65-F5344CB8AC3E}">
-        <p14:creationId xmlns:p14="http://schemas.microsoft.com/office/powerpoint/2010/main" val="554132283"/>
+        <p14:creationId xmlns:p14="http://schemas.microsoft.com/office/powerpoint/2010/main" val="538127946"/>
       </p:ext>
     </p:extLst>
   </p:cSld>
@@ -16714,10 +18237,10 @@
       </p:grpSpPr>
       <p:sp>
         <p:nvSpPr>
-          <p:cNvPr id="2" name="Text Placeholder 1">
+          <p:cNvPr id="13" name="Content Placeholder 12">
             <a:extLst>
               <a:ext uri="{FF2B5EF4-FFF2-40B4-BE49-F238E27FC236}">
-                <a16:creationId xmlns:a16="http://schemas.microsoft.com/office/drawing/2014/main" id="{8AA6EC32-3185-4811-8CB7-CE5919049550}"/>
+                <a16:creationId xmlns:a16="http://schemas.microsoft.com/office/drawing/2014/main" id="{8CDB77AE-C3E3-466C-9F51-854CCCAF56FE}"/>
               </a:ext>
             </a:extLst>
           </p:cNvPr>
@@ -16728,29 +18251,114 @@
             <p:ph type="body" sz="quarter" idx="10"/>
           </p:nvPr>
         </p:nvSpPr>
-        <p:spPr>
-          <a:xfrm>
-            <a:off x="269239" y="1189177"/>
-            <a:ext cx="11653523" cy="727700"/>
-          </a:xfrm>
-        </p:spPr>
+        <p:spPr/>
         <p:txBody>
-          <a:bodyPr/>
+          <a:bodyPr>
+            <a:normAutofit lnSpcReduction="10000"/>
+          </a:bodyPr>
           <a:lstStyle/>
           <a:p>
-            <a:r>
-              <a:rPr lang="en-US" dirty="0"/>
-              <a:t>Pay as you go</a:t>
+            <a:pPr marL="457200" indent="-514350">
+              <a:spcBef>
+                <a:spcPts val="400"/>
+              </a:spcBef>
+              <a:buFont typeface="+mj-lt"/>
+              <a:buAutoNum type="arabicPeriod"/>
+            </a:pPr>
+            <a:r>
+              <a:rPr lang="en-US" sz="2000" dirty="0"/>
+              <a:t>User launches your app using a browser</a:t>
+            </a:r>
+          </a:p>
+          <a:p>
+            <a:pPr marL="514350" indent="-514350">
+              <a:spcBef>
+                <a:spcPts val="400"/>
+              </a:spcBef>
+              <a:buFont typeface="+mj-lt"/>
+              <a:buAutoNum type="arabicPeriod"/>
+            </a:pPr>
+            <a:r>
+              <a:rPr lang="en-US" sz="2000" dirty="0"/>
+              <a:t>App authenticates with azure active directory and obtains access token </a:t>
+            </a:r>
+          </a:p>
+          <a:p>
+            <a:pPr marL="514350" indent="-514350">
+              <a:spcBef>
+                <a:spcPts val="400"/>
+              </a:spcBef>
+              <a:buFont typeface="+mj-lt"/>
+              <a:buAutoNum type="arabicPeriod"/>
+            </a:pPr>
+            <a:r>
+              <a:rPr lang="en-US" sz="2000" dirty="0"/>
+              <a:t>App uses access token to call to power BI service API</a:t>
+            </a:r>
+          </a:p>
+          <a:p>
+            <a:pPr marL="514350" indent="-514350">
+              <a:spcBef>
+                <a:spcPts val="400"/>
+              </a:spcBef>
+              <a:buFont typeface="+mj-lt"/>
+              <a:buAutoNum type="arabicPeriod"/>
+            </a:pPr>
+            <a:r>
+              <a:rPr lang="en-US" sz="2000" dirty="0"/>
+              <a:t>App retrieves data for embedded resource and passes it to browser.</a:t>
+            </a:r>
+          </a:p>
+          <a:p>
+            <a:pPr marL="514350" indent="-514350">
+              <a:spcBef>
+                <a:spcPts val="400"/>
+              </a:spcBef>
+              <a:buFont typeface="+mj-lt"/>
+              <a:buAutoNum type="arabicPeriod"/>
+            </a:pPr>
+            <a:r>
+              <a:rPr lang="en-US" sz="2000" dirty="0"/>
+              <a:t>Client-side code uses power bi </a:t>
+            </a:r>
+            <a:r>
+              <a:rPr lang="en-US" sz="2000" dirty="0" err="1"/>
+              <a:t>javascript</a:t>
+            </a:r>
+            <a:r>
+              <a:rPr lang="en-US" sz="2000" dirty="0"/>
+              <a:t> </a:t>
+            </a:r>
+            <a:r>
+              <a:rPr lang="en-US" sz="2000" dirty="0" err="1"/>
+              <a:t>api</a:t>
+            </a:r>
+            <a:r>
+              <a:rPr lang="en-US" sz="2000" dirty="0"/>
+              <a:t> to create embedded resource</a:t>
+            </a:r>
+          </a:p>
+          <a:p>
+            <a:pPr marL="514350" indent="-514350">
+              <a:spcBef>
+                <a:spcPts val="400"/>
+              </a:spcBef>
+              <a:buFont typeface="+mj-lt"/>
+              <a:buAutoNum type="arabicPeriod"/>
+            </a:pPr>
+            <a:r>
+              <a:rPr lang="en-US" sz="2000" dirty="0"/>
+              <a:t>Embedded resource session created between browser and power BI service</a:t>
             </a:r>
           </a:p>
         </p:txBody>
       </p:sp>
       <p:sp>
         <p:nvSpPr>
-          <p:cNvPr id="3" name="Title 2">
+          <p:cNvPr id="2" name="Title 1">
             <a:extLst>
               <a:ext uri="{FF2B5EF4-FFF2-40B4-BE49-F238E27FC236}">
-                <a16:creationId xmlns:a16="http://schemas.microsoft.com/office/drawing/2014/main" id="{FC9247F0-857D-41C0-BFB0-16223D503E3F}"/>
+                <a16:creationId xmlns:a16="http://schemas.microsoft.com/office/drawing/2014/main" id="{CA9A8477-F3D5-4A1E-AA14-3942F2AA5A9D}"/>
               </a:ext>
             </a:extLst>
           </p:cNvPr>
@@ -16763,17 +18371,55 @@
         </p:nvSpPr>
         <p:spPr/>
         <p:txBody>
-          <a:bodyPr/>
+          <a:bodyPr>
+            <a:normAutofit/>
+          </a:bodyPr>
           <a:lstStyle/>
           <a:p>
-            <a:endParaRPr lang="en-US"/>
+            <a:r>
+              <a:rPr lang="en-US" sz="3700" dirty="0">
+                <a:latin typeface="+mn-lt"/>
+              </a:rPr>
+              <a:t>Power BI Embedding The Big Picture</a:t>
+            </a:r>
           </a:p>
         </p:txBody>
       </p:sp>
+      <p:pic>
+        <p:nvPicPr>
+          <p:cNvPr id="11" name="Content Placeholder 7">
+            <a:extLst>
+              <a:ext uri="{FF2B5EF4-FFF2-40B4-BE49-F238E27FC236}">
+                <a16:creationId xmlns:a16="http://schemas.microsoft.com/office/drawing/2014/main" id="{48A200A6-5BD3-489F-A0F4-7EF19324883A}"/>
+              </a:ext>
+            </a:extLst>
+          </p:cNvPr>
+          <p:cNvPicPr>
+            <a:picLocks noChangeAspect="1"/>
+          </p:cNvPicPr>
+          <p:nvPr/>
+        </p:nvPicPr>
+        <p:blipFill>
+          <a:blip r:embed="rId3"/>
+          <a:stretch>
+            <a:fillRect/>
+          </a:stretch>
+        </p:blipFill>
+        <p:spPr>
+          <a:xfrm>
+            <a:off x="3288582" y="3429000"/>
+            <a:ext cx="5614835" cy="2414379"/>
+          </a:xfrm>
+          <a:prstGeom prst="rect">
+            <a:avLst/>
+          </a:prstGeom>
+          <a:effectLst/>
+        </p:spPr>
+      </p:pic>
     </p:spTree>
     <p:extLst>
       <p:ext uri="{BB962C8B-B14F-4D97-AF65-F5344CB8AC3E}">
-        <p14:creationId xmlns:p14="http://schemas.microsoft.com/office/powerpoint/2010/main" val="470754859"/>
+        <p14:creationId xmlns:p14="http://schemas.microsoft.com/office/powerpoint/2010/main" val="3421331840"/>
       </p:ext>
     </p:extLst>
   </p:cSld>
@@ -16805,10 +18451,103 @@
       </p:grpSpPr>
       <p:sp>
         <p:nvSpPr>
+          <p:cNvPr id="3" name="Content Placeholder 2">
+            <a:extLst>
+              <a:ext uri="{FF2B5EF4-FFF2-40B4-BE49-F238E27FC236}">
+                <a16:creationId xmlns:a16="http://schemas.microsoft.com/office/drawing/2014/main" id="{168AE756-B1D4-4A83-AFF1-7055DEF22C9C}"/>
+              </a:ext>
+            </a:extLst>
+          </p:cNvPr>
+          <p:cNvSpPr>
+            <a:spLocks noGrp="1"/>
+          </p:cNvSpPr>
+          <p:nvPr>
+            <p:ph type="body" sz="quarter" idx="10"/>
+          </p:nvPr>
+        </p:nvSpPr>
+        <p:spPr/>
+        <p:txBody>
+          <a:bodyPr vert="horz" lIns="91440" tIns="45720" rIns="91440" bIns="45720" rtlCol="0">
+            <a:normAutofit/>
+          </a:bodyPr>
+          <a:lstStyle/>
+          <a:p>
+            <a:pPr marL="457200">
+              <a:spcBef>
+                <a:spcPts val="400"/>
+              </a:spcBef>
+            </a:pPr>
+            <a:r>
+              <a:rPr lang="en-US" sz="1600"/>
+              <a:t>User launches your app using a browser</a:t>
+            </a:r>
+          </a:p>
+          <a:p>
+            <a:pPr marL="514350">
+              <a:spcBef>
+                <a:spcPts val="400"/>
+              </a:spcBef>
+            </a:pPr>
+            <a:r>
+              <a:rPr lang="en-US" sz="1600"/>
+              <a:t>App authenticates with azure active directory and obtains access token </a:t>
+            </a:r>
+          </a:p>
+          <a:p>
+            <a:pPr marL="514350">
+              <a:spcBef>
+                <a:spcPts val="400"/>
+              </a:spcBef>
+            </a:pPr>
+            <a:r>
+              <a:rPr lang="en-US" sz="1600"/>
+              <a:t>App uses access token to call to power BI service API</a:t>
+            </a:r>
+          </a:p>
+          <a:p>
+            <a:pPr marL="514350">
+              <a:spcBef>
+                <a:spcPts val="400"/>
+              </a:spcBef>
+            </a:pPr>
+            <a:r>
+              <a:rPr lang="en-US" sz="1600"/>
+              <a:t>App retrieves data for embedded resource and passes it to browser.</a:t>
+            </a:r>
+          </a:p>
+          <a:p>
+            <a:pPr marL="514350">
+              <a:spcBef>
+                <a:spcPts val="400"/>
+              </a:spcBef>
+            </a:pPr>
+            <a:r>
+              <a:rPr lang="en-US" sz="1600"/>
+              <a:t>Client-side code uses power bi javascript api to create embedded resource</a:t>
+            </a:r>
+          </a:p>
+          <a:p>
+            <a:pPr marL="514350">
+              <a:spcBef>
+                <a:spcPts val="400"/>
+              </a:spcBef>
+            </a:pPr>
+            <a:r>
+              <a:rPr lang="en-US" sz="1600"/>
+              <a:t>Embedded resource session created between browser and power BI service</a:t>
+            </a:r>
+          </a:p>
+          <a:p>
+            <a:endParaRPr lang="en-US" sz="1600"/>
+          </a:p>
+        </p:txBody>
+      </p:sp>
+      <p:sp>
+        <p:nvSpPr>
           <p:cNvPr id="2" name="Title 1">
             <a:extLst>
               <a:ext uri="{FF2B5EF4-FFF2-40B4-BE49-F238E27FC236}">
-                <a16:creationId xmlns:a16="http://schemas.microsoft.com/office/drawing/2014/main" id="{4E24AFA5-27D2-4E92-A5D5-A72899EB40E5}"/>
+                <a16:creationId xmlns:a16="http://schemas.microsoft.com/office/drawing/2014/main" id="{F09B4607-1367-4235-B68C-EEDBBAD1064A}"/>
               </a:ext>
             </a:extLst>
           </p:cNvPr>
@@ -16819,12 +18558,7 @@
             <p:ph type="title"/>
           </p:nvPr>
         </p:nvSpPr>
-        <p:spPr>
-          <a:xfrm>
-            <a:off x="648929" y="629266"/>
-            <a:ext cx="4595422" cy="1622321"/>
-          </a:xfrm>
-        </p:spPr>
+        <p:spPr/>
         <p:txBody>
           <a:bodyPr vert="horz" lIns="91440" tIns="45720" rIns="91440" bIns="45720" rtlCol="0" anchor="ctr">
             <a:normAutofit/>
@@ -16832,116 +18566,25 @@
           <a:lstStyle/>
           <a:p>
             <a:r>
-              <a:rPr lang="en-US" b="1" dirty="0">
+              <a:rPr lang="en-US" sz="3700" kern="1200" dirty="0">
+                <a:solidFill>
+                  <a:schemeClr val="tx1"/>
+                </a:solidFill>
                 <a:latin typeface="+mn-lt"/>
+                <a:ea typeface="+mj-ea"/>
+                <a:cs typeface="+mj-cs"/>
               </a:rPr>
-              <a:t>Using the Power BI Service API</a:t>
-            </a:r>
-            <a:endParaRPr lang="en-US" sz="4400" kern="1200" dirty="0">
-              <a:solidFill>
-                <a:schemeClr val="tx1"/>
-              </a:solidFill>
-              <a:latin typeface="+mn-lt"/>
-              <a:ea typeface="+mj-ea"/>
-              <a:cs typeface="+mj-cs"/>
-            </a:endParaRPr>
-          </a:p>
-        </p:txBody>
-      </p:sp>
-      <p:sp>
-        <p:nvSpPr>
-          <p:cNvPr id="4" name="Content Placeholder 3">
-            <a:extLst>
-              <a:ext uri="{FF2B5EF4-FFF2-40B4-BE49-F238E27FC236}">
-                <a16:creationId xmlns:a16="http://schemas.microsoft.com/office/drawing/2014/main" id="{AF2C42A9-88FA-4F65-A5E5-04393337A5BD}"/>
-              </a:ext>
-            </a:extLst>
-          </p:cNvPr>
-          <p:cNvSpPr>
-            <a:spLocks noGrp="1"/>
-          </p:cNvSpPr>
-          <p:nvPr>
-            <p:ph sz="half" idx="2"/>
-          </p:nvPr>
-        </p:nvSpPr>
-        <p:spPr>
-          <a:xfrm>
-            <a:off x="648931" y="2438400"/>
-            <a:ext cx="4595422" cy="3785419"/>
-          </a:xfrm>
-        </p:spPr>
-        <p:txBody>
-          <a:bodyPr vert="horz" lIns="91440" tIns="45720" rIns="91440" bIns="45720" rtlCol="0">
-            <a:normAutofit/>
-          </a:bodyPr>
-          <a:lstStyle/>
-          <a:p>
-            <a:pPr marL="285750"/>
-            <a:r>
-              <a:rPr lang="en-US" sz="1800" spc="200" dirty="0"/>
-              <a:t>Accessible by making direct REST calls against service</a:t>
-            </a:r>
-          </a:p>
-          <a:p>
-            <a:pPr marL="285750"/>
-            <a:r>
-              <a:rPr lang="en-US" sz="1800" spc="200" dirty="0"/>
-              <a:t>Accessible by using assembly DLL that abstracts away REST calls</a:t>
-            </a:r>
-          </a:p>
-          <a:p>
-            <a:pPr marL="285750"/>
-            <a:r>
-              <a:rPr lang="en-US" sz="1800" spc="200" dirty="0"/>
-              <a:t>Assembly DLL is named </a:t>
-            </a:r>
-            <a:r>
-              <a:rPr lang="en-US" sz="1800" spc="200" dirty="0" err="1"/>
-              <a:t>microsoft.Powerbi.Api.Dll</a:t>
-            </a:r>
-            <a:endParaRPr lang="en-US" sz="1800" spc="200" dirty="0"/>
-          </a:p>
-          <a:p>
-            <a:pPr marL="285750"/>
-            <a:r>
-              <a:rPr lang="en-US" sz="1800" spc="200" dirty="0"/>
-              <a:t>Assembly DLL part of </a:t>
-            </a:r>
-            <a:r>
-              <a:rPr lang="en-US" sz="1800" spc="200" dirty="0" err="1"/>
-              <a:t>nuget</a:t>
-            </a:r>
-            <a:r>
-              <a:rPr lang="en-US" sz="1800" spc="200" dirty="0"/>
-              <a:t> package (</a:t>
-            </a:r>
-            <a:r>
-              <a:rPr lang="en-US" sz="1800" b="1" spc="200" dirty="0" err="1"/>
-              <a:t>microsoft.Powerbi.Api</a:t>
-            </a:r>
-            <a:r>
-              <a:rPr lang="en-US" sz="1800" spc="200" dirty="0"/>
-              <a:t>)</a:t>
-            </a:r>
-          </a:p>
-          <a:p>
-            <a:pPr marL="285750"/>
-            <a:r>
-              <a:rPr lang="en-US" sz="1800" spc="200" dirty="0"/>
-              <a:t>Calling service requires authentication with azure active directory</a:t>
-            </a:r>
-          </a:p>
-          <a:p>
-            <a:endParaRPr lang="en-US" sz="1400" dirty="0"/>
+              <a:t>Power BI Embedding – The Big Picture</a:t>
+            </a:r>
           </a:p>
         </p:txBody>
       </p:sp>
       <p:pic>
         <p:nvPicPr>
-          <p:cNvPr id="10" name="Content Placeholder 9">
+          <p:cNvPr id="5" name="Content Placeholder 4">
             <a:extLst>
               <a:ext uri="{FF2B5EF4-FFF2-40B4-BE49-F238E27FC236}">
-                <a16:creationId xmlns:a16="http://schemas.microsoft.com/office/drawing/2014/main" id="{4431905D-18A2-4DEC-A291-3A106A2194A2}"/>
+                <a16:creationId xmlns:a16="http://schemas.microsoft.com/office/drawing/2014/main" id="{C5C0C6D6-9388-4167-B74C-5A2342C4A3C9}"/>
               </a:ext>
             </a:extLst>
           </p:cNvPr>
@@ -16949,7 +18592,7 @@
             <a:picLocks noGrp="1" noChangeAspect="1"/>
           </p:cNvPicPr>
           <p:nvPr>
-            <p:ph sz="half" idx="1"/>
+            <p:ph sz="half" idx="4294967295"/>
           </p:nvPr>
         </p:nvPicPr>
         <p:blipFill>
@@ -16960,8 +18603,8 @@
         </p:blipFill>
         <p:spPr>
           <a:xfrm>
-            <a:off x="5608319" y="2928504"/>
-            <a:ext cx="5614835" cy="847773"/>
+            <a:off x="4294094" y="3033510"/>
+            <a:ext cx="3603812" cy="3135609"/>
           </a:xfrm>
           <a:prstGeom prst="rect">
             <a:avLst/>
@@ -16972,13 +18615,16 @@
     </p:spTree>
     <p:extLst>
       <p:ext uri="{BB962C8B-B14F-4D97-AF65-F5344CB8AC3E}">
-        <p14:creationId xmlns:p14="http://schemas.microsoft.com/office/powerpoint/2010/main" val="538127946"/>
+        <p14:creationId xmlns:p14="http://schemas.microsoft.com/office/powerpoint/2010/main" val="3903180212"/>
       </p:ext>
     </p:extLst>
   </p:cSld>
   <p:clrMapOvr>
     <a:masterClrMapping/>
   </p:clrMapOvr>
+  <p:transition>
+    <p:fade/>
+  </p:transition>
 </p:sld>
 </file>
 
@@ -17004,7 +18650,7 @@
           <p:cNvPr id="2" name="Title 1">
             <a:extLst>
               <a:ext uri="{FF2B5EF4-FFF2-40B4-BE49-F238E27FC236}">
-                <a16:creationId xmlns:a16="http://schemas.microsoft.com/office/drawing/2014/main" id="{CA9A8477-F3D5-4A1E-AA14-3942F2AA5A9D}"/>
+                <a16:creationId xmlns:a16="http://schemas.microsoft.com/office/drawing/2014/main" id="{9BE05351-2724-4E97-86E0-2B4B45DBA7E5}"/>
               </a:ext>
             </a:extLst>
           </p:cNvPr>
@@ -17015,33 +18661,33 @@
             <p:ph type="title"/>
           </p:nvPr>
         </p:nvSpPr>
-        <p:spPr>
-          <a:xfrm>
-            <a:off x="648928" y="629266"/>
-            <a:ext cx="4599432" cy="1622321"/>
-          </a:xfrm>
-        </p:spPr>
+        <p:spPr/>
         <p:txBody>
-          <a:bodyPr>
+          <a:bodyPr vert="horz" lIns="91440" tIns="45720" rIns="91440" bIns="45720" rtlCol="0" anchor="ctr">
             <a:normAutofit/>
           </a:bodyPr>
           <a:lstStyle/>
           <a:p>
             <a:r>
-              <a:rPr lang="en-US" sz="3700" dirty="0">
+              <a:rPr lang="en-US" kern="1200">
+                <a:solidFill>
+                  <a:schemeClr val="tx1"/>
+                </a:solidFill>
                 <a:latin typeface="+mn-lt"/>
+                <a:ea typeface="+mj-ea"/>
+                <a:cs typeface="+mj-cs"/>
               </a:rPr>
-              <a:t>Power BI Embedding The Big Picture</a:t>
+              <a:t>First Party Embedding</a:t>
             </a:r>
           </a:p>
         </p:txBody>
       </p:sp>
       <p:sp>
         <p:nvSpPr>
-          <p:cNvPr id="13" name="Content Placeholder 12">
+          <p:cNvPr id="3" name="Content Placeholder 2">
             <a:extLst>
               <a:ext uri="{FF2B5EF4-FFF2-40B4-BE49-F238E27FC236}">
-                <a16:creationId xmlns:a16="http://schemas.microsoft.com/office/drawing/2014/main" id="{8CDB77AE-C3E3-466C-9F51-854CCCAF56FE}"/>
+                <a16:creationId xmlns:a16="http://schemas.microsoft.com/office/drawing/2014/main" id="{828CFE44-D3D4-4AEA-9007-95FC2C08EAA5}"/>
               </a:ext>
             </a:extLst>
           </p:cNvPr>
@@ -17049,140 +18695,76 @@
             <a:spLocks noGrp="1"/>
           </p:cNvSpPr>
           <p:nvPr>
-            <p:ph idx="1"/>
+            <p:ph type="body" sz="quarter" idx="10"/>
           </p:nvPr>
         </p:nvSpPr>
-        <p:spPr>
-          <a:xfrm>
-            <a:off x="648930" y="2438400"/>
-            <a:ext cx="4599429" cy="3785419"/>
-          </a:xfrm>
-        </p:spPr>
+        <p:spPr/>
         <p:txBody>
-          <a:bodyPr>
-            <a:normAutofit fontScale="92500" lnSpcReduction="10000"/>
+          <a:bodyPr vert="horz" lIns="91440" tIns="45720" rIns="91440" bIns="45720" rtlCol="0">
+            <a:normAutofit/>
           </a:bodyPr>
           <a:lstStyle/>
           <a:p>
-            <a:pPr marL="457200" indent="-514350">
-              <a:spcBef>
-                <a:spcPts val="400"/>
-              </a:spcBef>
-              <a:buFont typeface="+mj-lt"/>
-              <a:buAutoNum type="arabicPeriod"/>
-            </a:pPr>
-            <a:r>
-              <a:rPr lang="en-US" sz="2000" dirty="0"/>
-              <a:t>User launches your app using a browser</a:t>
-            </a:r>
-          </a:p>
-          <a:p>
-            <a:pPr marL="514350" indent="-514350">
-              <a:spcBef>
-                <a:spcPts val="400"/>
-              </a:spcBef>
-              <a:buFont typeface="+mj-lt"/>
-              <a:buAutoNum type="arabicPeriod"/>
-            </a:pPr>
-            <a:r>
-              <a:rPr lang="en-US" sz="2000" dirty="0"/>
-              <a:t>App authenticates with azure active directory and obtains access token </a:t>
-            </a:r>
-          </a:p>
-          <a:p>
-            <a:pPr marL="514350" indent="-514350">
-              <a:spcBef>
-                <a:spcPts val="400"/>
-              </a:spcBef>
-              <a:buFont typeface="+mj-lt"/>
-              <a:buAutoNum type="arabicPeriod"/>
-            </a:pPr>
-            <a:r>
-              <a:rPr lang="en-US" sz="2000" dirty="0"/>
-              <a:t>App uses access token to call to power BI service API</a:t>
-            </a:r>
-          </a:p>
-          <a:p>
-            <a:pPr marL="514350" indent="-514350">
-              <a:spcBef>
-                <a:spcPts val="400"/>
-              </a:spcBef>
-              <a:buFont typeface="+mj-lt"/>
-              <a:buAutoNum type="arabicPeriod"/>
-            </a:pPr>
-            <a:r>
-              <a:rPr lang="en-US" sz="2000" dirty="0"/>
-              <a:t>App retrieves data for embedded resource and passes it to browser.</a:t>
-            </a:r>
-          </a:p>
-          <a:p>
-            <a:pPr marL="514350" indent="-514350">
-              <a:spcBef>
-                <a:spcPts val="400"/>
-              </a:spcBef>
-              <a:buFont typeface="+mj-lt"/>
-              <a:buAutoNum type="arabicPeriod"/>
-            </a:pPr>
-            <a:r>
-              <a:rPr lang="en-US" sz="2000" dirty="0"/>
-              <a:t>Client-side code uses power bi </a:t>
-            </a:r>
-            <a:r>
-              <a:rPr lang="en-US" sz="2000" dirty="0" err="1"/>
-              <a:t>javascript</a:t>
-            </a:r>
-            <a:r>
-              <a:rPr lang="en-US" sz="2000" dirty="0"/>
-              <a:t> </a:t>
-            </a:r>
-            <a:r>
-              <a:rPr lang="en-US" sz="2000" dirty="0" err="1"/>
-              <a:t>api</a:t>
-            </a:r>
-            <a:r>
-              <a:rPr lang="en-US" sz="2000" dirty="0"/>
-              <a:t> to create embedded resource</a:t>
-            </a:r>
-          </a:p>
-          <a:p>
-            <a:pPr marL="514350" indent="-514350">
-              <a:spcBef>
-                <a:spcPts val="400"/>
-              </a:spcBef>
-              <a:buFont typeface="+mj-lt"/>
-              <a:buAutoNum type="arabicPeriod"/>
-            </a:pPr>
-            <a:r>
-              <a:rPr lang="en-US" sz="2000" dirty="0"/>
-              <a:t>Embedded resource session created between browser and power BI service</a:t>
-            </a:r>
+            <a:r>
+              <a:rPr lang="en-US" sz="2000"/>
+              <a:t>App authenticates current user with Azure AD</a:t>
+            </a:r>
+          </a:p>
+          <a:p>
+            <a:r>
+              <a:rPr lang="en-US" sz="2000"/>
+              <a:t>Your code accesses Power BI Service as current user</a:t>
+            </a:r>
+          </a:p>
+          <a:p>
+            <a:r>
+              <a:rPr lang="en-US" sz="2000"/>
+              <a:t>Embedding requires Azure AD access token for user</a:t>
+            </a:r>
+          </a:p>
+          <a:p>
+            <a:r>
+              <a:rPr lang="en-US" sz="2000"/>
+              <a:t>User requires Azure AD account and Power BI license</a:t>
+            </a:r>
+          </a:p>
+          <a:p>
+            <a:r>
+              <a:rPr lang="en-US" sz="2000"/>
+              <a:t>Your code has access to whatever user has access to</a:t>
+            </a:r>
+          </a:p>
+          <a:p>
+            <a:endParaRPr lang="en-US" sz="2000"/>
           </a:p>
         </p:txBody>
       </p:sp>
       <p:pic>
         <p:nvPicPr>
-          <p:cNvPr id="11" name="Content Placeholder 7">
+          <p:cNvPr id="5" name="Content Placeholder 4">
             <a:extLst>
               <a:ext uri="{FF2B5EF4-FFF2-40B4-BE49-F238E27FC236}">
-                <a16:creationId xmlns:a16="http://schemas.microsoft.com/office/drawing/2014/main" id="{48A200A6-5BD3-489F-A0F4-7EF19324883A}"/>
+                <a16:creationId xmlns:a16="http://schemas.microsoft.com/office/drawing/2014/main" id="{5395AC01-85B1-49F5-B8AB-C0F7BB0CDA3E}"/>
               </a:ext>
             </a:extLst>
           </p:cNvPr>
           <p:cNvPicPr>
-            <a:picLocks noChangeAspect="1"/>
+            <a:picLocks noGrp="1" noChangeAspect="1"/>
           </p:cNvPicPr>
-          <p:nvPr/>
+          <p:nvPr>
+            <p:ph sz="half" idx="4294967295"/>
+          </p:nvPr>
         </p:nvPicPr>
         <p:blipFill>
-          <a:blip r:embed="rId3"/>
+          <a:blip r:embed="rId2"/>
           <a:stretch>
             <a:fillRect/>
           </a:stretch>
         </p:blipFill>
         <p:spPr>
           <a:xfrm>
-            <a:off x="5608319" y="2145201"/>
-            <a:ext cx="5614835" cy="2414379"/>
+            <a:off x="3288506" y="3590738"/>
+            <a:ext cx="5614987" cy="1917700"/>
           </a:xfrm>
           <a:prstGeom prst="rect">
             <a:avLst/>
@@ -17193,13 +18775,16 @@
     </p:spTree>
     <p:extLst>
       <p:ext uri="{BB962C8B-B14F-4D97-AF65-F5344CB8AC3E}">
-        <p14:creationId xmlns:p14="http://schemas.microsoft.com/office/powerpoint/2010/main" val="3421331840"/>
+        <p14:creationId xmlns:p14="http://schemas.microsoft.com/office/powerpoint/2010/main" val="878665244"/>
       </p:ext>
     </p:extLst>
   </p:cSld>
   <p:clrMapOvr>
     <a:masterClrMapping/>
   </p:clrMapOvr>
+  <p:transition>
+    <p:fade/>
+  </p:transition>
 </p:sld>
 </file>
 
@@ -17225,7 +18810,7 @@
           <p:cNvPr id="2" name="Title 1">
             <a:extLst>
               <a:ext uri="{FF2B5EF4-FFF2-40B4-BE49-F238E27FC236}">
-                <a16:creationId xmlns:a16="http://schemas.microsoft.com/office/drawing/2014/main" id="{F09B4607-1367-4235-B68C-EEDBBAD1064A}"/>
+                <a16:creationId xmlns:a16="http://schemas.microsoft.com/office/drawing/2014/main" id="{9BE05351-2724-4E97-86E0-2B4B45DBA7E5}"/>
               </a:ext>
             </a:extLst>
           </p:cNvPr>
@@ -17236,12 +18821,7 @@
             <p:ph type="title"/>
           </p:nvPr>
         </p:nvSpPr>
-        <p:spPr>
-          <a:xfrm>
-            <a:off x="648929" y="629266"/>
-            <a:ext cx="3505495" cy="1622321"/>
-          </a:xfrm>
-        </p:spPr>
+        <p:spPr/>
         <p:txBody>
           <a:bodyPr vert="horz" lIns="91440" tIns="45720" rIns="91440" bIns="45720" rtlCol="0" anchor="ctr">
             <a:normAutofit/>
@@ -17249,7 +18829,7 @@
           <a:lstStyle/>
           <a:p>
             <a:r>
-              <a:rPr lang="en-US" sz="3700" kern="1200">
+              <a:rPr lang="en-US" kern="1200">
                 <a:solidFill>
                   <a:schemeClr val="tx1"/>
                 </a:solidFill>
@@ -17257,7 +18837,7 @@
                 <a:ea typeface="+mj-ea"/>
                 <a:cs typeface="+mj-cs"/>
               </a:rPr>
-              <a:t>Power BI Embedding – The Big Picture</a:t>
+              <a:t>Third Party Embedding</a:t>
             </a:r>
           </a:p>
         </p:txBody>
@@ -17267,7 +18847,7 @@
           <p:cNvPr id="3" name="Content Placeholder 2">
             <a:extLst>
               <a:ext uri="{FF2B5EF4-FFF2-40B4-BE49-F238E27FC236}">
-                <a16:creationId xmlns:a16="http://schemas.microsoft.com/office/drawing/2014/main" id="{168AE756-B1D4-4A83-AFF1-7055DEF22C9C}"/>
+                <a16:creationId xmlns:a16="http://schemas.microsoft.com/office/drawing/2014/main" id="{828CFE44-D3D4-4AEA-9007-95FC2C08EAA5}"/>
               </a:ext>
             </a:extLst>
           </p:cNvPr>
@@ -17278,94 +18858,54 @@
             <p:ph sz="half" idx="1"/>
           </p:nvPr>
         </p:nvSpPr>
-        <p:spPr>
-          <a:xfrm>
-            <a:off x="648931" y="2438400"/>
-            <a:ext cx="3505494" cy="3785419"/>
-          </a:xfrm>
-        </p:spPr>
+        <p:spPr/>
         <p:txBody>
           <a:bodyPr vert="horz" lIns="91440" tIns="45720" rIns="91440" bIns="45720" rtlCol="0">
-            <a:normAutofit lnSpcReduction="10000"/>
+            <a:normAutofit/>
           </a:bodyPr>
           <a:lstStyle/>
           <a:p>
-            <a:pPr marL="457200">
-              <a:spcBef>
-                <a:spcPts val="400"/>
-              </a:spcBef>
-            </a:pPr>
-            <a:r>
-              <a:rPr lang="en-US" sz="1600"/>
-              <a:t>User launches your app using a browser</a:t>
-            </a:r>
-          </a:p>
-          <a:p>
-            <a:pPr marL="514350">
-              <a:spcBef>
-                <a:spcPts val="400"/>
-              </a:spcBef>
-            </a:pPr>
-            <a:r>
-              <a:rPr lang="en-US" sz="1600"/>
-              <a:t>App authenticates with azure active directory and obtains access token </a:t>
-            </a:r>
-          </a:p>
-          <a:p>
-            <a:pPr marL="514350">
-              <a:spcBef>
-                <a:spcPts val="400"/>
-              </a:spcBef>
-            </a:pPr>
-            <a:r>
-              <a:rPr lang="en-US" sz="1600"/>
-              <a:t>App uses access token to call to power BI service API</a:t>
-            </a:r>
-          </a:p>
-          <a:p>
-            <a:pPr marL="514350">
-              <a:spcBef>
-                <a:spcPts val="400"/>
-              </a:spcBef>
-            </a:pPr>
-            <a:r>
-              <a:rPr lang="en-US" sz="1600"/>
-              <a:t>App retrieves data for embedded resource and passes it to browser.</a:t>
-            </a:r>
-          </a:p>
-          <a:p>
-            <a:pPr marL="514350">
-              <a:spcBef>
-                <a:spcPts val="400"/>
-              </a:spcBef>
-            </a:pPr>
-            <a:r>
-              <a:rPr lang="en-US" sz="1600"/>
-              <a:t>Client-side code uses power bi javascript api to create embedded resource</a:t>
-            </a:r>
-          </a:p>
-          <a:p>
-            <a:pPr marL="514350">
-              <a:spcBef>
-                <a:spcPts val="400"/>
-              </a:spcBef>
-            </a:pPr>
-            <a:r>
-              <a:rPr lang="en-US" sz="1600"/>
-              <a:t>Embedded resource session created between browser and power BI service</a:t>
-            </a:r>
-          </a:p>
-          <a:p>
-            <a:endParaRPr lang="en-US" sz="1600"/>
+            <a:r>
+              <a:rPr lang="en-US" sz="1700" b="1"/>
+              <a:t>App authenticates using Master User Account</a:t>
+            </a:r>
+          </a:p>
+          <a:p>
+            <a:pPr marL="800100" lvl="1"/>
+            <a:r>
+              <a:rPr lang="en-US" sz="1700" spc="200"/>
+              <a:t>Your code accesses Power BI Service as master user</a:t>
+            </a:r>
+          </a:p>
+          <a:p>
+            <a:pPr marL="800100" lvl="1"/>
+            <a:r>
+              <a:rPr lang="en-US" sz="1700" spc="200"/>
+              <a:t>Embedding uses embed token instead of access token</a:t>
+            </a:r>
+          </a:p>
+          <a:p>
+            <a:pPr marL="800100" lvl="1"/>
+            <a:r>
+              <a:rPr lang="en-US" sz="1700" spc="200"/>
+              <a:t>Users don’t need AAD accounts and Power BI licenses</a:t>
+            </a:r>
+          </a:p>
+          <a:p>
+            <a:pPr marL="800100" lvl="1"/>
+            <a:r>
+              <a:rPr lang="en-US" sz="1700" spc="200"/>
+              <a:t>Your code has access to whatever master has access to</a:t>
+            </a:r>
           </a:p>
         </p:txBody>
       </p:sp>
       <p:pic>
         <p:nvPicPr>
-          <p:cNvPr id="5" name="Content Placeholder 4">
+          <p:cNvPr id="7" name="Content Placeholder 6">
             <a:extLst>
               <a:ext uri="{FF2B5EF4-FFF2-40B4-BE49-F238E27FC236}">
-                <a16:creationId xmlns:a16="http://schemas.microsoft.com/office/drawing/2014/main" id="{C5C0C6D6-9388-4167-B74C-5A2342C4A3C9}"/>
+                <a16:creationId xmlns:a16="http://schemas.microsoft.com/office/drawing/2014/main" id="{9B8DF230-80D9-427B-B0C9-30FFC1C23C0B}"/>
               </a:ext>
             </a:extLst>
           </p:cNvPr>
@@ -17384,8 +18924,8 @@
         </p:blipFill>
         <p:spPr>
           <a:xfrm>
-            <a:off x="5672294" y="965595"/>
-            <a:ext cx="5486885" cy="4773591"/>
+            <a:off x="3119717" y="4456708"/>
+            <a:ext cx="5181600" cy="1769617"/>
           </a:xfrm>
           <a:prstGeom prst="rect">
             <a:avLst/>
@@ -17396,7 +18936,7 @@
     </p:spTree>
     <p:extLst>
       <p:ext uri="{BB962C8B-B14F-4D97-AF65-F5344CB8AC3E}">
-        <p14:creationId xmlns:p14="http://schemas.microsoft.com/office/powerpoint/2010/main" val="3903180212"/>
+        <p14:creationId xmlns:p14="http://schemas.microsoft.com/office/powerpoint/2010/main" val="893466603"/>
       </p:ext>
     </p:extLst>
   </p:cSld>
@@ -18272,6 +19812,24 @@
 </file>
 
 <file path=customXml/item1.xml><?xml version="1.0" encoding="utf-8"?>
+<p:properties xmlns:p="http://schemas.microsoft.com/office/2006/metadata/properties" xmlns:xsi="http://www.w3.org/2001/XMLSchema-instance" xmlns:pc="http://schemas.microsoft.com/office/infopath/2007/PartnerControls">
+  <documentManagement>
+    <_ip_UnifiedCompliancePolicyUIAction xmlns="http://schemas.microsoft.com/sharepoint/v3" xsi:nil="true"/>
+    <_ip_UnifiedCompliancePolicyProperties xmlns="http://schemas.microsoft.com/sharepoint/v3" xsi:nil="true"/>
+  </documentManagement>
+</p:properties>
+</file>
+
+<file path=customXml/item2.xml><?xml version="1.0" encoding="utf-8"?>
+<?mso-contentType ?>
+<FormTemplates xmlns="http://schemas.microsoft.com/sharepoint/v3/contenttype/forms">
+  <Display>DocumentLibraryForm</Display>
+  <Edit>DocumentLibraryForm</Edit>
+  <New>DocumentLibraryForm</New>
+</FormTemplates>
+</file>
+
+<file path=customXml/item3.xml><?xml version="1.0" encoding="utf-8"?>
 <ct:contentTypeSchema xmlns:ct="http://schemas.microsoft.com/office/2006/metadata/contentType" xmlns:ma="http://schemas.microsoft.com/office/2006/metadata/properties/metaAttributes" ct:_="" ma:_="" ma:contentTypeName="Document" ma:contentTypeID="0x010100D15DFA3690A15B4081582BBCC6BEAC3E" ma:contentTypeVersion="9" ma:contentTypeDescription="Create a new document." ma:contentTypeScope="" ma:versionID="642da1784587cbe85a7fdbbe4dc36103">
   <xsd:schema xmlns:xsd="http://www.w3.org/2001/XMLSchema" xmlns:xs="http://www.w3.org/2001/XMLSchema" xmlns:p="http://schemas.microsoft.com/office/2006/metadata/properties" xmlns:ns1="http://schemas.microsoft.com/sharepoint/v3" xmlns:ns2="2023ac63-7b75-4916-a9ee-591457758eee" xmlns:ns3="d9c797ad-d7c3-4982-82b7-81352a75e4a5" targetNamespace="http://schemas.microsoft.com/office/2006/metadata/properties" ma:root="true" ma:fieldsID="91198b0246576053cc55dd2c67035a89" ns1:_="" ns2:_="" ns3:_="">
     <xsd:import namespace="http://schemas.microsoft.com/sharepoint/v3"/>
@@ -18473,25 +20031,33 @@
 </ct:contentTypeSchema>
 </file>
 
-<file path=customXml/item2.xml><?xml version="1.0" encoding="utf-8"?>
-<?mso-contentType ?>
-<FormTemplates xmlns="http://schemas.microsoft.com/sharepoint/v3/contenttype/forms">
-  <Display>DocumentLibraryForm</Display>
-  <Edit>DocumentLibraryForm</Edit>
-  <New>DocumentLibraryForm</New>
-</FormTemplates>
+<file path=customXml/itemProps1.xml><?xml version="1.0" encoding="utf-8"?>
+<ds:datastoreItem xmlns:ds="http://schemas.openxmlformats.org/officeDocument/2006/customXml" ds:itemID="{BAF7D529-36AB-45DA-B239-2F912F2D1610}">
+  <ds:schemaRefs>
+    <ds:schemaRef ds:uri="http://schemas.microsoft.com/office/2006/metadata/properties"/>
+    <ds:schemaRef ds:uri="d9c797ad-d7c3-4982-82b7-81352a75e4a5"/>
+    <ds:schemaRef ds:uri="http://purl.org/dc/terms/"/>
+    <ds:schemaRef ds:uri="2023ac63-7b75-4916-a9ee-591457758eee"/>
+    <ds:schemaRef ds:uri="http://purl.org/dc/elements/1.1/"/>
+    <ds:schemaRef ds:uri="http://schemas.openxmlformats.org/package/2006/metadata/core-properties"/>
+    <ds:schemaRef ds:uri="http://purl.org/dc/dcmitype/"/>
+    <ds:schemaRef ds:uri="http://schemas.microsoft.com/office/2006/documentManagement/types"/>
+    <ds:schemaRef ds:uri="http://schemas.microsoft.com/office/infopath/2007/PartnerControls"/>
+    <ds:schemaRef ds:uri="http://schemas.microsoft.com/sharepoint/v3"/>
+    <ds:schemaRef ds:uri="http://www.w3.org/XML/1998/namespace"/>
+  </ds:schemaRefs>
+</ds:datastoreItem>
 </file>
 
-<file path=customXml/item3.xml><?xml version="1.0" encoding="utf-8"?>
-<p:properties xmlns:p="http://schemas.microsoft.com/office/2006/metadata/properties" xmlns:xsi="http://www.w3.org/2001/XMLSchema-instance" xmlns:pc="http://schemas.microsoft.com/office/infopath/2007/PartnerControls">
-  <documentManagement>
-    <_ip_UnifiedCompliancePolicyUIAction xmlns="http://schemas.microsoft.com/sharepoint/v3" xsi:nil="true"/>
-    <_ip_UnifiedCompliancePolicyProperties xmlns="http://schemas.microsoft.com/sharepoint/v3" xsi:nil="true"/>
-  </documentManagement>
-</p:properties>
+<file path=customXml/itemProps2.xml><?xml version="1.0" encoding="utf-8"?>
+<ds:datastoreItem xmlns:ds="http://schemas.openxmlformats.org/officeDocument/2006/customXml" ds:itemID="{F18501AF-04CF-4482-BAE1-607B49DDC378}">
+  <ds:schemaRefs>
+    <ds:schemaRef ds:uri="http://schemas.microsoft.com/sharepoint/v3/contenttype/forms"/>
+  </ds:schemaRefs>
+</ds:datastoreItem>
 </file>
 
-<file path=customXml/itemProps1.xml><?xml version="1.0" encoding="utf-8"?>
+<file path=customXml/itemProps3.xml><?xml version="1.0" encoding="utf-8"?>
 <ds:datastoreItem xmlns:ds="http://schemas.openxmlformats.org/officeDocument/2006/customXml" ds:itemID="{255F5BEB-6AD6-480A-8556-C80C5EBC10F2}">
   <ds:schemaRefs>
     <ds:schemaRef ds:uri="http://schemas.microsoft.com/office/2006/metadata/contentType"/>
@@ -18509,30 +20075,4 @@
     <ds:schemaRef ds:uri="http://schemas.microsoft.com/internal/obd"/>
   </ds:schemaRefs>
 </ds:datastoreItem>
-</file>
-
-<file path=customXml/itemProps2.xml><?xml version="1.0" encoding="utf-8"?>
-<ds:datastoreItem xmlns:ds="http://schemas.openxmlformats.org/officeDocument/2006/customXml" ds:itemID="{F18501AF-04CF-4482-BAE1-607B49DDC378}">
-  <ds:schemaRefs>
-    <ds:schemaRef ds:uri="http://schemas.microsoft.com/sharepoint/v3/contenttype/forms"/>
-  </ds:schemaRefs>
-</ds:datastoreItem>
-</file>
-
-<file path=customXml/itemProps3.xml><?xml version="1.0" encoding="utf-8"?>
-<ds:datastoreItem xmlns:ds="http://schemas.openxmlformats.org/officeDocument/2006/customXml" ds:itemID="{BAF7D529-36AB-45DA-B239-2F912F2D1610}">
-  <ds:schemaRefs>
-    <ds:schemaRef ds:uri="http://schemas.microsoft.com/office/2006/metadata/properties"/>
-    <ds:schemaRef ds:uri="d9c797ad-d7c3-4982-82b7-81352a75e4a5"/>
-    <ds:schemaRef ds:uri="http://purl.org/dc/terms/"/>
-    <ds:schemaRef ds:uri="2023ac63-7b75-4916-a9ee-591457758eee"/>
-    <ds:schemaRef ds:uri="http://purl.org/dc/elements/1.1/"/>
-    <ds:schemaRef ds:uri="http://schemas.openxmlformats.org/package/2006/metadata/core-properties"/>
-    <ds:schemaRef ds:uri="http://purl.org/dc/dcmitype/"/>
-    <ds:schemaRef ds:uri="http://schemas.microsoft.com/office/2006/documentManagement/types"/>
-    <ds:schemaRef ds:uri="http://schemas.microsoft.com/office/infopath/2007/PartnerControls"/>
-    <ds:schemaRef ds:uri="http://schemas.microsoft.com/sharepoint/v3"/>
-    <ds:schemaRef ds:uri="http://www.w3.org/XML/1998/namespace"/>
-  </ds:schemaRefs>
-</ds:datastoreItem>
 </file>
--- a/Hands-on Modules/Embedding/1. What is Power BI Embedded.pptx
+++ b/Hands-on Modules/Embedding/1. What is Power BI Embedded.pptx
@@ -778,7 +778,7 @@
           <a:p>
             <a:fld id="{35A2D088-BDBD-41A5-ADCE-5C6A4DC08057}" type="datetime8">
               <a:rPr lang="en-US" smtClean="0"/>
-              <a:t>2/26/2019 10:34 AM</a:t>
+              <a:t>2/26/2019 1:41 PM</a:t>
             </a:fld>
             <a:endParaRPr lang="en-US" dirty="0"/>
           </a:p>
@@ -1130,7 +1130,7 @@
           <a:p>
             <a:fld id="{35A2D088-BDBD-41A5-ADCE-5C6A4DC08057}" type="datetime8">
               <a:rPr lang="en-US" smtClean="0"/>
-              <a:t>2/26/2019 10:34 AM</a:t>
+              <a:t>2/26/2019 1:41 PM</a:t>
             </a:fld>
             <a:endParaRPr lang="en-US" dirty="0"/>
           </a:p>
@@ -1364,7 +1364,7 @@
                   <a:prstClr val="black"/>
                 </a:solidFill>
               </a:rPr>
-              <a:t>2/26/2019 10:34 AM</a:t>
+              <a:t>2/26/2019 1:41 PM</a:t>
             </a:fld>
             <a:endParaRPr lang="en-US" dirty="0">
               <a:solidFill>
@@ -17765,7 +17765,7 @@
         <p:spPr>
           <a:xfrm>
             <a:off x="340285" y="1741246"/>
-            <a:ext cx="7247965" cy="1612749"/>
+            <a:ext cx="7247965" cy="1037207"/>
           </a:xfrm>
           <a:prstGeom prst="rect">
             <a:avLst/>
@@ -17787,27 +17787,11 @@
               </a:spcAft>
             </a:pPr>
             <a:r>
-              <a:rPr lang="en-US" sz="3600" dirty="0">
-                <a:latin typeface="+mj-lt"/>
-              </a:rPr>
-              <a:t>Abstract and learning objectives</a:t>
-            </a:r>
-          </a:p>
-          <a:p>
-            <a:pPr>
-              <a:lnSpc>
-                <a:spcPct val="90000"/>
-              </a:lnSpc>
-              <a:spcAft>
-                <a:spcPts val="600"/>
-              </a:spcAft>
-            </a:pPr>
-            <a:r>
               <a:rPr lang="en-US" sz="2400" dirty="0">
                 <a:latin typeface="Segoe UI Semilight" panose="020B0402040204020203" pitchFamily="34" charset="0"/>
                 <a:cs typeface="Segoe UI Semilight" panose="020B0402040204020203" pitchFamily="34" charset="0"/>
               </a:rPr>
-              <a:t>Embed Power BI objects within applications</a:t>
+              <a:t>Introduction to Power BI Embedded</a:t>
             </a:r>
           </a:p>
           <a:p>

--- a/Hands-on Modules/Embedding/1. What is Power BI Embedded.pptx
+++ b/Hands-on Modules/Embedding/1. What is Power BI Embedded.pptx
@@ -20,17 +20,17 @@
     <p:sldId id="268" r:id="rId14"/>
     <p:sldId id="275" r:id="rId15"/>
     <p:sldId id="276" r:id="rId16"/>
-    <p:sldId id="340" r:id="rId17"/>
-    <p:sldId id="341" r:id="rId18"/>
-    <p:sldId id="342" r:id="rId19"/>
-    <p:sldId id="343" r:id="rId20"/>
-    <p:sldId id="339" r:id="rId21"/>
-    <p:sldId id="335" r:id="rId22"/>
-    <p:sldId id="337" r:id="rId23"/>
-    <p:sldId id="338" r:id="rId24"/>
-    <p:sldId id="336" r:id="rId25"/>
-    <p:sldId id="333" r:id="rId26"/>
-    <p:sldId id="321" r:id="rId27"/>
+    <p:sldId id="339" r:id="rId17"/>
+    <p:sldId id="335" r:id="rId18"/>
+    <p:sldId id="337" r:id="rId19"/>
+    <p:sldId id="338" r:id="rId20"/>
+    <p:sldId id="336" r:id="rId21"/>
+    <p:sldId id="344" r:id="rId22"/>
+    <p:sldId id="340" r:id="rId23"/>
+    <p:sldId id="341" r:id="rId24"/>
+    <p:sldId id="342" r:id="rId25"/>
+    <p:sldId id="343" r:id="rId26"/>
+    <p:sldId id="333" r:id="rId27"/>
     <p:sldId id="315" r:id="rId28"/>
   </p:sldIdLst>
   <p:sldSz cx="12192000" cy="6858000"/>
@@ -229,7 +229,7 @@
           <a:p>
             <a:fld id="{52A13B17-C506-4D51-BB37-16B365906619}" type="datetimeFigureOut">
               <a:rPr lang="en-US" smtClean="0"/>
-              <a:t>2/26/2019</a:t>
+              <a:t>2/27/2019</a:t>
             </a:fld>
             <a:endParaRPr lang="en-US"/>
           </a:p>
@@ -778,7 +778,7 @@
           <a:p>
             <a:fld id="{35A2D088-BDBD-41A5-ADCE-5C6A4DC08057}" type="datetime8">
               <a:rPr lang="en-US" smtClean="0"/>
-              <a:t>2/26/2019 1:41 PM</a:t>
+              <a:t>2/27/2019 1:06 PM</a:t>
             </a:fld>
             <a:endParaRPr lang="en-US" dirty="0"/>
           </a:p>
@@ -1130,7 +1130,7 @@
           <a:p>
             <a:fld id="{35A2D088-BDBD-41A5-ADCE-5C6A4DC08057}" type="datetime8">
               <a:rPr lang="en-US" smtClean="0"/>
-              <a:t>2/26/2019 1:41 PM</a:t>
+              <a:t>2/27/2019 1:09 PM</a:t>
             </a:fld>
             <a:endParaRPr lang="en-US" dirty="0"/>
           </a:p>
@@ -1154,7 +1154,7 @@
             <a:fld id="{B4008EB6-D09E-4580-8CD6-DDB14511944F}" type="slidenum">
               <a:rPr lang="en-US" smtClean="0"/>
               <a:pPr/>
-              <a:t>21</a:t>
+              <a:t>17</a:t>
             </a:fld>
             <a:endParaRPr lang="en-US" dirty="0"/>
           </a:p>
@@ -1163,7 +1163,7 @@
     </p:spTree>
     <p:extLst>
       <p:ext uri="{BB962C8B-B14F-4D97-AF65-F5344CB8AC3E}">
-        <p14:creationId xmlns:p14="http://schemas.microsoft.com/office/powerpoint/2010/main" val="2006642493"/>
+        <p14:creationId xmlns:p14="http://schemas.microsoft.com/office/powerpoint/2010/main" val="2285264285"/>
       </p:ext>
     </p:extLst>
   </p:cSld>
@@ -1223,12 +1223,12 @@
       </p:sp>
       <p:sp>
         <p:nvSpPr>
-          <p:cNvPr id="4" name="Slide Number Placeholder 3"/>
+          <p:cNvPr id="4" name="Header Placeholder 3"/>
           <p:cNvSpPr>
             <a:spLocks noGrp="1"/>
           </p:cNvSpPr>
           <p:nvPr>
-            <p:ph type="sldNum" sz="quarter" idx="10"/>
+            <p:ph type="hdr" sz="quarter" idx="10"/>
           </p:nvPr>
         </p:nvSpPr>
         <p:spPr/>
@@ -1236,18 +1236,115 @@
           <a:bodyPr/>
           <a:lstStyle/>
           <a:p>
-            <a:fld id="{0998D5BB-B127-481F-BC0A-2F77C576BB34}" type="slidenum">
+            <a:endParaRPr lang="en-US" dirty="0"/>
+          </a:p>
+        </p:txBody>
+      </p:sp>
+      <p:sp>
+        <p:nvSpPr>
+          <p:cNvPr id="5" name="Footer Placeholder 4"/>
+          <p:cNvSpPr>
+            <a:spLocks noGrp="1"/>
+          </p:cNvSpPr>
+          <p:nvPr>
+            <p:ph type="ftr" sz="quarter" idx="11"/>
+          </p:nvPr>
+        </p:nvSpPr>
+        <p:spPr/>
+        <p:txBody>
+          <a:bodyPr/>
+          <a:lstStyle/>
+          <a:p>
+            <a:pPr defTabSz="914099" eaLnBrk="0" hangingPunct="0"/>
+            <a:r>
+              <a:rPr lang="en-US" sz="400">
+                <a:gradFill>
+                  <a:gsLst>
+                    <a:gs pos="0">
+                      <a:prstClr val="black"/>
+                    </a:gs>
+                    <a:gs pos="100000">
+                      <a:prstClr val="black"/>
+                    </a:gs>
+                  </a:gsLst>
+                  <a:lin ang="5400000" scaled="0"/>
+                </a:gradFill>
+                <a:latin typeface="Segoe UI" pitchFamily="34" charset="0"/>
+                <a:ea typeface="Segoe UI" pitchFamily="34" charset="0"/>
+                <a:cs typeface="Segoe UI" pitchFamily="34" charset="0"/>
+              </a:rPr>
+              <a:t>© Microsoft Corporation. All rights reserved. MICROSOFT MAKES NO WARRANTIES, EXPRESS, IMPLIED OR STATUTORY, AS TO THE INFORMATION IN THIS PRESENTATION.</a:t>
+            </a:r>
+            <a:endParaRPr lang="en-US" sz="400" dirty="0">
+              <a:gradFill>
+                <a:gsLst>
+                  <a:gs pos="0">
+                    <a:prstClr val="black"/>
+                  </a:gs>
+                  <a:gs pos="100000">
+                    <a:prstClr val="black"/>
+                  </a:gs>
+                </a:gsLst>
+                <a:lin ang="5400000" scaled="0"/>
+              </a:gradFill>
+              <a:latin typeface="Segoe UI" pitchFamily="34" charset="0"/>
+              <a:ea typeface="Segoe UI" pitchFamily="34" charset="0"/>
+              <a:cs typeface="Segoe UI" pitchFamily="34" charset="0"/>
+            </a:endParaRPr>
+          </a:p>
+        </p:txBody>
+      </p:sp>
+      <p:sp>
+        <p:nvSpPr>
+          <p:cNvPr id="6" name="Date Placeholder 5"/>
+          <p:cNvSpPr>
+            <a:spLocks noGrp="1"/>
+          </p:cNvSpPr>
+          <p:nvPr>
+            <p:ph type="dt" idx="12"/>
+          </p:nvPr>
+        </p:nvSpPr>
+        <p:spPr/>
+        <p:txBody>
+          <a:bodyPr/>
+          <a:lstStyle/>
+          <a:p>
+            <a:fld id="{35A2D088-BDBD-41A5-ADCE-5C6A4DC08057}" type="datetime8">
               <a:rPr lang="en-US" smtClean="0"/>
+              <a:t>2/27/2019 1:06 PM</a:t>
+            </a:fld>
+            <a:endParaRPr lang="en-US" dirty="0"/>
+          </a:p>
+        </p:txBody>
+      </p:sp>
+      <p:sp>
+        <p:nvSpPr>
+          <p:cNvPr id="7" name="Slide Number Placeholder 6"/>
+          <p:cNvSpPr>
+            <a:spLocks noGrp="1"/>
+          </p:cNvSpPr>
+          <p:nvPr>
+            <p:ph type="sldNum" sz="quarter" idx="13"/>
+          </p:nvPr>
+        </p:nvSpPr>
+        <p:spPr/>
+        <p:txBody>
+          <a:bodyPr/>
+          <a:lstStyle/>
+          <a:p>
+            <a:fld id="{B4008EB6-D09E-4580-8CD6-DDB14511944F}" type="slidenum">
+              <a:rPr lang="en-US" smtClean="0"/>
+              <a:pPr/>
               <a:t>22</a:t>
             </a:fld>
-            <a:endParaRPr lang="en-US"/>
+            <a:endParaRPr lang="en-US" dirty="0"/>
           </a:p>
         </p:txBody>
       </p:sp>
     </p:spTree>
     <p:extLst>
       <p:ext uri="{BB962C8B-B14F-4D97-AF65-F5344CB8AC3E}">
-        <p14:creationId xmlns:p14="http://schemas.microsoft.com/office/powerpoint/2010/main" val="1579283386"/>
+        <p14:creationId xmlns:p14="http://schemas.microsoft.com/office/powerpoint/2010/main" val="2006642493"/>
       </p:ext>
     </p:extLst>
   </p:cSld>
@@ -1364,7 +1461,7 @@
                   <a:prstClr val="black"/>
                 </a:solidFill>
               </a:rPr>
-              <a:t>2/26/2019 1:41 PM</a:t>
+              <a:t>2/27/2019 1:06 PM</a:t>
             </a:fld>
             <a:endParaRPr lang="en-US" dirty="0">
               <a:solidFill>
@@ -11510,7 +11607,7 @@
             <a:fld id="{2E809A50-B28D-413A-915D-87F91E5248C6}" type="datetimeFigureOut">
               <a:rPr lang="en-US" smtClean="0"/>
               <a:pPr/>
-              <a:t>2/26/2019</a:t>
+              <a:t>2/27/2019</a:t>
             </a:fld>
             <a:endParaRPr lang="en-US"/>
           </a:p>
@@ -11697,7 +11794,7 @@
           <a:p>
             <a:fld id="{1279C872-40C5-4778-A459-913B2790679C}" type="datetimeFigureOut">
               <a:rPr lang="en-US" smtClean="0"/>
-              <a:t>2/26/2019</a:t>
+              <a:t>2/27/2019</a:t>
             </a:fld>
             <a:endParaRPr lang="en-US"/>
           </a:p>
@@ -11962,7 +12059,7 @@
           <a:p>
             <a:fld id="{1279C872-40C5-4778-A459-913B2790679C}" type="datetimeFigureOut">
               <a:rPr lang="en-US" smtClean="0"/>
-              <a:t>2/26/2019</a:t>
+              <a:t>2/27/2019</a:t>
             </a:fld>
             <a:endParaRPr lang="en-US"/>
           </a:p>
@@ -12374,7 +12471,7 @@
           <a:p>
             <a:fld id="{1279C872-40C5-4778-A459-913B2790679C}" type="datetimeFigureOut">
               <a:rPr lang="en-US" smtClean="0"/>
-              <a:t>2/26/2019</a:t>
+              <a:t>2/27/2019</a:t>
             </a:fld>
             <a:endParaRPr lang="en-US"/>
           </a:p>
@@ -14744,36 +14841,6 @@
       </p:grpSpPr>
       <p:sp>
         <p:nvSpPr>
-          <p:cNvPr id="2" name="Title 1">
-            <a:extLst>
-              <a:ext uri="{FF2B5EF4-FFF2-40B4-BE49-F238E27FC236}">
-                <a16:creationId xmlns:a16="http://schemas.microsoft.com/office/drawing/2014/main" id="{47DB6BCE-0FF3-4CAA-B503-44F614D48538}"/>
-              </a:ext>
-            </a:extLst>
-          </p:cNvPr>
-          <p:cNvSpPr>
-            <a:spLocks noGrp="1"/>
-          </p:cNvSpPr>
-          <p:nvPr>
-            <p:ph type="title"/>
-          </p:nvPr>
-        </p:nvSpPr>
-        <p:spPr/>
-        <p:txBody>
-          <a:bodyPr/>
-          <a:lstStyle/>
-          <a:p>
-            <a:r>
-              <a:rPr lang="en-US" dirty="0">
-                <a:latin typeface="+mn-lt"/>
-              </a:rPr>
-              <a:t>First Party vs Third Party Embedding</a:t>
-            </a:r>
-          </a:p>
-        </p:txBody>
-      </p:sp>
-      <p:sp>
-        <p:nvSpPr>
           <p:cNvPr id="3" name="Text Placeholder 2">
             <a:extLst>
               <a:ext uri="{FF2B5EF4-FFF2-40B4-BE49-F238E27FC236}">
@@ -14788,7 +14855,12 @@
             <p:ph type="body" idx="1"/>
           </p:nvPr>
         </p:nvSpPr>
-        <p:spPr/>
+        <p:spPr>
+          <a:xfrm>
+            <a:off x="269240" y="1681163"/>
+            <a:ext cx="5728335" cy="823912"/>
+          </a:xfrm>
+        </p:spPr>
         <p:txBody>
           <a:bodyPr/>
           <a:lstStyle/>
@@ -14816,7 +14888,12 @@
             <p:ph sz="half" idx="2"/>
           </p:nvPr>
         </p:nvSpPr>
-        <p:spPr/>
+        <p:spPr>
+          <a:xfrm>
+            <a:off x="269240" y="2505075"/>
+            <a:ext cx="5728335" cy="3684588"/>
+          </a:xfrm>
+        </p:spPr>
         <p:txBody>
           <a:bodyPr/>
           <a:lstStyle/>
@@ -14883,7 +14960,12 @@
             <p:ph type="body" sz="quarter" idx="3"/>
           </p:nvPr>
         </p:nvSpPr>
-        <p:spPr/>
+        <p:spPr>
+          <a:xfrm>
+            <a:off x="6172200" y="1681163"/>
+            <a:ext cx="5750560" cy="823912"/>
+          </a:xfrm>
+        </p:spPr>
         <p:txBody>
           <a:bodyPr/>
           <a:lstStyle/>
@@ -14915,7 +14997,12 @@
             <p:ph sz="quarter" idx="4"/>
           </p:nvPr>
         </p:nvSpPr>
-        <p:spPr/>
+        <p:spPr>
+          <a:xfrm>
+            <a:off x="6172200" y="2505075"/>
+            <a:ext cx="5750560" cy="3684588"/>
+          </a:xfrm>
+        </p:spPr>
         <p:txBody>
           <a:bodyPr/>
           <a:lstStyle/>
@@ -14959,6 +15046,48 @@
                 </a:solidFill>
               </a:rPr>
               <a:t>Applications which use identity provider other than AAD</a:t>
+            </a:r>
+          </a:p>
+        </p:txBody>
+      </p:sp>
+      <p:sp>
+        <p:nvSpPr>
+          <p:cNvPr id="9" name="Title 1">
+            <a:extLst>
+              <a:ext uri="{FF2B5EF4-FFF2-40B4-BE49-F238E27FC236}">
+                <a16:creationId xmlns:a16="http://schemas.microsoft.com/office/drawing/2014/main" id="{ADAA064D-A17E-4D21-9705-AF7F5C9D58A9}"/>
+              </a:ext>
+            </a:extLst>
+          </p:cNvPr>
+          <p:cNvSpPr>
+            <a:spLocks noGrp="1"/>
+          </p:cNvSpPr>
+          <p:nvPr>
+            <p:ph type="title"/>
+          </p:nvPr>
+        </p:nvSpPr>
+        <p:spPr>
+          <a:xfrm>
+            <a:off x="269240" y="289511"/>
+            <a:ext cx="11655840" cy="899665"/>
+          </a:xfrm>
+        </p:spPr>
+        <p:txBody>
+          <a:bodyPr vert="horz" lIns="91440" tIns="45720" rIns="91440" bIns="45720" rtlCol="0" anchor="ctr">
+            <a:normAutofit/>
+          </a:bodyPr>
+          <a:lstStyle/>
+          <a:p>
+            <a:r>
+              <a:rPr lang="en-US" sz="4400" kern="1200" dirty="0">
+                <a:solidFill>
+                  <a:schemeClr val="tx1"/>
+                </a:solidFill>
+                <a:latin typeface="+mn-lt"/>
+                <a:ea typeface="+mj-ea"/>
+                <a:cs typeface="+mj-cs"/>
+              </a:rPr>
+              <a:t>First Party vs Third Party Embedding</a:t>
             </a:r>
           </a:p>
         </p:txBody>
@@ -15017,7 +15146,7 @@
           <a:lstStyle/>
           <a:p>
             <a:r>
-              <a:rPr lang="en-US" kern="1200">
+              <a:rPr lang="en-US" sz="4400" kern="1200" dirty="0">
                 <a:solidFill>
                   <a:schemeClr val="tx1"/>
                 </a:solidFill>
@@ -15025,7 +15154,29 @@
                 <a:ea typeface="+mj-ea"/>
                 <a:cs typeface="+mj-cs"/>
               </a:rPr>
-              <a:t>First Party vs Third Party Embedding Cont…</a:t>
+              <a:t>First Party vs Third Party Embedding </a:t>
+            </a:r>
+            <a:r>
+              <a:rPr lang="en-US" sz="4400" kern="1200" dirty="0" err="1">
+                <a:solidFill>
+                  <a:schemeClr val="tx1"/>
+                </a:solidFill>
+                <a:latin typeface="+mn-lt"/>
+                <a:ea typeface="+mj-ea"/>
+                <a:cs typeface="+mj-cs"/>
+              </a:rPr>
+              <a:t>Cont</a:t>
+            </a:r>
+            <a:r>
+              <a:rPr lang="en-US" sz="4400" kern="1200" dirty="0">
+                <a:solidFill>
+                  <a:schemeClr val="tx1"/>
+                </a:solidFill>
+                <a:latin typeface="+mn-lt"/>
+                <a:ea typeface="+mj-ea"/>
+                <a:cs typeface="+mj-cs"/>
+              </a:rPr>
+              <a:t>…</a:t>
             </a:r>
           </a:p>
         </p:txBody>
@@ -15450,6 +15601,1263 @@
           <p:cNvPr id="2" name="Title 1">
             <a:extLst>
               <a:ext uri="{FF2B5EF4-FFF2-40B4-BE49-F238E27FC236}">
+                <a16:creationId xmlns:a16="http://schemas.microsoft.com/office/drawing/2014/main" id="{6EB0EE16-51FA-4CD3-957F-FBF75DF06F06}"/>
+              </a:ext>
+            </a:extLst>
+          </p:cNvPr>
+          <p:cNvSpPr>
+            <a:spLocks noGrp="1"/>
+          </p:cNvSpPr>
+          <p:nvPr>
+            <p:ph type="title"/>
+          </p:nvPr>
+        </p:nvSpPr>
+        <p:spPr/>
+        <p:txBody>
+          <a:bodyPr/>
+          <a:lstStyle/>
+          <a:p>
+            <a:r>
+              <a:rPr lang="en-US" dirty="0"/>
+              <a:t>FAQs</a:t>
+            </a:r>
+          </a:p>
+        </p:txBody>
+      </p:sp>
+    </p:spTree>
+    <p:extLst>
+      <p:ext uri="{BB962C8B-B14F-4D97-AF65-F5344CB8AC3E}">
+        <p14:creationId xmlns:p14="http://schemas.microsoft.com/office/powerpoint/2010/main" val="3290717234"/>
+      </p:ext>
+    </p:extLst>
+  </p:cSld>
+  <p:clrMapOvr>
+    <a:masterClrMapping/>
+  </p:clrMapOvr>
+  <p:transition>
+    <p:fade/>
+  </p:transition>
+</p:sld>
+</file>
+
+<file path=ppt/slides/slide13.xml><?xml version="1.0" encoding="utf-8"?>
+<p:sld xmlns:a="http://schemas.openxmlformats.org/drawingml/2006/main" xmlns:r="http://schemas.openxmlformats.org/officeDocument/2006/relationships" xmlns:p="http://schemas.openxmlformats.org/presentationml/2006/main">
+  <p:cSld>
+    <p:spTree>
+      <p:nvGrpSpPr>
+        <p:cNvPr id="1" name=""/>
+        <p:cNvGrpSpPr/>
+        <p:nvPr/>
+      </p:nvGrpSpPr>
+      <p:grpSpPr>
+        <a:xfrm>
+          <a:off x="0" y="0"/>
+          <a:ext cx="0" cy="0"/>
+          <a:chOff x="0" y="0"/>
+          <a:chExt cx="0" cy="0"/>
+        </a:xfrm>
+      </p:grpSpPr>
+      <p:sp>
+        <p:nvSpPr>
+          <p:cNvPr id="2" name="Title 1">
+            <a:extLst>
+              <a:ext uri="{FF2B5EF4-FFF2-40B4-BE49-F238E27FC236}">
+                <a16:creationId xmlns:a16="http://schemas.microsoft.com/office/drawing/2014/main" id="{113A9765-A80A-4187-A741-561D23FE7FDF}"/>
+              </a:ext>
+            </a:extLst>
+          </p:cNvPr>
+          <p:cNvSpPr>
+            <a:spLocks noGrp="1"/>
+          </p:cNvSpPr>
+          <p:nvPr>
+            <p:ph type="title"/>
+          </p:nvPr>
+        </p:nvSpPr>
+        <p:spPr/>
+        <p:txBody>
+          <a:bodyPr/>
+          <a:lstStyle/>
+          <a:p>
+            <a:r>
+              <a:rPr lang="en-US" dirty="0"/>
+              <a:t>FAQs</a:t>
+            </a:r>
+          </a:p>
+        </p:txBody>
+      </p:sp>
+      <p:sp>
+        <p:nvSpPr>
+          <p:cNvPr id="3" name="Text Placeholder 2">
+            <a:extLst>
+              <a:ext uri="{FF2B5EF4-FFF2-40B4-BE49-F238E27FC236}">
+                <a16:creationId xmlns:a16="http://schemas.microsoft.com/office/drawing/2014/main" id="{B62A60E8-C99D-4C28-9D0A-9F2268FF8F9B}"/>
+              </a:ext>
+            </a:extLst>
+          </p:cNvPr>
+          <p:cNvSpPr>
+            <a:spLocks noGrp="1"/>
+          </p:cNvSpPr>
+          <p:nvPr>
+            <p:ph type="body" idx="1"/>
+          </p:nvPr>
+        </p:nvSpPr>
+        <p:spPr>
+          <a:xfrm>
+            <a:off x="839788" y="1877210"/>
+            <a:ext cx="5157787" cy="572465"/>
+          </a:xfrm>
+        </p:spPr>
+        <p:txBody>
+          <a:bodyPr anchor="ctr"/>
+          <a:lstStyle/>
+          <a:p>
+            <a:r>
+              <a:rPr lang="en-US" sz="1600" dirty="0"/>
+              <a:t>What type of content pack data can be embedded?</a:t>
+            </a:r>
+          </a:p>
+        </p:txBody>
+      </p:sp>
+      <p:sp>
+        <p:nvSpPr>
+          <p:cNvPr id="4" name="Content Placeholder 3">
+            <a:extLst>
+              <a:ext uri="{FF2B5EF4-FFF2-40B4-BE49-F238E27FC236}">
+                <a16:creationId xmlns:a16="http://schemas.microsoft.com/office/drawing/2014/main" id="{CCBBAC2C-A011-4519-9074-762A931C8212}"/>
+              </a:ext>
+            </a:extLst>
+          </p:cNvPr>
+          <p:cNvSpPr>
+            <a:spLocks noGrp="1"/>
+          </p:cNvSpPr>
+          <p:nvPr>
+            <p:ph sz="half" idx="2"/>
+          </p:nvPr>
+        </p:nvSpPr>
+        <p:spPr>
+          <a:xfrm>
+            <a:off x="839788" y="2505075"/>
+            <a:ext cx="5157787" cy="2179058"/>
+          </a:xfrm>
+        </p:spPr>
+        <p:txBody>
+          <a:bodyPr/>
+          <a:lstStyle/>
+          <a:p>
+            <a:r>
+              <a:rPr lang="en-US" sz="2400" b="1" dirty="0"/>
+              <a:t>Dashboards</a:t>
+            </a:r>
+            <a:r>
+              <a:rPr lang="en-US" sz="2400" dirty="0"/>
+              <a:t> and </a:t>
+            </a:r>
+            <a:r>
+              <a:rPr lang="en-US" sz="2400" b="1" dirty="0"/>
+              <a:t>tiles</a:t>
+            </a:r>
+            <a:r>
+              <a:rPr lang="en-US" sz="2400" dirty="0"/>
+              <a:t> that are built from content pack datasets </a:t>
+            </a:r>
+            <a:r>
+              <a:rPr lang="en-US" sz="2400" i="1" dirty="0"/>
+              <a:t>cannot</a:t>
+            </a:r>
+            <a:r>
+              <a:rPr lang="en-US" sz="2400" dirty="0"/>
+              <a:t> be embedded, however, </a:t>
+            </a:r>
+            <a:r>
+              <a:rPr lang="en-US" sz="2400" b="1" dirty="0"/>
+              <a:t>reports</a:t>
+            </a:r>
+            <a:r>
+              <a:rPr lang="en-US" sz="2400" dirty="0"/>
+              <a:t> built from a content pack dataset </a:t>
+            </a:r>
+            <a:r>
+              <a:rPr lang="en-US" sz="2400" i="1" dirty="0"/>
+              <a:t>can</a:t>
+            </a:r>
+            <a:r>
+              <a:rPr lang="en-US" sz="2400" dirty="0"/>
+              <a:t> be embedded.</a:t>
+            </a:r>
+          </a:p>
+        </p:txBody>
+      </p:sp>
+      <p:sp>
+        <p:nvSpPr>
+          <p:cNvPr id="5" name="Text Placeholder 4">
+            <a:extLst>
+              <a:ext uri="{FF2B5EF4-FFF2-40B4-BE49-F238E27FC236}">
+                <a16:creationId xmlns:a16="http://schemas.microsoft.com/office/drawing/2014/main" id="{0D3B65E4-3ABD-4555-9A90-072B0AE0CD6D}"/>
+              </a:ext>
+            </a:extLst>
+          </p:cNvPr>
+          <p:cNvSpPr>
+            <a:spLocks noGrp="1"/>
+          </p:cNvSpPr>
+          <p:nvPr>
+            <p:ph type="body" sz="quarter" idx="3"/>
+          </p:nvPr>
+        </p:nvSpPr>
+        <p:spPr>
+          <a:xfrm>
+            <a:off x="6172200" y="1877210"/>
+            <a:ext cx="5183188" cy="572465"/>
+          </a:xfrm>
+        </p:spPr>
+        <p:txBody>
+          <a:bodyPr anchor="ctr"/>
+          <a:lstStyle/>
+          <a:p>
+            <a:r>
+              <a:rPr lang="en-US" sz="1600" dirty="0"/>
+              <a:t>What deploy regions are supported?</a:t>
+            </a:r>
+          </a:p>
+        </p:txBody>
+      </p:sp>
+      <p:sp>
+        <p:nvSpPr>
+          <p:cNvPr id="6" name="Content Placeholder 5">
+            <a:extLst>
+              <a:ext uri="{FF2B5EF4-FFF2-40B4-BE49-F238E27FC236}">
+                <a16:creationId xmlns:a16="http://schemas.microsoft.com/office/drawing/2014/main" id="{8C9DC2E3-6A23-4749-93BF-4BD180BCA396}"/>
+              </a:ext>
+            </a:extLst>
+          </p:cNvPr>
+          <p:cNvSpPr>
+            <a:spLocks noGrp="1"/>
+          </p:cNvSpPr>
+          <p:nvPr>
+            <p:ph sz="quarter" idx="4"/>
+          </p:nvPr>
+        </p:nvSpPr>
+        <p:spPr>
+          <a:xfrm>
+            <a:off x="6172200" y="2505075"/>
+            <a:ext cx="5183188" cy="3459409"/>
+          </a:xfrm>
+        </p:spPr>
+        <p:txBody>
+          <a:bodyPr/>
+          <a:lstStyle/>
+          <a:p>
+            <a:r>
+              <a:rPr lang="en-US" sz="1400" dirty="0"/>
+              <a:t>Australia Southeast, </a:t>
+            </a:r>
+          </a:p>
+          <a:p>
+            <a:r>
+              <a:rPr lang="en-US" sz="1400" dirty="0"/>
+              <a:t>Brazil South, </a:t>
+            </a:r>
+          </a:p>
+          <a:p>
+            <a:r>
+              <a:rPr lang="en-US" sz="1400" dirty="0"/>
+              <a:t>Canada Central, </a:t>
+            </a:r>
+          </a:p>
+          <a:p>
+            <a:r>
+              <a:rPr lang="en-US" sz="1400" dirty="0"/>
+              <a:t>East US 2, </a:t>
+            </a:r>
+          </a:p>
+          <a:p>
+            <a:r>
+              <a:rPr lang="en-US" sz="1400" dirty="0"/>
+              <a:t>India West, </a:t>
+            </a:r>
+          </a:p>
+          <a:p>
+            <a:r>
+              <a:rPr lang="en-US" sz="1400" dirty="0"/>
+              <a:t>Japan East, </a:t>
+            </a:r>
+          </a:p>
+          <a:p>
+            <a:r>
+              <a:rPr lang="en-US" sz="1400" dirty="0"/>
+              <a:t>North Central US, </a:t>
+            </a:r>
+          </a:p>
+          <a:p>
+            <a:r>
+              <a:rPr lang="en-US" sz="1400" dirty="0"/>
+              <a:t>North Europe, </a:t>
+            </a:r>
+          </a:p>
+          <a:p>
+            <a:r>
+              <a:rPr lang="en-US" sz="1400" dirty="0"/>
+              <a:t>South Central US, </a:t>
+            </a:r>
+          </a:p>
+          <a:p>
+            <a:r>
+              <a:rPr lang="en-US" sz="1400" dirty="0"/>
+              <a:t>Southeast Asia, </a:t>
+            </a:r>
+          </a:p>
+          <a:p>
+            <a:r>
+              <a:rPr lang="en-US" sz="1400" dirty="0"/>
+              <a:t>UK South, </a:t>
+            </a:r>
+          </a:p>
+          <a:p>
+            <a:r>
+              <a:rPr lang="en-US" sz="1400" dirty="0"/>
+              <a:t>West Europe, </a:t>
+            </a:r>
+          </a:p>
+          <a:p>
+            <a:r>
+              <a:rPr lang="en-US" sz="1400" dirty="0"/>
+              <a:t>West US, and </a:t>
+            </a:r>
+          </a:p>
+          <a:p>
+            <a:r>
+              <a:rPr lang="en-US" sz="1400" dirty="0"/>
+              <a:t>West US 2.</a:t>
+            </a:r>
+          </a:p>
+        </p:txBody>
+      </p:sp>
+    </p:spTree>
+    <p:extLst>
+      <p:ext uri="{BB962C8B-B14F-4D97-AF65-F5344CB8AC3E}">
+        <p14:creationId xmlns:p14="http://schemas.microsoft.com/office/powerpoint/2010/main" val="2835079792"/>
+      </p:ext>
+    </p:extLst>
+  </p:cSld>
+  <p:clrMapOvr>
+    <a:masterClrMapping/>
+  </p:clrMapOvr>
+</p:sld>
+</file>
+
+<file path=ppt/slides/slide14.xml><?xml version="1.0" encoding="utf-8"?>
+<p:sld xmlns:a="http://schemas.openxmlformats.org/drawingml/2006/main" xmlns:r="http://schemas.openxmlformats.org/officeDocument/2006/relationships" xmlns:p="http://schemas.openxmlformats.org/presentationml/2006/main">
+  <p:cSld>
+    <p:spTree>
+      <p:nvGrpSpPr>
+        <p:cNvPr id="1" name=""/>
+        <p:cNvGrpSpPr/>
+        <p:nvPr/>
+      </p:nvGrpSpPr>
+      <p:grpSpPr>
+        <a:xfrm>
+          <a:off x="0" y="0"/>
+          <a:ext cx="0" cy="0"/>
+          <a:chOff x="0" y="0"/>
+          <a:chExt cx="0" cy="0"/>
+        </a:xfrm>
+      </p:grpSpPr>
+      <p:sp>
+        <p:nvSpPr>
+          <p:cNvPr id="2" name="Title 1">
+            <a:extLst>
+              <a:ext uri="{FF2B5EF4-FFF2-40B4-BE49-F238E27FC236}">
+                <a16:creationId xmlns:a16="http://schemas.microsoft.com/office/drawing/2014/main" id="{27786EB5-6011-4749-9085-CA0FD613983F}"/>
+              </a:ext>
+            </a:extLst>
+          </p:cNvPr>
+          <p:cNvSpPr>
+            <a:spLocks noGrp="1"/>
+          </p:cNvSpPr>
+          <p:nvPr>
+            <p:ph type="title"/>
+          </p:nvPr>
+        </p:nvSpPr>
+        <p:spPr/>
+        <p:txBody>
+          <a:bodyPr/>
+          <a:lstStyle/>
+          <a:p>
+            <a:r>
+              <a:rPr lang="en-US" dirty="0"/>
+              <a:t>FAQs</a:t>
+            </a:r>
+          </a:p>
+        </p:txBody>
+      </p:sp>
+      <p:sp>
+        <p:nvSpPr>
+          <p:cNvPr id="3" name="Text Placeholder 2">
+            <a:extLst>
+              <a:ext uri="{FF2B5EF4-FFF2-40B4-BE49-F238E27FC236}">
+                <a16:creationId xmlns:a16="http://schemas.microsoft.com/office/drawing/2014/main" id="{47A84B09-38C2-4310-AFDE-1B6C205F9FEC}"/>
+              </a:ext>
+            </a:extLst>
+          </p:cNvPr>
+          <p:cNvSpPr>
+            <a:spLocks noGrp="1"/>
+          </p:cNvSpPr>
+          <p:nvPr>
+            <p:ph type="body" idx="1"/>
+          </p:nvPr>
+        </p:nvSpPr>
+        <p:spPr>
+          <a:xfrm>
+            <a:off x="839788" y="1655612"/>
+            <a:ext cx="5157787" cy="849463"/>
+          </a:xfrm>
+        </p:spPr>
+        <p:txBody>
+          <a:bodyPr/>
+          <a:lstStyle/>
+          <a:p>
+            <a:r>
+              <a:rPr lang="en-US" dirty="0"/>
+              <a:t>How can I monitor Power BI Embedded capacity consumption?</a:t>
+            </a:r>
+          </a:p>
+        </p:txBody>
+      </p:sp>
+      <p:sp>
+        <p:nvSpPr>
+          <p:cNvPr id="4" name="Content Placeholder 3">
+            <a:extLst>
+              <a:ext uri="{FF2B5EF4-FFF2-40B4-BE49-F238E27FC236}">
+                <a16:creationId xmlns:a16="http://schemas.microsoft.com/office/drawing/2014/main" id="{686EEE8F-CCC9-412E-AC16-2B1EF2E706FE}"/>
+              </a:ext>
+            </a:extLst>
+          </p:cNvPr>
+          <p:cNvSpPr>
+            <a:spLocks noGrp="1"/>
+          </p:cNvSpPr>
+          <p:nvPr>
+            <p:ph sz="half" idx="2"/>
+          </p:nvPr>
+        </p:nvSpPr>
+        <p:spPr>
+          <a:xfrm>
+            <a:off x="839788" y="2505075"/>
+            <a:ext cx="5157787" cy="1661993"/>
+          </a:xfrm>
+        </p:spPr>
+        <p:txBody>
+          <a:bodyPr/>
+          <a:lstStyle/>
+          <a:p>
+            <a:r>
+              <a:rPr lang="en-US" sz="2400" dirty="0">
+                <a:solidFill>
+                  <a:schemeClr val="tx1"/>
+                </a:solidFill>
+              </a:rPr>
+              <a:t>Using the </a:t>
+            </a:r>
+            <a:r>
+              <a:rPr lang="en-US" sz="2400" u="sng" dirty="0">
+                <a:solidFill>
+                  <a:schemeClr val="tx1"/>
+                </a:solidFill>
+                <a:hlinkClick r:id="rId2">
+                  <a:extLst>
+                    <a:ext uri="{A12FA001-AC4F-418D-AE19-62706E023703}">
+                      <ahyp:hlinkClr xmlns:ahyp="http://schemas.microsoft.com/office/drawing/2018/hyperlinkcolor" val="tx"/>
+                    </a:ext>
+                  </a:extLst>
+                </a:hlinkClick>
+              </a:rPr>
+              <a:t>Power BI Admin portal</a:t>
+            </a:r>
+            <a:r>
+              <a:rPr lang="en-US" sz="2400" dirty="0">
+                <a:solidFill>
+                  <a:schemeClr val="tx1"/>
+                </a:solidFill>
+              </a:rPr>
+              <a:t>.</a:t>
+            </a:r>
+          </a:p>
+          <a:p>
+            <a:r>
+              <a:rPr lang="en-US" sz="2400" dirty="0">
+                <a:solidFill>
+                  <a:schemeClr val="tx1"/>
+                </a:solidFill>
+              </a:rPr>
+              <a:t>Downloading the </a:t>
+            </a:r>
+            <a:r>
+              <a:rPr lang="en-US" sz="2400" u="sng" dirty="0">
+                <a:solidFill>
+                  <a:schemeClr val="tx1"/>
+                </a:solidFill>
+                <a:hlinkClick r:id="rId3">
+                  <a:extLst>
+                    <a:ext uri="{A12FA001-AC4F-418D-AE19-62706E023703}">
+                      <ahyp:hlinkClr xmlns:ahyp="http://schemas.microsoft.com/office/drawing/2018/hyperlinkcolor" val="tx"/>
+                    </a:ext>
+                  </a:extLst>
+                </a:hlinkClick>
+              </a:rPr>
+              <a:t>metric app</a:t>
+            </a:r>
+            <a:r>
+              <a:rPr lang="en-US" sz="2400" dirty="0">
+                <a:solidFill>
+                  <a:schemeClr val="tx1"/>
+                </a:solidFill>
+              </a:rPr>
+              <a:t> in Power BI.</a:t>
+            </a:r>
+          </a:p>
+          <a:p>
+            <a:r>
+              <a:rPr lang="en-US" sz="2400" dirty="0">
+                <a:solidFill>
+                  <a:schemeClr val="tx1"/>
+                </a:solidFill>
+              </a:rPr>
+              <a:t>Using </a:t>
+            </a:r>
+            <a:r>
+              <a:rPr lang="en-US" sz="2400" u="sng" dirty="0">
+                <a:solidFill>
+                  <a:schemeClr val="tx1"/>
+                </a:solidFill>
+                <a:hlinkClick r:id="rId4">
+                  <a:extLst>
+                    <a:ext uri="{A12FA001-AC4F-418D-AE19-62706E023703}">
+                      <ahyp:hlinkClr xmlns:ahyp="http://schemas.microsoft.com/office/drawing/2018/hyperlinkcolor" val="tx"/>
+                    </a:ext>
+                  </a:extLst>
+                </a:hlinkClick>
+              </a:rPr>
+              <a:t>Azure diagnostic logging</a:t>
+            </a:r>
+            <a:r>
+              <a:rPr lang="en-US" sz="2400" dirty="0">
+                <a:solidFill>
+                  <a:schemeClr val="tx1"/>
+                </a:solidFill>
+              </a:rPr>
+              <a:t>.</a:t>
+            </a:r>
+          </a:p>
+        </p:txBody>
+      </p:sp>
+      <p:sp>
+        <p:nvSpPr>
+          <p:cNvPr id="5" name="Text Placeholder 4">
+            <a:extLst>
+              <a:ext uri="{FF2B5EF4-FFF2-40B4-BE49-F238E27FC236}">
+                <a16:creationId xmlns:a16="http://schemas.microsoft.com/office/drawing/2014/main" id="{D9ABF0EF-C81A-46E2-A545-981911079C4B}"/>
+              </a:ext>
+            </a:extLst>
+          </p:cNvPr>
+          <p:cNvSpPr>
+            <a:spLocks noGrp="1"/>
+          </p:cNvSpPr>
+          <p:nvPr>
+            <p:ph type="body" sz="quarter" idx="3"/>
+          </p:nvPr>
+        </p:nvSpPr>
+        <p:spPr>
+          <a:xfrm>
+            <a:off x="6172200" y="1690688"/>
+            <a:ext cx="5183188" cy="517065"/>
+          </a:xfrm>
+        </p:spPr>
+        <p:txBody>
+          <a:bodyPr anchor="t"/>
+          <a:lstStyle/>
+          <a:p>
+            <a:r>
+              <a:rPr lang="en-US" dirty="0"/>
+              <a:t>What is the Power BI Service?</a:t>
+            </a:r>
+          </a:p>
+        </p:txBody>
+      </p:sp>
+      <p:sp>
+        <p:nvSpPr>
+          <p:cNvPr id="6" name="Content Placeholder 5">
+            <a:extLst>
+              <a:ext uri="{FF2B5EF4-FFF2-40B4-BE49-F238E27FC236}">
+                <a16:creationId xmlns:a16="http://schemas.microsoft.com/office/drawing/2014/main" id="{DF466CA0-17F6-4F2C-9390-CFB02C09F419}"/>
+              </a:ext>
+            </a:extLst>
+          </p:cNvPr>
+          <p:cNvSpPr>
+            <a:spLocks noGrp="1"/>
+          </p:cNvSpPr>
+          <p:nvPr>
+            <p:ph sz="quarter" idx="4"/>
+          </p:nvPr>
+        </p:nvSpPr>
+        <p:spPr>
+          <a:xfrm>
+            <a:off x="6172200" y="2505075"/>
+            <a:ext cx="5183188" cy="3065455"/>
+          </a:xfrm>
+        </p:spPr>
+        <p:txBody>
+          <a:bodyPr/>
+          <a:lstStyle/>
+          <a:p>
+            <a:r>
+              <a:rPr lang="en-US" sz="2400" dirty="0">
+                <a:solidFill>
+                  <a:schemeClr val="tx1"/>
+                </a:solidFill>
+              </a:rPr>
+              <a:t>Provides cloud-based foundation for power BI platform</a:t>
+            </a:r>
+          </a:p>
+          <a:p>
+            <a:r>
+              <a:rPr lang="en-US" sz="2400" dirty="0">
+                <a:solidFill>
+                  <a:schemeClr val="tx1"/>
+                </a:solidFill>
+              </a:rPr>
+              <a:t>Accessible with browser through https://app.Powerbi.Com</a:t>
+            </a:r>
+          </a:p>
+          <a:p>
+            <a:r>
+              <a:rPr lang="en-US" sz="2400" dirty="0">
+                <a:solidFill>
+                  <a:schemeClr val="tx1"/>
+                </a:solidFill>
+              </a:rPr>
+              <a:t>Accessible through power BI mobile apps</a:t>
+            </a:r>
+          </a:p>
+          <a:p>
+            <a:r>
+              <a:rPr lang="en-US" sz="2400" dirty="0">
+                <a:solidFill>
+                  <a:schemeClr val="tx1"/>
+                </a:solidFill>
+              </a:rPr>
+              <a:t>Accessible to developers through power BI service API</a:t>
+            </a:r>
+          </a:p>
+        </p:txBody>
+      </p:sp>
+    </p:spTree>
+    <p:extLst>
+      <p:ext uri="{BB962C8B-B14F-4D97-AF65-F5344CB8AC3E}">
+        <p14:creationId xmlns:p14="http://schemas.microsoft.com/office/powerpoint/2010/main" val="3954084811"/>
+      </p:ext>
+    </p:extLst>
+  </p:cSld>
+  <p:clrMapOvr>
+    <a:masterClrMapping/>
+  </p:clrMapOvr>
+</p:sld>
+</file>
+
+<file path=ppt/slides/slide15.xml><?xml version="1.0" encoding="utf-8"?>
+<p:sld xmlns:a="http://schemas.openxmlformats.org/drawingml/2006/main" xmlns:r="http://schemas.openxmlformats.org/officeDocument/2006/relationships" xmlns:p="http://schemas.openxmlformats.org/presentationml/2006/main">
+  <p:cSld>
+    <p:spTree>
+      <p:nvGrpSpPr>
+        <p:cNvPr id="1" name=""/>
+        <p:cNvGrpSpPr/>
+        <p:nvPr/>
+      </p:nvGrpSpPr>
+      <p:grpSpPr>
+        <a:xfrm>
+          <a:off x="0" y="0"/>
+          <a:ext cx="0" cy="0"/>
+          <a:chOff x="0" y="0"/>
+          <a:chExt cx="0" cy="0"/>
+        </a:xfrm>
+      </p:grpSpPr>
+      <p:sp>
+        <p:nvSpPr>
+          <p:cNvPr id="2" name="Title 1">
+            <a:extLst>
+              <a:ext uri="{FF2B5EF4-FFF2-40B4-BE49-F238E27FC236}">
+                <a16:creationId xmlns:a16="http://schemas.microsoft.com/office/drawing/2014/main" id="{24F77C62-2741-4C4C-8581-6CA7C9D6B81E}"/>
+              </a:ext>
+            </a:extLst>
+          </p:cNvPr>
+          <p:cNvSpPr>
+            <a:spLocks noGrp="1"/>
+          </p:cNvSpPr>
+          <p:nvPr>
+            <p:ph type="title"/>
+          </p:nvPr>
+        </p:nvSpPr>
+        <p:spPr/>
+        <p:txBody>
+          <a:bodyPr/>
+          <a:lstStyle/>
+          <a:p>
+            <a:r>
+              <a:rPr lang="en-US" dirty="0"/>
+              <a:t>FAQs</a:t>
+            </a:r>
+          </a:p>
+        </p:txBody>
+      </p:sp>
+      <p:sp>
+        <p:nvSpPr>
+          <p:cNvPr id="3" name="Text Placeholder 2">
+            <a:extLst>
+              <a:ext uri="{FF2B5EF4-FFF2-40B4-BE49-F238E27FC236}">
+                <a16:creationId xmlns:a16="http://schemas.microsoft.com/office/drawing/2014/main" id="{D4C2B1B6-EE9F-4A0F-B44F-3E3D9C9B4DE7}"/>
+              </a:ext>
+            </a:extLst>
+          </p:cNvPr>
+          <p:cNvSpPr>
+            <a:spLocks noGrp="1"/>
+          </p:cNvSpPr>
+          <p:nvPr>
+            <p:ph type="body" idx="1"/>
+          </p:nvPr>
+        </p:nvSpPr>
+        <p:spPr>
+          <a:xfrm>
+            <a:off x="839788" y="1766411"/>
+            <a:ext cx="5157787" cy="738664"/>
+          </a:xfrm>
+        </p:spPr>
+        <p:txBody>
+          <a:bodyPr/>
+          <a:lstStyle/>
+          <a:p>
+            <a:r>
+              <a:rPr lang="en-US" sz="2000" dirty="0"/>
+              <a:t>What is the PBI Embedded dedicated capacity role in a PBI Embedded solution?</a:t>
+            </a:r>
+          </a:p>
+        </p:txBody>
+      </p:sp>
+      <p:sp>
+        <p:nvSpPr>
+          <p:cNvPr id="4" name="Content Placeholder 3">
+            <a:extLst>
+              <a:ext uri="{FF2B5EF4-FFF2-40B4-BE49-F238E27FC236}">
+                <a16:creationId xmlns:a16="http://schemas.microsoft.com/office/drawing/2014/main" id="{A3B2FE82-F344-4603-AE4A-6EE9BD2011E8}"/>
+              </a:ext>
+            </a:extLst>
+          </p:cNvPr>
+          <p:cNvSpPr>
+            <a:spLocks noGrp="1"/>
+          </p:cNvSpPr>
+          <p:nvPr>
+            <p:ph sz="half" idx="2"/>
+          </p:nvPr>
+        </p:nvSpPr>
+        <p:spPr>
+          <a:xfrm>
+            <a:off x="839788" y="2505075"/>
+            <a:ext cx="5157787" cy="2179058"/>
+          </a:xfrm>
+        </p:spPr>
+        <p:txBody>
+          <a:bodyPr/>
+          <a:lstStyle/>
+          <a:p>
+            <a:r>
+              <a:rPr lang="en-US" sz="2400" dirty="0">
+                <a:solidFill>
+                  <a:schemeClr val="tx1"/>
+                </a:solidFill>
+              </a:rPr>
+              <a:t>To </a:t>
+            </a:r>
+            <a:r>
+              <a:rPr lang="en-US" sz="2400" u="sng" dirty="0">
+                <a:solidFill>
+                  <a:schemeClr val="tx1"/>
+                </a:solidFill>
+                <a:hlinkClick r:id="rId2">
+                  <a:extLst>
+                    <a:ext uri="{A12FA001-AC4F-418D-AE19-62706E023703}">
+                      <ahyp:hlinkClr xmlns:ahyp="http://schemas.microsoft.com/office/drawing/2018/hyperlinkcolor" val="tx"/>
+                    </a:ext>
+                  </a:extLst>
+                </a:hlinkClick>
+              </a:rPr>
+              <a:t>promote your solution to production</a:t>
+            </a:r>
+            <a:r>
+              <a:rPr lang="en-US" sz="2400" dirty="0">
+                <a:solidFill>
+                  <a:schemeClr val="tx1"/>
+                </a:solidFill>
+              </a:rPr>
+              <a:t>, you need the Power BI content (app workspace that you are using in your application to be assigned to a Power BI Embedded (A SKU) capacity.</a:t>
+            </a:r>
+          </a:p>
+        </p:txBody>
+      </p:sp>
+      <p:sp>
+        <p:nvSpPr>
+          <p:cNvPr id="5" name="Text Placeholder 4">
+            <a:extLst>
+              <a:ext uri="{FF2B5EF4-FFF2-40B4-BE49-F238E27FC236}">
+                <a16:creationId xmlns:a16="http://schemas.microsoft.com/office/drawing/2014/main" id="{E0BE00F6-DF72-4842-86D9-7DBD1CF82AF4}"/>
+              </a:ext>
+            </a:extLst>
+          </p:cNvPr>
+          <p:cNvSpPr>
+            <a:spLocks noGrp="1"/>
+          </p:cNvSpPr>
+          <p:nvPr>
+            <p:ph type="body" sz="quarter" idx="3"/>
+          </p:nvPr>
+        </p:nvSpPr>
+        <p:spPr>
+          <a:xfrm>
+            <a:off x="6172200" y="1655612"/>
+            <a:ext cx="5183188" cy="849463"/>
+          </a:xfrm>
+        </p:spPr>
+        <p:txBody>
+          <a:bodyPr/>
+          <a:lstStyle/>
+          <a:p>
+            <a:r>
+              <a:rPr lang="en-US" dirty="0"/>
+              <a:t>What type of content pack data can be embedded?</a:t>
+            </a:r>
+          </a:p>
+        </p:txBody>
+      </p:sp>
+      <p:sp>
+        <p:nvSpPr>
+          <p:cNvPr id="6" name="Content Placeholder 5">
+            <a:extLst>
+              <a:ext uri="{FF2B5EF4-FFF2-40B4-BE49-F238E27FC236}">
+                <a16:creationId xmlns:a16="http://schemas.microsoft.com/office/drawing/2014/main" id="{4745E109-D7E9-4000-9A6C-1158B7E5EC86}"/>
+              </a:ext>
+            </a:extLst>
+          </p:cNvPr>
+          <p:cNvSpPr>
+            <a:spLocks noGrp="1"/>
+          </p:cNvSpPr>
+          <p:nvPr>
+            <p:ph sz="quarter" idx="4"/>
+          </p:nvPr>
+        </p:nvSpPr>
+        <p:spPr>
+          <a:xfrm>
+            <a:off x="6172200" y="2505075"/>
+            <a:ext cx="5183188" cy="2179058"/>
+          </a:xfrm>
+        </p:spPr>
+        <p:txBody>
+          <a:bodyPr/>
+          <a:lstStyle/>
+          <a:p>
+            <a:r>
+              <a:rPr lang="en-US" sz="2400" b="1" dirty="0"/>
+              <a:t>Dashboards</a:t>
+            </a:r>
+            <a:r>
+              <a:rPr lang="en-US" sz="2400" dirty="0"/>
+              <a:t> and </a:t>
+            </a:r>
+            <a:r>
+              <a:rPr lang="en-US" sz="2400" b="1" dirty="0"/>
+              <a:t>tiles</a:t>
+            </a:r>
+            <a:r>
+              <a:rPr lang="en-US" sz="2400" dirty="0"/>
+              <a:t> that are built from content pack datasets </a:t>
+            </a:r>
+            <a:r>
+              <a:rPr lang="en-US" sz="2400" i="1" dirty="0"/>
+              <a:t>cannot</a:t>
+            </a:r>
+            <a:r>
+              <a:rPr lang="en-US" sz="2400" dirty="0"/>
+              <a:t> be embedded, however, </a:t>
+            </a:r>
+            <a:r>
+              <a:rPr lang="en-US" sz="2400" b="1" dirty="0"/>
+              <a:t>reports</a:t>
+            </a:r>
+            <a:r>
+              <a:rPr lang="en-US" sz="2400" dirty="0"/>
+              <a:t> built from a content pack dataset </a:t>
+            </a:r>
+            <a:r>
+              <a:rPr lang="en-US" sz="2400" i="1" dirty="0"/>
+              <a:t>can</a:t>
+            </a:r>
+            <a:r>
+              <a:rPr lang="en-US" sz="2400" dirty="0"/>
+              <a:t> be embedded.</a:t>
+            </a:r>
+          </a:p>
+        </p:txBody>
+      </p:sp>
+    </p:spTree>
+    <p:extLst>
+      <p:ext uri="{BB962C8B-B14F-4D97-AF65-F5344CB8AC3E}">
+        <p14:creationId xmlns:p14="http://schemas.microsoft.com/office/powerpoint/2010/main" val="3171163662"/>
+      </p:ext>
+    </p:extLst>
+  </p:cSld>
+  <p:clrMapOvr>
+    <a:masterClrMapping/>
+  </p:clrMapOvr>
+</p:sld>
+</file>
+
+<file path=ppt/slides/slide16.xml><?xml version="1.0" encoding="utf-8"?>
+<p:sld xmlns:a="http://schemas.openxmlformats.org/drawingml/2006/main" xmlns:r="http://schemas.openxmlformats.org/officeDocument/2006/relationships" xmlns:p="http://schemas.openxmlformats.org/presentationml/2006/main">
+  <p:cSld>
+    <p:spTree>
+      <p:nvGrpSpPr>
+        <p:cNvPr id="1" name=""/>
+        <p:cNvGrpSpPr/>
+        <p:nvPr/>
+      </p:nvGrpSpPr>
+      <p:grpSpPr>
+        <a:xfrm>
+          <a:off x="0" y="0"/>
+          <a:ext cx="0" cy="0"/>
+          <a:chOff x="0" y="0"/>
+          <a:chExt cx="0" cy="0"/>
+        </a:xfrm>
+      </p:grpSpPr>
+      <p:sp>
+        <p:nvSpPr>
+          <p:cNvPr id="2" name="Title 1">
+            <a:extLst>
+              <a:ext uri="{FF2B5EF4-FFF2-40B4-BE49-F238E27FC236}">
+                <a16:creationId xmlns:a16="http://schemas.microsoft.com/office/drawing/2014/main" id="{DF1CD1D4-B373-455D-8E1F-D81BBA071ABE}"/>
+              </a:ext>
+            </a:extLst>
+          </p:cNvPr>
+          <p:cNvSpPr>
+            <a:spLocks noGrp="1"/>
+          </p:cNvSpPr>
+          <p:nvPr>
+            <p:ph type="title"/>
+          </p:nvPr>
+        </p:nvSpPr>
+        <p:spPr/>
+        <p:txBody>
+          <a:bodyPr/>
+          <a:lstStyle/>
+          <a:p>
+            <a:r>
+              <a:rPr lang="en-US" dirty="0"/>
+              <a:t>FAQs</a:t>
+            </a:r>
+          </a:p>
+        </p:txBody>
+      </p:sp>
+      <p:sp>
+        <p:nvSpPr>
+          <p:cNvPr id="3" name="Text Placeholder 2">
+            <a:extLst>
+              <a:ext uri="{FF2B5EF4-FFF2-40B4-BE49-F238E27FC236}">
+                <a16:creationId xmlns:a16="http://schemas.microsoft.com/office/drawing/2014/main" id="{0C7F245C-1EB7-4AA3-9DC4-F6625DA283AF}"/>
+              </a:ext>
+            </a:extLst>
+          </p:cNvPr>
+          <p:cNvSpPr>
+            <a:spLocks noGrp="1"/>
+          </p:cNvSpPr>
+          <p:nvPr>
+            <p:ph type="body" idx="1"/>
+          </p:nvPr>
+        </p:nvSpPr>
+        <p:spPr>
+          <a:xfrm>
+            <a:off x="839788" y="1655612"/>
+            <a:ext cx="5157787" cy="849463"/>
+          </a:xfrm>
+        </p:spPr>
+        <p:txBody>
+          <a:bodyPr/>
+          <a:lstStyle/>
+          <a:p>
+            <a:r>
+              <a:rPr lang="en-US" dirty="0"/>
+              <a:t>What is the authentication model for Power BI Embedded?</a:t>
+            </a:r>
+          </a:p>
+        </p:txBody>
+      </p:sp>
+      <p:sp>
+        <p:nvSpPr>
+          <p:cNvPr id="4" name="Content Placeholder 3">
+            <a:extLst>
+              <a:ext uri="{FF2B5EF4-FFF2-40B4-BE49-F238E27FC236}">
+                <a16:creationId xmlns:a16="http://schemas.microsoft.com/office/drawing/2014/main" id="{C0CCDAEE-B060-43D7-853B-1DE40B2EA7D5}"/>
+              </a:ext>
+            </a:extLst>
+          </p:cNvPr>
+          <p:cNvSpPr>
+            <a:spLocks noGrp="1"/>
+          </p:cNvSpPr>
+          <p:nvPr>
+            <p:ph sz="half" idx="2"/>
+          </p:nvPr>
+        </p:nvSpPr>
+        <p:spPr>
+          <a:xfrm>
+            <a:off x="839788" y="2505075"/>
+            <a:ext cx="5157787" cy="3656386"/>
+          </a:xfrm>
+        </p:spPr>
+        <p:txBody>
+          <a:bodyPr/>
+          <a:lstStyle/>
+          <a:p>
+            <a:r>
+              <a:rPr lang="en-US" sz="1600" dirty="0">
+                <a:solidFill>
+                  <a:schemeClr val="tx1"/>
+                </a:solidFill>
+              </a:rPr>
+              <a:t>Power BI Embedded continues to use Azure AD for authentication of the master user (a designated Power BI Pro licensed user), or with </a:t>
+            </a:r>
+            <a:r>
+              <a:rPr lang="en-US" sz="1600" u="sng" dirty="0">
+                <a:solidFill>
+                  <a:schemeClr val="tx1"/>
+                </a:solidFill>
+                <a:hlinkClick r:id="rId2">
+                  <a:extLst>
+                    <a:ext uri="{A12FA001-AC4F-418D-AE19-62706E023703}">
+                      <ahyp:hlinkClr xmlns:ahyp="http://schemas.microsoft.com/office/drawing/2018/hyperlinkcolor" val="tx"/>
+                    </a:ext>
+                  </a:extLst>
+                </a:hlinkClick>
+              </a:rPr>
+              <a:t>service principal</a:t>
+            </a:r>
+            <a:r>
+              <a:rPr lang="en-US" sz="1600" dirty="0">
+                <a:solidFill>
+                  <a:schemeClr val="tx1"/>
+                </a:solidFill>
+              </a:rPr>
+              <a:t> for authenticating the application inside Power BI.</a:t>
+            </a:r>
+          </a:p>
+          <a:p>
+            <a:r>
+              <a:rPr lang="en-US" sz="1600" dirty="0">
+                <a:solidFill>
+                  <a:schemeClr val="tx1"/>
+                </a:solidFill>
+              </a:rPr>
+              <a:t>The authentication and authorization of application users implemented by the ISV, the ISV can implement their authentication for their applications.</a:t>
+            </a:r>
+          </a:p>
+          <a:p>
+            <a:r>
+              <a:rPr lang="en-US" sz="1600" dirty="0">
+                <a:solidFill>
+                  <a:schemeClr val="tx1"/>
+                </a:solidFill>
+              </a:rPr>
+              <a:t>If you already have an Azure AD tenant, you can use your existing directory, or you can create a new Azure AD tenant for your embedded application content security.</a:t>
+            </a:r>
+          </a:p>
+          <a:p>
+            <a:r>
+              <a:rPr lang="en-US" sz="1600" dirty="0">
+                <a:solidFill>
+                  <a:schemeClr val="tx1"/>
+                </a:solidFill>
+              </a:rPr>
+              <a:t>To get an AAD token, you can use one of the </a:t>
+            </a:r>
+            <a:r>
+              <a:rPr lang="en-US" sz="1600" u="sng" dirty="0">
+                <a:solidFill>
+                  <a:schemeClr val="tx1"/>
+                </a:solidFill>
+                <a:hlinkClick r:id="rId3">
+                  <a:extLst>
+                    <a:ext uri="{A12FA001-AC4F-418D-AE19-62706E023703}">
+                      <ahyp:hlinkClr xmlns:ahyp="http://schemas.microsoft.com/office/drawing/2018/hyperlinkcolor" val="tx"/>
+                    </a:ext>
+                  </a:extLst>
+                </a:hlinkClick>
+              </a:rPr>
+              <a:t>Azure Active Directory Authentication Libraries</a:t>
+            </a:r>
+            <a:r>
+              <a:rPr lang="en-US" sz="1600" dirty="0">
+                <a:solidFill>
+                  <a:schemeClr val="tx1"/>
+                </a:solidFill>
+              </a:rPr>
+              <a:t>. There are client libraries available for multiple platforms.</a:t>
+            </a:r>
+          </a:p>
+        </p:txBody>
+      </p:sp>
+      <p:sp>
+        <p:nvSpPr>
+          <p:cNvPr id="8" name="Content Placeholder 7">
+            <a:extLst>
+              <a:ext uri="{FF2B5EF4-FFF2-40B4-BE49-F238E27FC236}">
+                <a16:creationId xmlns:a16="http://schemas.microsoft.com/office/drawing/2014/main" id="{D2047C62-C4AA-4ED4-A2CC-9B33FC6067FC}"/>
+              </a:ext>
+            </a:extLst>
+          </p:cNvPr>
+          <p:cNvSpPr>
+            <a:spLocks noGrp="1"/>
+          </p:cNvSpPr>
+          <p:nvPr>
+            <p:ph sz="quarter" idx="4"/>
+          </p:nvPr>
+        </p:nvSpPr>
+        <p:spPr/>
+        <p:txBody>
+          <a:bodyPr/>
+          <a:lstStyle/>
+          <a:p>
+            <a:endParaRPr lang="en-US"/>
+          </a:p>
+        </p:txBody>
+      </p:sp>
+      <p:sp>
+        <p:nvSpPr>
+          <p:cNvPr id="9" name="Text Placeholder 8">
+            <a:extLst>
+              <a:ext uri="{FF2B5EF4-FFF2-40B4-BE49-F238E27FC236}">
+                <a16:creationId xmlns:a16="http://schemas.microsoft.com/office/drawing/2014/main" id="{6F6531E7-035A-46F9-8D87-227C25738393}"/>
+              </a:ext>
+            </a:extLst>
+          </p:cNvPr>
+          <p:cNvSpPr>
+            <a:spLocks noGrp="1"/>
+          </p:cNvSpPr>
+          <p:nvPr>
+            <p:ph type="body" sz="quarter" idx="3"/>
+          </p:nvPr>
+        </p:nvSpPr>
+        <p:spPr/>
+        <p:txBody>
+          <a:bodyPr/>
+          <a:lstStyle/>
+          <a:p>
+            <a:endParaRPr lang="en-US"/>
+          </a:p>
+        </p:txBody>
+      </p:sp>
+    </p:spTree>
+    <p:extLst>
+      <p:ext uri="{BB962C8B-B14F-4D97-AF65-F5344CB8AC3E}">
+        <p14:creationId xmlns:p14="http://schemas.microsoft.com/office/powerpoint/2010/main" val="3931987177"/>
+      </p:ext>
+    </p:extLst>
+  </p:cSld>
+  <p:clrMapOvr>
+    <a:masterClrMapping/>
+  </p:clrMapOvr>
+</p:sld>
+</file>
+
+<file path=ppt/slides/slide17.xml><?xml version="1.0" encoding="utf-8"?>
+<p:sld xmlns:a="http://schemas.openxmlformats.org/drawingml/2006/main" xmlns:r="http://schemas.openxmlformats.org/officeDocument/2006/relationships" xmlns:p="http://schemas.openxmlformats.org/presentationml/2006/main">
+  <p:cSld>
+    <p:spTree>
+      <p:nvGrpSpPr>
+        <p:cNvPr id="1" name=""/>
+        <p:cNvGrpSpPr/>
+        <p:nvPr/>
+      </p:nvGrpSpPr>
+      <p:grpSpPr>
+        <a:xfrm>
+          <a:off x="0" y="0"/>
+          <a:ext cx="0" cy="0"/>
+          <a:chOff x="0" y="0"/>
+          <a:chExt cx="0" cy="0"/>
+        </a:xfrm>
+      </p:grpSpPr>
+      <p:sp>
+        <p:nvSpPr>
+          <p:cNvPr id="2" name="Title 1"/>
+          <p:cNvSpPr>
+            <a:spLocks noGrp="1"/>
+          </p:cNvSpPr>
+          <p:nvPr>
+            <p:ph type="title"/>
+          </p:nvPr>
+        </p:nvSpPr>
+        <p:spPr/>
+        <p:txBody>
+          <a:bodyPr/>
+          <a:lstStyle/>
+          <a:p>
+            <a:r>
+              <a:rPr lang="en-US" dirty="0">
+                <a:solidFill>
+                  <a:schemeClr val="tx1"/>
+                </a:solidFill>
+              </a:rPr>
+              <a:t>Appendix</a:t>
+            </a:r>
+          </a:p>
+        </p:txBody>
+      </p:sp>
+    </p:spTree>
+    <p:extLst>
+      <p:ext uri="{BB962C8B-B14F-4D97-AF65-F5344CB8AC3E}">
+        <p14:creationId xmlns:p14="http://schemas.microsoft.com/office/powerpoint/2010/main" val="1910132037"/>
+      </p:ext>
+    </p:extLst>
+  </p:cSld>
+  <p:clrMapOvr>
+    <a:masterClrMapping/>
+  </p:clrMapOvr>
+  <mc:AlternateContent xmlns:mc="http://schemas.openxmlformats.org/markup-compatibility/2006" xmlns:p14="http://schemas.microsoft.com/office/powerpoint/2010/main">
+    <mc:Choice Requires="p14">
+      <p:transition spd="med" p14:dur="700">
+        <p:fade/>
+      </p:transition>
+    </mc:Choice>
+    <mc:Fallback xmlns="">
+      <p:transition spd="med">
+        <p:fade/>
+      </p:transition>
+    </mc:Fallback>
+  </mc:AlternateContent>
+</p:sld>
+</file>
+
+<file path=ppt/slides/slide18.xml><?xml version="1.0" encoding="utf-8"?>
+<p:sld xmlns:a="http://schemas.openxmlformats.org/drawingml/2006/main" xmlns:r="http://schemas.openxmlformats.org/officeDocument/2006/relationships" xmlns:p="http://schemas.openxmlformats.org/presentationml/2006/main">
+  <p:cSld>
+    <p:spTree>
+      <p:nvGrpSpPr>
+        <p:cNvPr id="1" name=""/>
+        <p:cNvGrpSpPr/>
+        <p:nvPr/>
+      </p:nvGrpSpPr>
+      <p:grpSpPr>
+        <a:xfrm>
+          <a:off x="0" y="0"/>
+          <a:ext cx="0" cy="0"/>
+          <a:chOff x="0" y="0"/>
+          <a:chExt cx="0" cy="0"/>
+        </a:xfrm>
+      </p:grpSpPr>
+      <p:sp>
+        <p:nvSpPr>
+          <p:cNvPr id="2" name="Title 1">
+            <a:extLst>
+              <a:ext uri="{FF2B5EF4-FFF2-40B4-BE49-F238E27FC236}">
                 <a16:creationId xmlns:a16="http://schemas.microsoft.com/office/drawing/2014/main" id="{30D43B7C-8B3B-4B73-8EF8-0682B188358D}"/>
               </a:ext>
             </a:extLst>
@@ -15489,7 +16897,7 @@
 </p:sld>
 </file>
 
-<file path=ppt/slides/slide13.xml><?xml version="1.0" encoding="utf-8"?>
+<file path=ppt/slides/slide19.xml><?xml version="1.0" encoding="utf-8"?>
 <p:sld xmlns:a="http://schemas.openxmlformats.org/drawingml/2006/main" xmlns:r="http://schemas.openxmlformats.org/officeDocument/2006/relationships" xmlns:p="http://schemas.openxmlformats.org/presentationml/2006/main">
   <p:cSld>
     <p:spTree>
@@ -15670,1391 +17078,6 @@
     <p:extLst>
       <p:ext uri="{BB962C8B-B14F-4D97-AF65-F5344CB8AC3E}">
         <p14:creationId xmlns:p14="http://schemas.microsoft.com/office/powerpoint/2010/main" val="3283526701"/>
-      </p:ext>
-    </p:extLst>
-  </p:cSld>
-  <p:clrMapOvr>
-    <a:masterClrMapping/>
-  </p:clrMapOvr>
-</p:sld>
-</file>
-
-<file path=ppt/slides/slide14.xml><?xml version="1.0" encoding="utf-8"?>
-<p:sld xmlns:a="http://schemas.openxmlformats.org/drawingml/2006/main" xmlns:r="http://schemas.openxmlformats.org/officeDocument/2006/relationships" xmlns:p="http://schemas.openxmlformats.org/presentationml/2006/main">
-  <p:cSld>
-    <p:spTree>
-      <p:nvGrpSpPr>
-        <p:cNvPr id="1" name=""/>
-        <p:cNvGrpSpPr/>
-        <p:nvPr/>
-      </p:nvGrpSpPr>
-      <p:grpSpPr>
-        <a:xfrm>
-          <a:off x="0" y="0"/>
-          <a:ext cx="0" cy="0"/>
-          <a:chOff x="0" y="0"/>
-          <a:chExt cx="0" cy="0"/>
-        </a:xfrm>
-      </p:grpSpPr>
-      <p:sp>
-        <p:nvSpPr>
-          <p:cNvPr id="2" name="Title 1">
-            <a:extLst>
-              <a:ext uri="{FF2B5EF4-FFF2-40B4-BE49-F238E27FC236}">
-                <a16:creationId xmlns:a16="http://schemas.microsoft.com/office/drawing/2014/main" id="{D2F760B9-C1D5-4464-AFED-D72F8C5E96B6}"/>
-              </a:ext>
-            </a:extLst>
-          </p:cNvPr>
-          <p:cNvSpPr>
-            <a:spLocks noGrp="1"/>
-          </p:cNvSpPr>
-          <p:nvPr>
-            <p:ph type="title"/>
-          </p:nvPr>
-        </p:nvSpPr>
-        <p:spPr/>
-        <p:txBody>
-          <a:bodyPr/>
-          <a:lstStyle/>
-          <a:p>
-            <a:r>
-              <a:rPr lang="en-US" dirty="0"/>
-              <a:t>Licensing</a:t>
-            </a:r>
-          </a:p>
-        </p:txBody>
-      </p:sp>
-      <p:sp>
-        <p:nvSpPr>
-          <p:cNvPr id="3" name="Text Placeholder 2">
-            <a:extLst>
-              <a:ext uri="{FF2B5EF4-FFF2-40B4-BE49-F238E27FC236}">
-                <a16:creationId xmlns:a16="http://schemas.microsoft.com/office/drawing/2014/main" id="{DD2888B4-2BAC-4325-9799-49D40C36FD70}"/>
-              </a:ext>
-            </a:extLst>
-          </p:cNvPr>
-          <p:cNvSpPr>
-            <a:spLocks noGrp="1"/>
-          </p:cNvSpPr>
-          <p:nvPr>
-            <p:ph type="body" idx="1"/>
-          </p:nvPr>
-        </p:nvSpPr>
-        <p:spPr>
-          <a:xfrm>
-            <a:off x="839788" y="1766411"/>
-            <a:ext cx="5157787" cy="738664"/>
-          </a:xfrm>
-        </p:spPr>
-        <p:txBody>
-          <a:bodyPr/>
-          <a:lstStyle/>
-          <a:p>
-            <a:r>
-              <a:rPr lang="en-US" sz="2000" dirty="0"/>
-              <a:t>Do I still have to buy Power BI Premium to get access to Power BI Embedded?</a:t>
-            </a:r>
-          </a:p>
-        </p:txBody>
-      </p:sp>
-      <p:sp>
-        <p:nvSpPr>
-          <p:cNvPr id="4" name="Content Placeholder 3">
-            <a:extLst>
-              <a:ext uri="{FF2B5EF4-FFF2-40B4-BE49-F238E27FC236}">
-                <a16:creationId xmlns:a16="http://schemas.microsoft.com/office/drawing/2014/main" id="{95D01C7E-FA85-48B0-91DA-7DC80662D019}"/>
-              </a:ext>
-            </a:extLst>
-          </p:cNvPr>
-          <p:cNvSpPr>
-            <a:spLocks noGrp="1"/>
-          </p:cNvSpPr>
-          <p:nvPr>
-            <p:ph sz="half" idx="2"/>
-          </p:nvPr>
-        </p:nvSpPr>
-        <p:spPr>
-          <a:xfrm>
-            <a:off x="839788" y="2505075"/>
-            <a:ext cx="5157787" cy="1514261"/>
-          </a:xfrm>
-        </p:spPr>
-        <p:txBody>
-          <a:bodyPr/>
-          <a:lstStyle/>
-          <a:p>
-            <a:r>
-              <a:rPr lang="en-US" sz="2400" dirty="0"/>
-              <a:t>No, Power BI Embedded includes the Azure-based capacity that you need to deploy and distribute your solution to customers.</a:t>
-            </a:r>
-          </a:p>
-        </p:txBody>
-      </p:sp>
-      <p:sp>
-        <p:nvSpPr>
-          <p:cNvPr id="5" name="Text Placeholder 4">
-            <a:extLst>
-              <a:ext uri="{FF2B5EF4-FFF2-40B4-BE49-F238E27FC236}">
-                <a16:creationId xmlns:a16="http://schemas.microsoft.com/office/drawing/2014/main" id="{40135572-F677-49DC-AC8B-F4E607073754}"/>
-              </a:ext>
-            </a:extLst>
-          </p:cNvPr>
-          <p:cNvSpPr>
-            <a:spLocks noGrp="1"/>
-          </p:cNvSpPr>
-          <p:nvPr>
-            <p:ph type="body" sz="quarter" idx="3"/>
-          </p:nvPr>
-        </p:nvSpPr>
-        <p:spPr>
-          <a:xfrm>
-            <a:off x="6172200" y="1655612"/>
-            <a:ext cx="5183188" cy="849463"/>
-          </a:xfrm>
-        </p:spPr>
-        <p:txBody>
-          <a:bodyPr/>
-          <a:lstStyle/>
-          <a:p>
-            <a:r>
-              <a:rPr lang="en-US" dirty="0"/>
-              <a:t>What’s the purchase commitment for Power BI Embedded?</a:t>
-            </a:r>
-          </a:p>
-        </p:txBody>
-      </p:sp>
-      <p:sp>
-        <p:nvSpPr>
-          <p:cNvPr id="6" name="Content Placeholder 5">
-            <a:extLst>
-              <a:ext uri="{FF2B5EF4-FFF2-40B4-BE49-F238E27FC236}">
-                <a16:creationId xmlns:a16="http://schemas.microsoft.com/office/drawing/2014/main" id="{3713B980-9E28-4F20-902B-211272D94AFD}"/>
-              </a:ext>
-            </a:extLst>
-          </p:cNvPr>
-          <p:cNvSpPr>
-            <a:spLocks noGrp="1"/>
-          </p:cNvSpPr>
-          <p:nvPr>
-            <p:ph sz="quarter" idx="4"/>
-          </p:nvPr>
-        </p:nvSpPr>
-        <p:spPr>
-          <a:xfrm>
-            <a:off x="6172200" y="2505075"/>
-            <a:ext cx="5183188" cy="1514261"/>
-          </a:xfrm>
-        </p:spPr>
-        <p:txBody>
-          <a:bodyPr/>
-          <a:lstStyle/>
-          <a:p>
-            <a:r>
-              <a:rPr lang="en-US" sz="2400" dirty="0"/>
-              <a:t>Customers may change their usage on an hourly basis. There is no monthly or annual commitment for the Power BI Embedded service.</a:t>
-            </a:r>
-          </a:p>
-        </p:txBody>
-      </p:sp>
-    </p:spTree>
-    <p:extLst>
-      <p:ext uri="{BB962C8B-B14F-4D97-AF65-F5344CB8AC3E}">
-        <p14:creationId xmlns:p14="http://schemas.microsoft.com/office/powerpoint/2010/main" val="2693957279"/>
-      </p:ext>
-    </p:extLst>
-  </p:cSld>
-  <p:clrMapOvr>
-    <a:masterClrMapping/>
-  </p:clrMapOvr>
-</p:sld>
-</file>
-
-<file path=ppt/slides/slide15.xml><?xml version="1.0" encoding="utf-8"?>
-<p:sld xmlns:a="http://schemas.openxmlformats.org/drawingml/2006/main" xmlns:r="http://schemas.openxmlformats.org/officeDocument/2006/relationships" xmlns:p="http://schemas.openxmlformats.org/presentationml/2006/main">
-  <p:cSld>
-    <p:spTree>
-      <p:nvGrpSpPr>
-        <p:cNvPr id="1" name=""/>
-        <p:cNvGrpSpPr/>
-        <p:nvPr/>
-      </p:nvGrpSpPr>
-      <p:grpSpPr>
-        <a:xfrm>
-          <a:off x="0" y="0"/>
-          <a:ext cx="0" cy="0"/>
-          <a:chOff x="0" y="0"/>
-          <a:chExt cx="0" cy="0"/>
-        </a:xfrm>
-      </p:grpSpPr>
-      <p:sp>
-        <p:nvSpPr>
-          <p:cNvPr id="2" name="Title 1">
-            <a:extLst>
-              <a:ext uri="{FF2B5EF4-FFF2-40B4-BE49-F238E27FC236}">
-                <a16:creationId xmlns:a16="http://schemas.microsoft.com/office/drawing/2014/main" id="{6B56BF4C-AA23-4364-93C6-4EFAA7166CB0}"/>
-              </a:ext>
-            </a:extLst>
-          </p:cNvPr>
-          <p:cNvSpPr>
-            <a:spLocks noGrp="1"/>
-          </p:cNvSpPr>
-          <p:nvPr>
-            <p:ph type="title"/>
-          </p:nvPr>
-        </p:nvSpPr>
-        <p:spPr/>
-        <p:txBody>
-          <a:bodyPr/>
-          <a:lstStyle/>
-          <a:p>
-            <a:r>
-              <a:rPr lang="en-US" dirty="0"/>
-              <a:t>Licensing</a:t>
-            </a:r>
-          </a:p>
-        </p:txBody>
-      </p:sp>
-      <p:sp>
-        <p:nvSpPr>
-          <p:cNvPr id="3" name="Text Placeholder 2">
-            <a:extLst>
-              <a:ext uri="{FF2B5EF4-FFF2-40B4-BE49-F238E27FC236}">
-                <a16:creationId xmlns:a16="http://schemas.microsoft.com/office/drawing/2014/main" id="{B0089D77-98C3-4B47-B574-409E929E970F}"/>
-              </a:ext>
-            </a:extLst>
-          </p:cNvPr>
-          <p:cNvSpPr>
-            <a:spLocks noGrp="1"/>
-          </p:cNvSpPr>
-          <p:nvPr>
-            <p:ph type="body" idx="1"/>
-          </p:nvPr>
-        </p:nvSpPr>
-        <p:spPr>
-          <a:xfrm>
-            <a:off x="839788" y="1655612"/>
-            <a:ext cx="5157787" cy="849463"/>
-          </a:xfrm>
-        </p:spPr>
-        <p:txBody>
-          <a:bodyPr/>
-          <a:lstStyle/>
-          <a:p>
-            <a:r>
-              <a:rPr lang="en-US" dirty="0"/>
-              <a:t>How does the usage of Power BI Embedded show up on my bill?</a:t>
-            </a:r>
-          </a:p>
-        </p:txBody>
-      </p:sp>
-      <p:sp>
-        <p:nvSpPr>
-          <p:cNvPr id="4" name="Content Placeholder 3">
-            <a:extLst>
-              <a:ext uri="{FF2B5EF4-FFF2-40B4-BE49-F238E27FC236}">
-                <a16:creationId xmlns:a16="http://schemas.microsoft.com/office/drawing/2014/main" id="{115A94A4-4B17-42DD-AC0D-E5F290AD6A16}"/>
-              </a:ext>
-            </a:extLst>
-          </p:cNvPr>
-          <p:cNvSpPr>
-            <a:spLocks noGrp="1"/>
-          </p:cNvSpPr>
-          <p:nvPr>
-            <p:ph sz="half" idx="2"/>
-          </p:nvPr>
-        </p:nvSpPr>
-        <p:spPr>
-          <a:xfrm>
-            <a:off x="839788" y="2505075"/>
-            <a:ext cx="5157787" cy="2511457"/>
-          </a:xfrm>
-        </p:spPr>
-        <p:txBody>
-          <a:bodyPr/>
-          <a:lstStyle/>
-          <a:p>
-            <a:r>
-              <a:rPr lang="en-US" sz="2400" dirty="0"/>
-              <a:t>Power BI Embedded bills on a predictable hourly rate based on the type of node(s) deployed. As long as your resource is active, you are billed even if there is no usage. To stop being billed, you need to pause your resource actively.</a:t>
-            </a:r>
-          </a:p>
-        </p:txBody>
-      </p:sp>
-      <p:sp>
-        <p:nvSpPr>
-          <p:cNvPr id="5" name="Text Placeholder 4">
-            <a:extLst>
-              <a:ext uri="{FF2B5EF4-FFF2-40B4-BE49-F238E27FC236}">
-                <a16:creationId xmlns:a16="http://schemas.microsoft.com/office/drawing/2014/main" id="{1336D597-1EB4-4546-99B9-4393287E3323}"/>
-              </a:ext>
-            </a:extLst>
-          </p:cNvPr>
-          <p:cNvSpPr>
-            <a:spLocks noGrp="1"/>
-          </p:cNvSpPr>
-          <p:nvPr>
-            <p:ph type="body" sz="quarter" idx="3"/>
-          </p:nvPr>
-        </p:nvSpPr>
-        <p:spPr>
-          <a:xfrm>
-            <a:off x="6172200" y="1655612"/>
-            <a:ext cx="5183188" cy="849463"/>
-          </a:xfrm>
-        </p:spPr>
-        <p:txBody>
-          <a:bodyPr/>
-          <a:lstStyle/>
-          <a:p>
-            <a:r>
-              <a:rPr lang="en-US" dirty="0"/>
-              <a:t>Who needs a Power BI Pro license for Power BI Embedded and why?</a:t>
-            </a:r>
-          </a:p>
-        </p:txBody>
-      </p:sp>
-      <p:sp>
-        <p:nvSpPr>
-          <p:cNvPr id="6" name="Content Placeholder 5">
-            <a:extLst>
-              <a:ext uri="{FF2B5EF4-FFF2-40B4-BE49-F238E27FC236}">
-                <a16:creationId xmlns:a16="http://schemas.microsoft.com/office/drawing/2014/main" id="{257B2CC5-59CA-4F78-A8A8-C0697BBBBD4E}"/>
-              </a:ext>
-            </a:extLst>
-          </p:cNvPr>
-          <p:cNvSpPr>
-            <a:spLocks noGrp="1"/>
-          </p:cNvSpPr>
-          <p:nvPr>
-            <p:ph sz="quarter" idx="4"/>
-          </p:nvPr>
-        </p:nvSpPr>
-        <p:spPr>
-          <a:xfrm>
-            <a:off x="6172200" y="2505075"/>
-            <a:ext cx="5183188" cy="3828740"/>
-          </a:xfrm>
-        </p:spPr>
-        <p:txBody>
-          <a:bodyPr/>
-          <a:lstStyle/>
-          <a:p>
-            <a:r>
-              <a:rPr lang="en-US" sz="1600" dirty="0">
-                <a:solidFill>
-                  <a:schemeClr val="tx1"/>
-                </a:solidFill>
-              </a:rPr>
-              <a:t>Any developer that requires the use of the REST APIs needs a Power BI Pro license or </a:t>
-            </a:r>
-            <a:r>
-              <a:rPr lang="en-US" sz="1600" u="sng" dirty="0">
-                <a:solidFill>
-                  <a:schemeClr val="tx1"/>
-                </a:solidFill>
-                <a:hlinkClick r:id="rId2">
-                  <a:extLst>
-                    <a:ext uri="{A12FA001-AC4F-418D-AE19-62706E023703}">
-                      <ahyp:hlinkClr xmlns:ahyp="http://schemas.microsoft.com/office/drawing/2018/hyperlinkcolor" val="tx"/>
-                    </a:ext>
-                  </a:extLst>
-                </a:hlinkClick>
-              </a:rPr>
-              <a:t>service principal</a:t>
-            </a:r>
-            <a:r>
-              <a:rPr lang="en-US" sz="1600" dirty="0">
-                <a:solidFill>
-                  <a:schemeClr val="tx1"/>
-                </a:solidFill>
-              </a:rPr>
-              <a:t>. Any analyst that needs to add reports to a Power BI workspace can either have a Power BI Pro license or use service principal. Any tenant admin that needs to manage the Power BI tenant and capacity is required to have a Power BI Pro license.</a:t>
-            </a:r>
-          </a:p>
-          <a:p>
-            <a:r>
-              <a:rPr lang="en-US" sz="1600" dirty="0">
-                <a:solidFill>
-                  <a:schemeClr val="tx1"/>
-                </a:solidFill>
-              </a:rPr>
-              <a:t>Because Power BI Embedded allows the use of the Power BI portal for managing and validating embedded content, the Power BI Pro license is required to authenticate the App inside PowerBI.com to get access to the reports in the right repositories.</a:t>
-            </a:r>
-          </a:p>
-          <a:p>
-            <a:r>
-              <a:rPr lang="en-US" sz="1600" dirty="0">
-                <a:solidFill>
-                  <a:schemeClr val="tx1"/>
-                </a:solidFill>
-              </a:rPr>
-              <a:t>However, for </a:t>
-            </a:r>
-            <a:r>
-              <a:rPr lang="en-US" sz="1600" u="sng" dirty="0">
-                <a:solidFill>
-                  <a:schemeClr val="tx1"/>
-                </a:solidFill>
-                <a:hlinkClick r:id="rId3">
-                  <a:extLst>
-                    <a:ext uri="{A12FA001-AC4F-418D-AE19-62706E023703}">
-                      <ahyp:hlinkClr xmlns:ahyp="http://schemas.microsoft.com/office/drawing/2018/hyperlinkcolor" val="tx"/>
-                    </a:ext>
-                  </a:extLst>
-                </a:hlinkClick>
-              </a:rPr>
-              <a:t>creating/editing embedded reports</a:t>
-            </a:r>
-            <a:r>
-              <a:rPr lang="en-US" sz="1600" dirty="0">
-                <a:solidFill>
-                  <a:schemeClr val="tx1"/>
-                </a:solidFill>
-              </a:rPr>
-              <a:t> inside your application, the end user does not need a Pro license as the user isn't required to be a Power BI user at all.</a:t>
-            </a:r>
-          </a:p>
-        </p:txBody>
-      </p:sp>
-    </p:spTree>
-    <p:extLst>
-      <p:ext uri="{BB962C8B-B14F-4D97-AF65-F5344CB8AC3E}">
-        <p14:creationId xmlns:p14="http://schemas.microsoft.com/office/powerpoint/2010/main" val="3237444771"/>
-      </p:ext>
-    </p:extLst>
-  </p:cSld>
-  <p:clrMapOvr>
-    <a:masterClrMapping/>
-  </p:clrMapOvr>
-</p:sld>
-</file>
-
-<file path=ppt/slides/slide16.xml><?xml version="1.0" encoding="utf-8"?>
-<p:sld xmlns:a="http://schemas.openxmlformats.org/drawingml/2006/main" xmlns:r="http://schemas.openxmlformats.org/officeDocument/2006/relationships" xmlns:p="http://schemas.openxmlformats.org/presentationml/2006/main">
-  <p:cSld>
-    <p:spTree>
-      <p:nvGrpSpPr>
-        <p:cNvPr id="1" name=""/>
-        <p:cNvGrpSpPr/>
-        <p:nvPr/>
-      </p:nvGrpSpPr>
-      <p:grpSpPr>
-        <a:xfrm>
-          <a:off x="0" y="0"/>
-          <a:ext cx="0" cy="0"/>
-          <a:chOff x="0" y="0"/>
-          <a:chExt cx="0" cy="0"/>
-        </a:xfrm>
-      </p:grpSpPr>
-      <p:sp>
-        <p:nvSpPr>
-          <p:cNvPr id="2" name="Title 1">
-            <a:extLst>
-              <a:ext uri="{FF2B5EF4-FFF2-40B4-BE49-F238E27FC236}">
-                <a16:creationId xmlns:a16="http://schemas.microsoft.com/office/drawing/2014/main" id="{6EB0EE16-51FA-4CD3-957F-FBF75DF06F06}"/>
-              </a:ext>
-            </a:extLst>
-          </p:cNvPr>
-          <p:cNvSpPr>
-            <a:spLocks noGrp="1"/>
-          </p:cNvSpPr>
-          <p:nvPr>
-            <p:ph type="title"/>
-          </p:nvPr>
-        </p:nvSpPr>
-        <p:spPr/>
-        <p:txBody>
-          <a:bodyPr/>
-          <a:lstStyle/>
-          <a:p>
-            <a:r>
-              <a:rPr lang="en-US" dirty="0"/>
-              <a:t>FAQs</a:t>
-            </a:r>
-          </a:p>
-        </p:txBody>
-      </p:sp>
-    </p:spTree>
-    <p:extLst>
-      <p:ext uri="{BB962C8B-B14F-4D97-AF65-F5344CB8AC3E}">
-        <p14:creationId xmlns:p14="http://schemas.microsoft.com/office/powerpoint/2010/main" val="3290717234"/>
-      </p:ext>
-    </p:extLst>
-  </p:cSld>
-  <p:clrMapOvr>
-    <a:masterClrMapping/>
-  </p:clrMapOvr>
-  <p:transition>
-    <p:fade/>
-  </p:transition>
-</p:sld>
-</file>
-
-<file path=ppt/slides/slide17.xml><?xml version="1.0" encoding="utf-8"?>
-<p:sld xmlns:a="http://schemas.openxmlformats.org/drawingml/2006/main" xmlns:r="http://schemas.openxmlformats.org/officeDocument/2006/relationships" xmlns:p="http://schemas.openxmlformats.org/presentationml/2006/main">
-  <p:cSld>
-    <p:spTree>
-      <p:nvGrpSpPr>
-        <p:cNvPr id="1" name=""/>
-        <p:cNvGrpSpPr/>
-        <p:nvPr/>
-      </p:nvGrpSpPr>
-      <p:grpSpPr>
-        <a:xfrm>
-          <a:off x="0" y="0"/>
-          <a:ext cx="0" cy="0"/>
-          <a:chOff x="0" y="0"/>
-          <a:chExt cx="0" cy="0"/>
-        </a:xfrm>
-      </p:grpSpPr>
-      <p:sp>
-        <p:nvSpPr>
-          <p:cNvPr id="2" name="Title 1">
-            <a:extLst>
-              <a:ext uri="{FF2B5EF4-FFF2-40B4-BE49-F238E27FC236}">
-                <a16:creationId xmlns:a16="http://schemas.microsoft.com/office/drawing/2014/main" id="{113A9765-A80A-4187-A741-561D23FE7FDF}"/>
-              </a:ext>
-            </a:extLst>
-          </p:cNvPr>
-          <p:cNvSpPr>
-            <a:spLocks noGrp="1"/>
-          </p:cNvSpPr>
-          <p:nvPr>
-            <p:ph type="title"/>
-          </p:nvPr>
-        </p:nvSpPr>
-        <p:spPr/>
-        <p:txBody>
-          <a:bodyPr/>
-          <a:lstStyle/>
-          <a:p>
-            <a:r>
-              <a:rPr lang="en-US" dirty="0"/>
-              <a:t>FAQs</a:t>
-            </a:r>
-          </a:p>
-        </p:txBody>
-      </p:sp>
-      <p:sp>
-        <p:nvSpPr>
-          <p:cNvPr id="3" name="Text Placeholder 2">
-            <a:extLst>
-              <a:ext uri="{FF2B5EF4-FFF2-40B4-BE49-F238E27FC236}">
-                <a16:creationId xmlns:a16="http://schemas.microsoft.com/office/drawing/2014/main" id="{B62A60E8-C99D-4C28-9D0A-9F2268FF8F9B}"/>
-              </a:ext>
-            </a:extLst>
-          </p:cNvPr>
-          <p:cNvSpPr>
-            <a:spLocks noGrp="1"/>
-          </p:cNvSpPr>
-          <p:nvPr>
-            <p:ph type="body" idx="1"/>
-          </p:nvPr>
-        </p:nvSpPr>
-        <p:spPr>
-          <a:xfrm>
-            <a:off x="839788" y="1877210"/>
-            <a:ext cx="5157787" cy="572465"/>
-          </a:xfrm>
-        </p:spPr>
-        <p:txBody>
-          <a:bodyPr anchor="ctr"/>
-          <a:lstStyle/>
-          <a:p>
-            <a:r>
-              <a:rPr lang="en-US" sz="1600" dirty="0"/>
-              <a:t>What type of content pack data can be embedded?</a:t>
-            </a:r>
-          </a:p>
-        </p:txBody>
-      </p:sp>
-      <p:sp>
-        <p:nvSpPr>
-          <p:cNvPr id="4" name="Content Placeholder 3">
-            <a:extLst>
-              <a:ext uri="{FF2B5EF4-FFF2-40B4-BE49-F238E27FC236}">
-                <a16:creationId xmlns:a16="http://schemas.microsoft.com/office/drawing/2014/main" id="{CCBBAC2C-A011-4519-9074-762A931C8212}"/>
-              </a:ext>
-            </a:extLst>
-          </p:cNvPr>
-          <p:cNvSpPr>
-            <a:spLocks noGrp="1"/>
-          </p:cNvSpPr>
-          <p:nvPr>
-            <p:ph sz="half" idx="2"/>
-          </p:nvPr>
-        </p:nvSpPr>
-        <p:spPr>
-          <a:xfrm>
-            <a:off x="839788" y="2505075"/>
-            <a:ext cx="5157787" cy="2179058"/>
-          </a:xfrm>
-        </p:spPr>
-        <p:txBody>
-          <a:bodyPr/>
-          <a:lstStyle/>
-          <a:p>
-            <a:r>
-              <a:rPr lang="en-US" sz="2400" b="1" dirty="0"/>
-              <a:t>Dashboards</a:t>
-            </a:r>
-            <a:r>
-              <a:rPr lang="en-US" sz="2400" dirty="0"/>
-              <a:t> and </a:t>
-            </a:r>
-            <a:r>
-              <a:rPr lang="en-US" sz="2400" b="1" dirty="0"/>
-              <a:t>tiles</a:t>
-            </a:r>
-            <a:r>
-              <a:rPr lang="en-US" sz="2400" dirty="0"/>
-              <a:t> that are built from content pack datasets </a:t>
-            </a:r>
-            <a:r>
-              <a:rPr lang="en-US" sz="2400" i="1" dirty="0"/>
-              <a:t>cannot</a:t>
-            </a:r>
-            <a:r>
-              <a:rPr lang="en-US" sz="2400" dirty="0"/>
-              <a:t> be embedded, however, </a:t>
-            </a:r>
-            <a:r>
-              <a:rPr lang="en-US" sz="2400" b="1" dirty="0"/>
-              <a:t>reports</a:t>
-            </a:r>
-            <a:r>
-              <a:rPr lang="en-US" sz="2400" dirty="0"/>
-              <a:t> built from a content pack dataset </a:t>
-            </a:r>
-            <a:r>
-              <a:rPr lang="en-US" sz="2400" i="1" dirty="0"/>
-              <a:t>can</a:t>
-            </a:r>
-            <a:r>
-              <a:rPr lang="en-US" sz="2400" dirty="0"/>
-              <a:t> be embedded.</a:t>
-            </a:r>
-          </a:p>
-        </p:txBody>
-      </p:sp>
-      <p:sp>
-        <p:nvSpPr>
-          <p:cNvPr id="5" name="Text Placeholder 4">
-            <a:extLst>
-              <a:ext uri="{FF2B5EF4-FFF2-40B4-BE49-F238E27FC236}">
-                <a16:creationId xmlns:a16="http://schemas.microsoft.com/office/drawing/2014/main" id="{0D3B65E4-3ABD-4555-9A90-072B0AE0CD6D}"/>
-              </a:ext>
-            </a:extLst>
-          </p:cNvPr>
-          <p:cNvSpPr>
-            <a:spLocks noGrp="1"/>
-          </p:cNvSpPr>
-          <p:nvPr>
-            <p:ph type="body" sz="quarter" idx="3"/>
-          </p:nvPr>
-        </p:nvSpPr>
-        <p:spPr>
-          <a:xfrm>
-            <a:off x="6172200" y="1877210"/>
-            <a:ext cx="5183188" cy="572465"/>
-          </a:xfrm>
-        </p:spPr>
-        <p:txBody>
-          <a:bodyPr anchor="ctr"/>
-          <a:lstStyle/>
-          <a:p>
-            <a:r>
-              <a:rPr lang="en-US" sz="1600" dirty="0"/>
-              <a:t>What deploy regions are supported?</a:t>
-            </a:r>
-          </a:p>
-        </p:txBody>
-      </p:sp>
-      <p:sp>
-        <p:nvSpPr>
-          <p:cNvPr id="6" name="Content Placeholder 5">
-            <a:extLst>
-              <a:ext uri="{FF2B5EF4-FFF2-40B4-BE49-F238E27FC236}">
-                <a16:creationId xmlns:a16="http://schemas.microsoft.com/office/drawing/2014/main" id="{8C9DC2E3-6A23-4749-93BF-4BD180BCA396}"/>
-              </a:ext>
-            </a:extLst>
-          </p:cNvPr>
-          <p:cNvSpPr>
-            <a:spLocks noGrp="1"/>
-          </p:cNvSpPr>
-          <p:nvPr>
-            <p:ph sz="quarter" idx="4"/>
-          </p:nvPr>
-        </p:nvSpPr>
-        <p:spPr>
-          <a:xfrm>
-            <a:off x="6172200" y="2505075"/>
-            <a:ext cx="5183188" cy="3459409"/>
-          </a:xfrm>
-        </p:spPr>
-        <p:txBody>
-          <a:bodyPr/>
-          <a:lstStyle/>
-          <a:p>
-            <a:r>
-              <a:rPr lang="en-US" sz="1400" dirty="0"/>
-              <a:t>Australia Southeast, </a:t>
-            </a:r>
-          </a:p>
-          <a:p>
-            <a:r>
-              <a:rPr lang="en-US" sz="1400" dirty="0"/>
-              <a:t>Brazil South, </a:t>
-            </a:r>
-          </a:p>
-          <a:p>
-            <a:r>
-              <a:rPr lang="en-US" sz="1400" dirty="0"/>
-              <a:t>Canada Central, </a:t>
-            </a:r>
-          </a:p>
-          <a:p>
-            <a:r>
-              <a:rPr lang="en-US" sz="1400" dirty="0"/>
-              <a:t>East US 2, </a:t>
-            </a:r>
-          </a:p>
-          <a:p>
-            <a:r>
-              <a:rPr lang="en-US" sz="1400" dirty="0"/>
-              <a:t>India West, </a:t>
-            </a:r>
-          </a:p>
-          <a:p>
-            <a:r>
-              <a:rPr lang="en-US" sz="1400" dirty="0"/>
-              <a:t>Japan East, </a:t>
-            </a:r>
-          </a:p>
-          <a:p>
-            <a:r>
-              <a:rPr lang="en-US" sz="1400" dirty="0"/>
-              <a:t>North Central US, </a:t>
-            </a:r>
-          </a:p>
-          <a:p>
-            <a:r>
-              <a:rPr lang="en-US" sz="1400" dirty="0"/>
-              <a:t>North Europe, </a:t>
-            </a:r>
-          </a:p>
-          <a:p>
-            <a:r>
-              <a:rPr lang="en-US" sz="1400" dirty="0"/>
-              <a:t>South Central US, </a:t>
-            </a:r>
-          </a:p>
-          <a:p>
-            <a:r>
-              <a:rPr lang="en-US" sz="1400" dirty="0"/>
-              <a:t>Southeast Asia, </a:t>
-            </a:r>
-          </a:p>
-          <a:p>
-            <a:r>
-              <a:rPr lang="en-US" sz="1400" dirty="0"/>
-              <a:t>UK South, </a:t>
-            </a:r>
-          </a:p>
-          <a:p>
-            <a:r>
-              <a:rPr lang="en-US" sz="1400" dirty="0"/>
-              <a:t>West Europe, </a:t>
-            </a:r>
-          </a:p>
-          <a:p>
-            <a:r>
-              <a:rPr lang="en-US" sz="1400" dirty="0"/>
-              <a:t>West US, and </a:t>
-            </a:r>
-          </a:p>
-          <a:p>
-            <a:r>
-              <a:rPr lang="en-US" sz="1400" dirty="0"/>
-              <a:t>West US 2.</a:t>
-            </a:r>
-          </a:p>
-        </p:txBody>
-      </p:sp>
-    </p:spTree>
-    <p:extLst>
-      <p:ext uri="{BB962C8B-B14F-4D97-AF65-F5344CB8AC3E}">
-        <p14:creationId xmlns:p14="http://schemas.microsoft.com/office/powerpoint/2010/main" val="2835079792"/>
-      </p:ext>
-    </p:extLst>
-  </p:cSld>
-  <p:clrMapOvr>
-    <a:masterClrMapping/>
-  </p:clrMapOvr>
-</p:sld>
-</file>
-
-<file path=ppt/slides/slide18.xml><?xml version="1.0" encoding="utf-8"?>
-<p:sld xmlns:a="http://schemas.openxmlformats.org/drawingml/2006/main" xmlns:r="http://schemas.openxmlformats.org/officeDocument/2006/relationships" xmlns:p="http://schemas.openxmlformats.org/presentationml/2006/main">
-  <p:cSld>
-    <p:spTree>
-      <p:nvGrpSpPr>
-        <p:cNvPr id="1" name=""/>
-        <p:cNvGrpSpPr/>
-        <p:nvPr/>
-      </p:nvGrpSpPr>
-      <p:grpSpPr>
-        <a:xfrm>
-          <a:off x="0" y="0"/>
-          <a:ext cx="0" cy="0"/>
-          <a:chOff x="0" y="0"/>
-          <a:chExt cx="0" cy="0"/>
-        </a:xfrm>
-      </p:grpSpPr>
-      <p:sp>
-        <p:nvSpPr>
-          <p:cNvPr id="2" name="Title 1">
-            <a:extLst>
-              <a:ext uri="{FF2B5EF4-FFF2-40B4-BE49-F238E27FC236}">
-                <a16:creationId xmlns:a16="http://schemas.microsoft.com/office/drawing/2014/main" id="{27786EB5-6011-4749-9085-CA0FD613983F}"/>
-              </a:ext>
-            </a:extLst>
-          </p:cNvPr>
-          <p:cNvSpPr>
-            <a:spLocks noGrp="1"/>
-          </p:cNvSpPr>
-          <p:nvPr>
-            <p:ph type="title"/>
-          </p:nvPr>
-        </p:nvSpPr>
-        <p:spPr/>
-        <p:txBody>
-          <a:bodyPr/>
-          <a:lstStyle/>
-          <a:p>
-            <a:r>
-              <a:rPr lang="en-US" dirty="0"/>
-              <a:t>FAQs</a:t>
-            </a:r>
-          </a:p>
-        </p:txBody>
-      </p:sp>
-      <p:sp>
-        <p:nvSpPr>
-          <p:cNvPr id="3" name="Text Placeholder 2">
-            <a:extLst>
-              <a:ext uri="{FF2B5EF4-FFF2-40B4-BE49-F238E27FC236}">
-                <a16:creationId xmlns:a16="http://schemas.microsoft.com/office/drawing/2014/main" id="{47A84B09-38C2-4310-AFDE-1B6C205F9FEC}"/>
-              </a:ext>
-            </a:extLst>
-          </p:cNvPr>
-          <p:cNvSpPr>
-            <a:spLocks noGrp="1"/>
-          </p:cNvSpPr>
-          <p:nvPr>
-            <p:ph type="body" idx="1"/>
-          </p:nvPr>
-        </p:nvSpPr>
-        <p:spPr>
-          <a:xfrm>
-            <a:off x="839788" y="1655612"/>
-            <a:ext cx="5157787" cy="849463"/>
-          </a:xfrm>
-        </p:spPr>
-        <p:txBody>
-          <a:bodyPr/>
-          <a:lstStyle/>
-          <a:p>
-            <a:r>
-              <a:rPr lang="en-US" dirty="0"/>
-              <a:t>How can I monitor Power BI Embedded capacity consumption?</a:t>
-            </a:r>
-          </a:p>
-        </p:txBody>
-      </p:sp>
-      <p:sp>
-        <p:nvSpPr>
-          <p:cNvPr id="4" name="Content Placeholder 3">
-            <a:extLst>
-              <a:ext uri="{FF2B5EF4-FFF2-40B4-BE49-F238E27FC236}">
-                <a16:creationId xmlns:a16="http://schemas.microsoft.com/office/drawing/2014/main" id="{686EEE8F-CCC9-412E-AC16-2B1EF2E706FE}"/>
-              </a:ext>
-            </a:extLst>
-          </p:cNvPr>
-          <p:cNvSpPr>
-            <a:spLocks noGrp="1"/>
-          </p:cNvSpPr>
-          <p:nvPr>
-            <p:ph sz="half" idx="2"/>
-          </p:nvPr>
-        </p:nvSpPr>
-        <p:spPr>
-          <a:xfrm>
-            <a:off x="839788" y="2505075"/>
-            <a:ext cx="5157787" cy="1661993"/>
-          </a:xfrm>
-        </p:spPr>
-        <p:txBody>
-          <a:bodyPr/>
-          <a:lstStyle/>
-          <a:p>
-            <a:r>
-              <a:rPr lang="en-US" sz="2400" dirty="0">
-                <a:solidFill>
-                  <a:schemeClr val="tx1"/>
-                </a:solidFill>
-              </a:rPr>
-              <a:t>Using the </a:t>
-            </a:r>
-            <a:r>
-              <a:rPr lang="en-US" sz="2400" u="sng" dirty="0">
-                <a:solidFill>
-                  <a:schemeClr val="tx1"/>
-                </a:solidFill>
-                <a:hlinkClick r:id="rId2">
-                  <a:extLst>
-                    <a:ext uri="{A12FA001-AC4F-418D-AE19-62706E023703}">
-                      <ahyp:hlinkClr xmlns:ahyp="http://schemas.microsoft.com/office/drawing/2018/hyperlinkcolor" val="tx"/>
-                    </a:ext>
-                  </a:extLst>
-                </a:hlinkClick>
-              </a:rPr>
-              <a:t>Power BI Admin portal</a:t>
-            </a:r>
-            <a:r>
-              <a:rPr lang="en-US" sz="2400" dirty="0">
-                <a:solidFill>
-                  <a:schemeClr val="tx1"/>
-                </a:solidFill>
-              </a:rPr>
-              <a:t>.</a:t>
-            </a:r>
-          </a:p>
-          <a:p>
-            <a:r>
-              <a:rPr lang="en-US" sz="2400" dirty="0">
-                <a:solidFill>
-                  <a:schemeClr val="tx1"/>
-                </a:solidFill>
-              </a:rPr>
-              <a:t>Downloading the </a:t>
-            </a:r>
-            <a:r>
-              <a:rPr lang="en-US" sz="2400" u="sng" dirty="0">
-                <a:solidFill>
-                  <a:schemeClr val="tx1"/>
-                </a:solidFill>
-                <a:hlinkClick r:id="rId3">
-                  <a:extLst>
-                    <a:ext uri="{A12FA001-AC4F-418D-AE19-62706E023703}">
-                      <ahyp:hlinkClr xmlns:ahyp="http://schemas.microsoft.com/office/drawing/2018/hyperlinkcolor" val="tx"/>
-                    </a:ext>
-                  </a:extLst>
-                </a:hlinkClick>
-              </a:rPr>
-              <a:t>metric app</a:t>
-            </a:r>
-            <a:r>
-              <a:rPr lang="en-US" sz="2400" dirty="0">
-                <a:solidFill>
-                  <a:schemeClr val="tx1"/>
-                </a:solidFill>
-              </a:rPr>
-              <a:t> in Power BI.</a:t>
-            </a:r>
-          </a:p>
-          <a:p>
-            <a:r>
-              <a:rPr lang="en-US" sz="2400" dirty="0">
-                <a:solidFill>
-                  <a:schemeClr val="tx1"/>
-                </a:solidFill>
-              </a:rPr>
-              <a:t>Using </a:t>
-            </a:r>
-            <a:r>
-              <a:rPr lang="en-US" sz="2400" u="sng" dirty="0">
-                <a:solidFill>
-                  <a:schemeClr val="tx1"/>
-                </a:solidFill>
-                <a:hlinkClick r:id="rId4">
-                  <a:extLst>
-                    <a:ext uri="{A12FA001-AC4F-418D-AE19-62706E023703}">
-                      <ahyp:hlinkClr xmlns:ahyp="http://schemas.microsoft.com/office/drawing/2018/hyperlinkcolor" val="tx"/>
-                    </a:ext>
-                  </a:extLst>
-                </a:hlinkClick>
-              </a:rPr>
-              <a:t>Azure diagnostic logging</a:t>
-            </a:r>
-            <a:r>
-              <a:rPr lang="en-US" sz="2400" dirty="0">
-                <a:solidFill>
-                  <a:schemeClr val="tx1"/>
-                </a:solidFill>
-              </a:rPr>
-              <a:t>.</a:t>
-            </a:r>
-          </a:p>
-        </p:txBody>
-      </p:sp>
-      <p:sp>
-        <p:nvSpPr>
-          <p:cNvPr id="5" name="Text Placeholder 4">
-            <a:extLst>
-              <a:ext uri="{FF2B5EF4-FFF2-40B4-BE49-F238E27FC236}">
-                <a16:creationId xmlns:a16="http://schemas.microsoft.com/office/drawing/2014/main" id="{D9ABF0EF-C81A-46E2-A545-981911079C4B}"/>
-              </a:ext>
-            </a:extLst>
-          </p:cNvPr>
-          <p:cNvSpPr>
-            <a:spLocks noGrp="1"/>
-          </p:cNvSpPr>
-          <p:nvPr>
-            <p:ph type="body" sz="quarter" idx="3"/>
-          </p:nvPr>
-        </p:nvSpPr>
-        <p:spPr>
-          <a:xfrm>
-            <a:off x="6172200" y="1690688"/>
-            <a:ext cx="5183188" cy="517065"/>
-          </a:xfrm>
-        </p:spPr>
-        <p:txBody>
-          <a:bodyPr anchor="t"/>
-          <a:lstStyle/>
-          <a:p>
-            <a:r>
-              <a:rPr lang="en-US" dirty="0"/>
-              <a:t>What is the Power BI Service?</a:t>
-            </a:r>
-          </a:p>
-        </p:txBody>
-      </p:sp>
-      <p:sp>
-        <p:nvSpPr>
-          <p:cNvPr id="6" name="Content Placeholder 5">
-            <a:extLst>
-              <a:ext uri="{FF2B5EF4-FFF2-40B4-BE49-F238E27FC236}">
-                <a16:creationId xmlns:a16="http://schemas.microsoft.com/office/drawing/2014/main" id="{DF466CA0-17F6-4F2C-9390-CFB02C09F419}"/>
-              </a:ext>
-            </a:extLst>
-          </p:cNvPr>
-          <p:cNvSpPr>
-            <a:spLocks noGrp="1"/>
-          </p:cNvSpPr>
-          <p:nvPr>
-            <p:ph sz="quarter" idx="4"/>
-          </p:nvPr>
-        </p:nvSpPr>
-        <p:spPr>
-          <a:xfrm>
-            <a:off x="6172200" y="2505075"/>
-            <a:ext cx="5183188" cy="3065455"/>
-          </a:xfrm>
-        </p:spPr>
-        <p:txBody>
-          <a:bodyPr/>
-          <a:lstStyle/>
-          <a:p>
-            <a:r>
-              <a:rPr lang="en-US" sz="2400" dirty="0">
-                <a:solidFill>
-                  <a:schemeClr val="tx1"/>
-                </a:solidFill>
-              </a:rPr>
-              <a:t>Provides cloud-based foundation for power BI platform</a:t>
-            </a:r>
-          </a:p>
-          <a:p>
-            <a:r>
-              <a:rPr lang="en-US" sz="2400" dirty="0">
-                <a:solidFill>
-                  <a:schemeClr val="tx1"/>
-                </a:solidFill>
-              </a:rPr>
-              <a:t>Accessible with browser through https://app.Powerbi.Com</a:t>
-            </a:r>
-          </a:p>
-          <a:p>
-            <a:r>
-              <a:rPr lang="en-US" sz="2400" dirty="0">
-                <a:solidFill>
-                  <a:schemeClr val="tx1"/>
-                </a:solidFill>
-              </a:rPr>
-              <a:t>Accessible through power BI mobile apps</a:t>
-            </a:r>
-          </a:p>
-          <a:p>
-            <a:r>
-              <a:rPr lang="en-US" sz="2400" dirty="0">
-                <a:solidFill>
-                  <a:schemeClr val="tx1"/>
-                </a:solidFill>
-              </a:rPr>
-              <a:t>Accessible to developers through power BI service API</a:t>
-            </a:r>
-          </a:p>
-        </p:txBody>
-      </p:sp>
-    </p:spTree>
-    <p:extLst>
-      <p:ext uri="{BB962C8B-B14F-4D97-AF65-F5344CB8AC3E}">
-        <p14:creationId xmlns:p14="http://schemas.microsoft.com/office/powerpoint/2010/main" val="3954084811"/>
-      </p:ext>
-    </p:extLst>
-  </p:cSld>
-  <p:clrMapOvr>
-    <a:masterClrMapping/>
-  </p:clrMapOvr>
-</p:sld>
-</file>
-
-<file path=ppt/slides/slide19.xml><?xml version="1.0" encoding="utf-8"?>
-<p:sld xmlns:a="http://schemas.openxmlformats.org/drawingml/2006/main" xmlns:r="http://schemas.openxmlformats.org/officeDocument/2006/relationships" xmlns:p="http://schemas.openxmlformats.org/presentationml/2006/main">
-  <p:cSld>
-    <p:spTree>
-      <p:nvGrpSpPr>
-        <p:cNvPr id="1" name=""/>
-        <p:cNvGrpSpPr/>
-        <p:nvPr/>
-      </p:nvGrpSpPr>
-      <p:grpSpPr>
-        <a:xfrm>
-          <a:off x="0" y="0"/>
-          <a:ext cx="0" cy="0"/>
-          <a:chOff x="0" y="0"/>
-          <a:chExt cx="0" cy="0"/>
-        </a:xfrm>
-      </p:grpSpPr>
-      <p:sp>
-        <p:nvSpPr>
-          <p:cNvPr id="2" name="Title 1">
-            <a:extLst>
-              <a:ext uri="{FF2B5EF4-FFF2-40B4-BE49-F238E27FC236}">
-                <a16:creationId xmlns:a16="http://schemas.microsoft.com/office/drawing/2014/main" id="{24F77C62-2741-4C4C-8581-6CA7C9D6B81E}"/>
-              </a:ext>
-            </a:extLst>
-          </p:cNvPr>
-          <p:cNvSpPr>
-            <a:spLocks noGrp="1"/>
-          </p:cNvSpPr>
-          <p:nvPr>
-            <p:ph type="title"/>
-          </p:nvPr>
-        </p:nvSpPr>
-        <p:spPr/>
-        <p:txBody>
-          <a:bodyPr/>
-          <a:lstStyle/>
-          <a:p>
-            <a:r>
-              <a:rPr lang="en-US" dirty="0"/>
-              <a:t>FAQs</a:t>
-            </a:r>
-          </a:p>
-        </p:txBody>
-      </p:sp>
-      <p:sp>
-        <p:nvSpPr>
-          <p:cNvPr id="3" name="Text Placeholder 2">
-            <a:extLst>
-              <a:ext uri="{FF2B5EF4-FFF2-40B4-BE49-F238E27FC236}">
-                <a16:creationId xmlns:a16="http://schemas.microsoft.com/office/drawing/2014/main" id="{D4C2B1B6-EE9F-4A0F-B44F-3E3D9C9B4DE7}"/>
-              </a:ext>
-            </a:extLst>
-          </p:cNvPr>
-          <p:cNvSpPr>
-            <a:spLocks noGrp="1"/>
-          </p:cNvSpPr>
-          <p:nvPr>
-            <p:ph type="body" idx="1"/>
-          </p:nvPr>
-        </p:nvSpPr>
-        <p:spPr>
-          <a:xfrm>
-            <a:off x="839788" y="1766411"/>
-            <a:ext cx="5157787" cy="738664"/>
-          </a:xfrm>
-        </p:spPr>
-        <p:txBody>
-          <a:bodyPr/>
-          <a:lstStyle/>
-          <a:p>
-            <a:r>
-              <a:rPr lang="en-US" sz="2000" dirty="0"/>
-              <a:t>What is the PBI Embedded dedicated capacity role in a PBI Embedded solution?</a:t>
-            </a:r>
-          </a:p>
-        </p:txBody>
-      </p:sp>
-      <p:sp>
-        <p:nvSpPr>
-          <p:cNvPr id="4" name="Content Placeholder 3">
-            <a:extLst>
-              <a:ext uri="{FF2B5EF4-FFF2-40B4-BE49-F238E27FC236}">
-                <a16:creationId xmlns:a16="http://schemas.microsoft.com/office/drawing/2014/main" id="{A3B2FE82-F344-4603-AE4A-6EE9BD2011E8}"/>
-              </a:ext>
-            </a:extLst>
-          </p:cNvPr>
-          <p:cNvSpPr>
-            <a:spLocks noGrp="1"/>
-          </p:cNvSpPr>
-          <p:nvPr>
-            <p:ph sz="half" idx="2"/>
-          </p:nvPr>
-        </p:nvSpPr>
-        <p:spPr>
-          <a:xfrm>
-            <a:off x="839788" y="2505075"/>
-            <a:ext cx="5157787" cy="2179058"/>
-          </a:xfrm>
-        </p:spPr>
-        <p:txBody>
-          <a:bodyPr/>
-          <a:lstStyle/>
-          <a:p>
-            <a:r>
-              <a:rPr lang="en-US" sz="2400" dirty="0">
-                <a:solidFill>
-                  <a:schemeClr val="tx1"/>
-                </a:solidFill>
-              </a:rPr>
-              <a:t>To </a:t>
-            </a:r>
-            <a:r>
-              <a:rPr lang="en-US" sz="2400" u="sng" dirty="0">
-                <a:solidFill>
-                  <a:schemeClr val="tx1"/>
-                </a:solidFill>
-                <a:hlinkClick r:id="rId2">
-                  <a:extLst>
-                    <a:ext uri="{A12FA001-AC4F-418D-AE19-62706E023703}">
-                      <ahyp:hlinkClr xmlns:ahyp="http://schemas.microsoft.com/office/drawing/2018/hyperlinkcolor" val="tx"/>
-                    </a:ext>
-                  </a:extLst>
-                </a:hlinkClick>
-              </a:rPr>
-              <a:t>promote your solution to production</a:t>
-            </a:r>
-            <a:r>
-              <a:rPr lang="en-US" sz="2400" dirty="0">
-                <a:solidFill>
-                  <a:schemeClr val="tx1"/>
-                </a:solidFill>
-              </a:rPr>
-              <a:t>, you need the Power BI content (app workspace that you are using in your application to be assigned to a Power BI Embedded (A SKU) capacity.</a:t>
-            </a:r>
-          </a:p>
-        </p:txBody>
-      </p:sp>
-      <p:sp>
-        <p:nvSpPr>
-          <p:cNvPr id="5" name="Text Placeholder 4">
-            <a:extLst>
-              <a:ext uri="{FF2B5EF4-FFF2-40B4-BE49-F238E27FC236}">
-                <a16:creationId xmlns:a16="http://schemas.microsoft.com/office/drawing/2014/main" id="{E0BE00F6-DF72-4842-86D9-7DBD1CF82AF4}"/>
-              </a:ext>
-            </a:extLst>
-          </p:cNvPr>
-          <p:cNvSpPr>
-            <a:spLocks noGrp="1"/>
-          </p:cNvSpPr>
-          <p:nvPr>
-            <p:ph type="body" sz="quarter" idx="3"/>
-          </p:nvPr>
-        </p:nvSpPr>
-        <p:spPr>
-          <a:xfrm>
-            <a:off x="6172200" y="1655612"/>
-            <a:ext cx="5183188" cy="849463"/>
-          </a:xfrm>
-        </p:spPr>
-        <p:txBody>
-          <a:bodyPr/>
-          <a:lstStyle/>
-          <a:p>
-            <a:r>
-              <a:rPr lang="en-US" dirty="0"/>
-              <a:t>What type of content pack data can be embedded?</a:t>
-            </a:r>
-          </a:p>
-        </p:txBody>
-      </p:sp>
-      <p:sp>
-        <p:nvSpPr>
-          <p:cNvPr id="6" name="Content Placeholder 5">
-            <a:extLst>
-              <a:ext uri="{FF2B5EF4-FFF2-40B4-BE49-F238E27FC236}">
-                <a16:creationId xmlns:a16="http://schemas.microsoft.com/office/drawing/2014/main" id="{4745E109-D7E9-4000-9A6C-1158B7E5EC86}"/>
-              </a:ext>
-            </a:extLst>
-          </p:cNvPr>
-          <p:cNvSpPr>
-            <a:spLocks noGrp="1"/>
-          </p:cNvSpPr>
-          <p:nvPr>
-            <p:ph sz="quarter" idx="4"/>
-          </p:nvPr>
-        </p:nvSpPr>
-        <p:spPr>
-          <a:xfrm>
-            <a:off x="6172200" y="2505075"/>
-            <a:ext cx="5183188" cy="2179058"/>
-          </a:xfrm>
-        </p:spPr>
-        <p:txBody>
-          <a:bodyPr/>
-          <a:lstStyle/>
-          <a:p>
-            <a:r>
-              <a:rPr lang="en-US" sz="2400" b="1" dirty="0"/>
-              <a:t>Dashboards</a:t>
-            </a:r>
-            <a:r>
-              <a:rPr lang="en-US" sz="2400" dirty="0"/>
-              <a:t> and </a:t>
-            </a:r>
-            <a:r>
-              <a:rPr lang="en-US" sz="2400" b="1" dirty="0"/>
-              <a:t>tiles</a:t>
-            </a:r>
-            <a:r>
-              <a:rPr lang="en-US" sz="2400" dirty="0"/>
-              <a:t> that are built from content pack datasets </a:t>
-            </a:r>
-            <a:r>
-              <a:rPr lang="en-US" sz="2400" i="1" dirty="0"/>
-              <a:t>cannot</a:t>
-            </a:r>
-            <a:r>
-              <a:rPr lang="en-US" sz="2400" dirty="0"/>
-              <a:t> be embedded, however, </a:t>
-            </a:r>
-            <a:r>
-              <a:rPr lang="en-US" sz="2400" b="1" dirty="0"/>
-              <a:t>reports</a:t>
-            </a:r>
-            <a:r>
-              <a:rPr lang="en-US" sz="2400" dirty="0"/>
-              <a:t> built from a content pack dataset </a:t>
-            </a:r>
-            <a:r>
-              <a:rPr lang="en-US" sz="2400" i="1" dirty="0"/>
-              <a:t>can</a:t>
-            </a:r>
-            <a:r>
-              <a:rPr lang="en-US" sz="2400" dirty="0"/>
-              <a:t> be embedded.</a:t>
-            </a:r>
-          </a:p>
-        </p:txBody>
-      </p:sp>
-    </p:spTree>
-    <p:extLst>
-      <p:ext uri="{BB962C8B-B14F-4D97-AF65-F5344CB8AC3E}">
-        <p14:creationId xmlns:p14="http://schemas.microsoft.com/office/powerpoint/2010/main" val="3171163662"/>
       </p:ext>
     </p:extLst>
   </p:cSld>
@@ -17154,7 +17177,7 @@
           <p:cNvPr id="2" name="Title 1">
             <a:extLst>
               <a:ext uri="{FF2B5EF4-FFF2-40B4-BE49-F238E27FC236}">
-                <a16:creationId xmlns:a16="http://schemas.microsoft.com/office/drawing/2014/main" id="{DF1CD1D4-B373-455D-8E1F-D81BBA071ABE}"/>
+                <a16:creationId xmlns:a16="http://schemas.microsoft.com/office/drawing/2014/main" id="{D2F760B9-C1D5-4464-AFED-D72F8C5E96B6}"/>
               </a:ext>
             </a:extLst>
           </p:cNvPr>
@@ -17172,7 +17195,7 @@
           <a:p>
             <a:r>
               <a:rPr lang="en-US" dirty="0"/>
-              <a:t>FAQs</a:t>
+              <a:t>Licensing</a:t>
             </a:r>
           </a:p>
         </p:txBody>
@@ -17182,7 +17205,7 @@
           <p:cNvPr id="3" name="Text Placeholder 2">
             <a:extLst>
               <a:ext uri="{FF2B5EF4-FFF2-40B4-BE49-F238E27FC236}">
-                <a16:creationId xmlns:a16="http://schemas.microsoft.com/office/drawing/2014/main" id="{0C7F245C-1EB7-4AA3-9DC4-F6625DA283AF}"/>
+                <a16:creationId xmlns:a16="http://schemas.microsoft.com/office/drawing/2014/main" id="{DD2888B4-2BAC-4325-9799-49D40C36FD70}"/>
               </a:ext>
             </a:extLst>
           </p:cNvPr>
@@ -17195,8 +17218,8 @@
         </p:nvSpPr>
         <p:spPr>
           <a:xfrm>
-            <a:off x="839788" y="1655612"/>
-            <a:ext cx="5157787" cy="849463"/>
+            <a:off x="839788" y="1766411"/>
+            <a:ext cx="5157787" cy="738664"/>
           </a:xfrm>
         </p:spPr>
         <p:txBody>
@@ -17204,8 +17227,8 @@
           <a:lstStyle/>
           <a:p>
             <a:r>
-              <a:rPr lang="en-US" dirty="0"/>
-              <a:t>What is the authentication model for Power BI Embedded?</a:t>
+              <a:rPr lang="en-US" sz="2000" dirty="0"/>
+              <a:t>Do I still have to buy Power BI Premium to get access to Power BI Embedded?</a:t>
             </a:r>
           </a:p>
         </p:txBody>
@@ -17215,7 +17238,7 @@
           <p:cNvPr id="4" name="Content Placeholder 3">
             <a:extLst>
               <a:ext uri="{FF2B5EF4-FFF2-40B4-BE49-F238E27FC236}">
-                <a16:creationId xmlns:a16="http://schemas.microsoft.com/office/drawing/2014/main" id="{C0CCDAEE-B060-43D7-853B-1DE40B2EA7D5}"/>
+                <a16:creationId xmlns:a16="http://schemas.microsoft.com/office/drawing/2014/main" id="{95D01C7E-FA85-48B0-91DA-7DC80662D019}"/>
               </a:ext>
             </a:extLst>
           </p:cNvPr>
@@ -17229,7 +17252,7 @@
         <p:spPr>
           <a:xfrm>
             <a:off x="839788" y="2505075"/>
-            <a:ext cx="5157787" cy="3656386"/>
+            <a:ext cx="5157787" cy="1514261"/>
           </a:xfrm>
         </p:spPr>
         <p:txBody>
@@ -17237,98 +17260,51 @@
           <a:lstStyle/>
           <a:p>
             <a:r>
-              <a:rPr lang="en-US" sz="1600" dirty="0">
-                <a:solidFill>
-                  <a:schemeClr val="tx1"/>
-                </a:solidFill>
-              </a:rPr>
-              <a:t>Power BI Embedded continues to use Azure AD for authentication of the master user (a designated Power BI Pro licensed user), or with </a:t>
-            </a:r>
-            <a:r>
-              <a:rPr lang="en-US" sz="1600" u="sng" dirty="0">
-                <a:solidFill>
-                  <a:schemeClr val="tx1"/>
-                </a:solidFill>
-                <a:hlinkClick r:id="rId2">
-                  <a:extLst>
-                    <a:ext uri="{A12FA001-AC4F-418D-AE19-62706E023703}">
-                      <ahyp:hlinkClr xmlns:ahyp="http://schemas.microsoft.com/office/drawing/2018/hyperlinkcolor" val="tx"/>
-                    </a:ext>
-                  </a:extLst>
-                </a:hlinkClick>
-              </a:rPr>
-              <a:t>service principal</a:t>
-            </a:r>
-            <a:r>
-              <a:rPr lang="en-US" sz="1600" dirty="0">
-                <a:solidFill>
-                  <a:schemeClr val="tx1"/>
-                </a:solidFill>
-              </a:rPr>
-              <a:t> for authenticating the application inside Power BI.</a:t>
-            </a:r>
-          </a:p>
-          <a:p>
-            <a:r>
-              <a:rPr lang="en-US" sz="1600" dirty="0">
-                <a:solidFill>
-                  <a:schemeClr val="tx1"/>
-                </a:solidFill>
-              </a:rPr>
-              <a:t>The authentication and authorization of application users implemented by the ISV, the ISV can implement their authentication for their applications.</a:t>
-            </a:r>
-          </a:p>
-          <a:p>
-            <a:r>
-              <a:rPr lang="en-US" sz="1600" dirty="0">
-                <a:solidFill>
-                  <a:schemeClr val="tx1"/>
-                </a:solidFill>
-              </a:rPr>
-              <a:t>If you already have an Azure AD tenant, you can use your existing directory, or you can create a new Azure AD tenant for your embedded application content security.</a:t>
-            </a:r>
-          </a:p>
-          <a:p>
-            <a:r>
-              <a:rPr lang="en-US" sz="1600" dirty="0">
-                <a:solidFill>
-                  <a:schemeClr val="tx1"/>
-                </a:solidFill>
-              </a:rPr>
-              <a:t>To get an AAD token, you can use one of the </a:t>
-            </a:r>
-            <a:r>
-              <a:rPr lang="en-US" sz="1600" u="sng" dirty="0">
-                <a:solidFill>
-                  <a:schemeClr val="tx1"/>
-                </a:solidFill>
-                <a:hlinkClick r:id="rId3">
-                  <a:extLst>
-                    <a:ext uri="{A12FA001-AC4F-418D-AE19-62706E023703}">
-                      <ahyp:hlinkClr xmlns:ahyp="http://schemas.microsoft.com/office/drawing/2018/hyperlinkcolor" val="tx"/>
-                    </a:ext>
-                  </a:extLst>
-                </a:hlinkClick>
-              </a:rPr>
-              <a:t>Azure Active Directory Authentication Libraries</a:t>
-            </a:r>
-            <a:r>
-              <a:rPr lang="en-US" sz="1600" dirty="0">
-                <a:solidFill>
-                  <a:schemeClr val="tx1"/>
-                </a:solidFill>
-              </a:rPr>
-              <a:t>. There are client libraries available for multiple platforms.</a:t>
+              <a:rPr lang="en-US" sz="2400" dirty="0"/>
+              <a:t>No, Power BI Embedded includes the Azure-based capacity that you need to deploy and distribute your solution to customers.</a:t>
             </a:r>
           </a:p>
         </p:txBody>
       </p:sp>
       <p:sp>
         <p:nvSpPr>
-          <p:cNvPr id="8" name="Content Placeholder 7">
+          <p:cNvPr id="5" name="Text Placeholder 4">
             <a:extLst>
               <a:ext uri="{FF2B5EF4-FFF2-40B4-BE49-F238E27FC236}">
-                <a16:creationId xmlns:a16="http://schemas.microsoft.com/office/drawing/2014/main" id="{D2047C62-C4AA-4ED4-A2CC-9B33FC6067FC}"/>
+                <a16:creationId xmlns:a16="http://schemas.microsoft.com/office/drawing/2014/main" id="{40135572-F677-49DC-AC8B-F4E607073754}"/>
+              </a:ext>
+            </a:extLst>
+          </p:cNvPr>
+          <p:cNvSpPr>
+            <a:spLocks noGrp="1"/>
+          </p:cNvSpPr>
+          <p:nvPr>
+            <p:ph type="body" sz="quarter" idx="3"/>
+          </p:nvPr>
+        </p:nvSpPr>
+        <p:spPr>
+          <a:xfrm>
+            <a:off x="6172200" y="1655612"/>
+            <a:ext cx="5183188" cy="849463"/>
+          </a:xfrm>
+        </p:spPr>
+        <p:txBody>
+          <a:bodyPr/>
+          <a:lstStyle/>
+          <a:p>
+            <a:r>
+              <a:rPr lang="en-US" dirty="0"/>
+              <a:t>What’s the purchase commitment for Power BI Embedded?</a:t>
+            </a:r>
+          </a:p>
+        </p:txBody>
+      </p:sp>
+      <p:sp>
+        <p:nvSpPr>
+          <p:cNvPr id="6" name="Content Placeholder 5">
+            <a:extLst>
+              <a:ext uri="{FF2B5EF4-FFF2-40B4-BE49-F238E27FC236}">
+                <a16:creationId xmlns:a16="http://schemas.microsoft.com/office/drawing/2014/main" id="{3713B980-9E28-4F20-902B-211272D94AFD}"/>
               </a:ext>
             </a:extLst>
           </p:cNvPr>
@@ -17339,44 +17315,27 @@
             <p:ph sz="quarter" idx="4"/>
           </p:nvPr>
         </p:nvSpPr>
-        <p:spPr/>
+        <p:spPr>
+          <a:xfrm>
+            <a:off x="6172200" y="2505075"/>
+            <a:ext cx="5183188" cy="1514261"/>
+          </a:xfrm>
+        </p:spPr>
         <p:txBody>
           <a:bodyPr/>
           <a:lstStyle/>
           <a:p>
-            <a:endParaRPr lang="en-US"/>
-          </a:p>
-        </p:txBody>
-      </p:sp>
-      <p:sp>
-        <p:nvSpPr>
-          <p:cNvPr id="9" name="Text Placeholder 8">
-            <a:extLst>
-              <a:ext uri="{FF2B5EF4-FFF2-40B4-BE49-F238E27FC236}">
-                <a16:creationId xmlns:a16="http://schemas.microsoft.com/office/drawing/2014/main" id="{6F6531E7-035A-46F9-8D87-227C25738393}"/>
-              </a:ext>
-            </a:extLst>
-          </p:cNvPr>
-          <p:cNvSpPr>
-            <a:spLocks noGrp="1"/>
-          </p:cNvSpPr>
-          <p:nvPr>
-            <p:ph type="body" sz="quarter" idx="3"/>
-          </p:nvPr>
-        </p:nvSpPr>
-        <p:spPr/>
-        <p:txBody>
-          <a:bodyPr/>
-          <a:lstStyle/>
-          <a:p>
-            <a:endParaRPr lang="en-US"/>
+            <a:r>
+              <a:rPr lang="en-US" sz="2400" dirty="0"/>
+              <a:t>Customers may change their usage on an hourly basis. There is no monthly or annual commitment for the Power BI Embedded service.</a:t>
+            </a:r>
           </a:p>
         </p:txBody>
       </p:sp>
     </p:spTree>
     <p:extLst>
       <p:ext uri="{BB962C8B-B14F-4D97-AF65-F5344CB8AC3E}">
-        <p14:creationId xmlns:p14="http://schemas.microsoft.com/office/powerpoint/2010/main" val="3931987177"/>
+        <p14:creationId xmlns:p14="http://schemas.microsoft.com/office/powerpoint/2010/main" val="2693957279"/>
       </p:ext>
     </p:extLst>
   </p:cSld>
@@ -17405,7 +17364,13 @@
       </p:grpSpPr>
       <p:sp>
         <p:nvSpPr>
-          <p:cNvPr id="2" name="Title 1"/>
+          <p:cNvPr id="2" name="Title 1">
+            <a:extLst>
+              <a:ext uri="{FF2B5EF4-FFF2-40B4-BE49-F238E27FC236}">
+                <a16:creationId xmlns:a16="http://schemas.microsoft.com/office/drawing/2014/main" id="{6B56BF4C-AA23-4364-93C6-4EFAA7166CB0}"/>
+              </a:ext>
+            </a:extLst>
+          </p:cNvPr>
           <p:cNvSpPr>
             <a:spLocks noGrp="1"/>
           </p:cNvSpPr>
@@ -17419,12 +17384,210 @@
           <a:lstStyle/>
           <a:p>
             <a:r>
-              <a:rPr lang="en-US" dirty="0">
+              <a:rPr lang="en-US" dirty="0"/>
+              <a:t>Licensing</a:t>
+            </a:r>
+          </a:p>
+        </p:txBody>
+      </p:sp>
+      <p:sp>
+        <p:nvSpPr>
+          <p:cNvPr id="3" name="Text Placeholder 2">
+            <a:extLst>
+              <a:ext uri="{FF2B5EF4-FFF2-40B4-BE49-F238E27FC236}">
+                <a16:creationId xmlns:a16="http://schemas.microsoft.com/office/drawing/2014/main" id="{B0089D77-98C3-4B47-B574-409E929E970F}"/>
+              </a:ext>
+            </a:extLst>
+          </p:cNvPr>
+          <p:cNvSpPr>
+            <a:spLocks noGrp="1"/>
+          </p:cNvSpPr>
+          <p:nvPr>
+            <p:ph type="body" idx="1"/>
+          </p:nvPr>
+        </p:nvSpPr>
+        <p:spPr>
+          <a:xfrm>
+            <a:off x="839788" y="1655612"/>
+            <a:ext cx="5157787" cy="849463"/>
+          </a:xfrm>
+        </p:spPr>
+        <p:txBody>
+          <a:bodyPr/>
+          <a:lstStyle/>
+          <a:p>
+            <a:r>
+              <a:rPr lang="en-US" dirty="0"/>
+              <a:t>How does the usage of Power BI Embedded show up on my bill?</a:t>
+            </a:r>
+          </a:p>
+        </p:txBody>
+      </p:sp>
+      <p:sp>
+        <p:nvSpPr>
+          <p:cNvPr id="4" name="Content Placeholder 3">
+            <a:extLst>
+              <a:ext uri="{FF2B5EF4-FFF2-40B4-BE49-F238E27FC236}">
+                <a16:creationId xmlns:a16="http://schemas.microsoft.com/office/drawing/2014/main" id="{115A94A4-4B17-42DD-AC0D-E5F290AD6A16}"/>
+              </a:ext>
+            </a:extLst>
+          </p:cNvPr>
+          <p:cNvSpPr>
+            <a:spLocks noGrp="1"/>
+          </p:cNvSpPr>
+          <p:nvPr>
+            <p:ph sz="half" idx="2"/>
+          </p:nvPr>
+        </p:nvSpPr>
+        <p:spPr>
+          <a:xfrm>
+            <a:off x="839788" y="2505075"/>
+            <a:ext cx="5157787" cy="2511457"/>
+          </a:xfrm>
+        </p:spPr>
+        <p:txBody>
+          <a:bodyPr/>
+          <a:lstStyle/>
+          <a:p>
+            <a:r>
+              <a:rPr lang="en-US" sz="2400" dirty="0"/>
+              <a:t>Power BI Embedded bills on a predictable hourly rate based on the type of node(s) deployed. As long as your resource is active, you are billed even if there is no usage. To stop being billed, you need to pause your resource actively.</a:t>
+            </a:r>
+          </a:p>
+        </p:txBody>
+      </p:sp>
+      <p:sp>
+        <p:nvSpPr>
+          <p:cNvPr id="5" name="Text Placeholder 4">
+            <a:extLst>
+              <a:ext uri="{FF2B5EF4-FFF2-40B4-BE49-F238E27FC236}">
+                <a16:creationId xmlns:a16="http://schemas.microsoft.com/office/drawing/2014/main" id="{1336D597-1EB4-4546-99B9-4393287E3323}"/>
+              </a:ext>
+            </a:extLst>
+          </p:cNvPr>
+          <p:cNvSpPr>
+            <a:spLocks noGrp="1"/>
+          </p:cNvSpPr>
+          <p:nvPr>
+            <p:ph type="body" sz="quarter" idx="3"/>
+          </p:nvPr>
+        </p:nvSpPr>
+        <p:spPr>
+          <a:xfrm>
+            <a:off x="6172200" y="1655612"/>
+            <a:ext cx="5183188" cy="849463"/>
+          </a:xfrm>
+        </p:spPr>
+        <p:txBody>
+          <a:bodyPr/>
+          <a:lstStyle/>
+          <a:p>
+            <a:r>
+              <a:rPr lang="en-US" dirty="0"/>
+              <a:t>Who needs a Power BI Pro license for Power BI Embedded and why?</a:t>
+            </a:r>
+          </a:p>
+        </p:txBody>
+      </p:sp>
+      <p:sp>
+        <p:nvSpPr>
+          <p:cNvPr id="6" name="Content Placeholder 5">
+            <a:extLst>
+              <a:ext uri="{FF2B5EF4-FFF2-40B4-BE49-F238E27FC236}">
+                <a16:creationId xmlns:a16="http://schemas.microsoft.com/office/drawing/2014/main" id="{257B2CC5-59CA-4F78-A8A8-C0697BBBBD4E}"/>
+              </a:ext>
+            </a:extLst>
+          </p:cNvPr>
+          <p:cNvSpPr>
+            <a:spLocks noGrp="1"/>
+          </p:cNvSpPr>
+          <p:nvPr>
+            <p:ph sz="quarter" idx="4"/>
+          </p:nvPr>
+        </p:nvSpPr>
+        <p:spPr>
+          <a:xfrm>
+            <a:off x="6172200" y="2505075"/>
+            <a:ext cx="5183188" cy="3828740"/>
+          </a:xfrm>
+        </p:spPr>
+        <p:txBody>
+          <a:bodyPr/>
+          <a:lstStyle/>
+          <a:p>
+            <a:r>
+              <a:rPr lang="en-US" sz="1600" dirty="0">
                 <a:solidFill>
                   <a:schemeClr val="tx1"/>
                 </a:solidFill>
               </a:rPr>
-              <a:t>Wrap Up</a:t>
+              <a:t>Any developer that requires the use of the REST APIs needs a Power BI Pro license or </a:t>
+            </a:r>
+            <a:r>
+              <a:rPr lang="en-US" sz="1600" u="sng" dirty="0">
+                <a:solidFill>
+                  <a:schemeClr val="tx1"/>
+                </a:solidFill>
+                <a:hlinkClick r:id="rId2">
+                  <a:extLst>
+                    <a:ext uri="{A12FA001-AC4F-418D-AE19-62706E023703}">
+                      <ahyp:hlinkClr xmlns:ahyp="http://schemas.microsoft.com/office/drawing/2018/hyperlinkcolor" val="tx"/>
+                    </a:ext>
+                  </a:extLst>
+                </a:hlinkClick>
+              </a:rPr>
+              <a:t>service principal</a:t>
+            </a:r>
+            <a:r>
+              <a:rPr lang="en-US" sz="1600" dirty="0">
+                <a:solidFill>
+                  <a:schemeClr val="tx1"/>
+                </a:solidFill>
+              </a:rPr>
+              <a:t>. Any analyst that needs to add reports to a Power BI workspace can either have a Power BI Pro license or use service principal. Any tenant admin that needs to manage the Power BI tenant and capacity is required to have a Power BI Pro license.</a:t>
+            </a:r>
+          </a:p>
+          <a:p>
+            <a:r>
+              <a:rPr lang="en-US" sz="1600" dirty="0">
+                <a:solidFill>
+                  <a:schemeClr val="tx1"/>
+                </a:solidFill>
+              </a:rPr>
+              <a:t>Because Power BI Embedded allows the use of the Power BI portal for managing and validating embedded content, the Power BI Pro license is required to authenticate the App inside PowerBI.com to get access to the reports in the right repositories.</a:t>
+            </a:r>
+          </a:p>
+          <a:p>
+            <a:r>
+              <a:rPr lang="en-US" sz="1600" dirty="0">
+                <a:solidFill>
+                  <a:schemeClr val="tx1"/>
+                </a:solidFill>
+              </a:rPr>
+              <a:t>However, for </a:t>
+            </a:r>
+            <a:r>
+              <a:rPr lang="en-US" sz="1600" u="sng" dirty="0">
+                <a:solidFill>
+                  <a:schemeClr val="tx1"/>
+                </a:solidFill>
+                <a:hlinkClick r:id="rId3">
+                  <a:extLst>
+                    <a:ext uri="{A12FA001-AC4F-418D-AE19-62706E023703}">
+                      <ahyp:hlinkClr xmlns:ahyp="http://schemas.microsoft.com/office/drawing/2018/hyperlinkcolor" val="tx"/>
+                    </a:ext>
+                  </a:extLst>
+                </a:hlinkClick>
+              </a:rPr>
+              <a:t>creating/editing embedded reports</a:t>
+            </a:r>
+            <a:r>
+              <a:rPr lang="en-US" sz="1600" dirty="0">
+                <a:solidFill>
+                  <a:schemeClr val="tx1"/>
+                </a:solidFill>
+              </a:rPr>
+              <a:t> inside your application, the end user does not need a Pro license as the user isn't required to be a Power BI user at all.</a:t>
             </a:r>
           </a:p>
         </p:txBody>
@@ -17432,25 +17595,13 @@
     </p:spTree>
     <p:extLst>
       <p:ext uri="{BB962C8B-B14F-4D97-AF65-F5344CB8AC3E}">
-        <p14:creationId xmlns:p14="http://schemas.microsoft.com/office/powerpoint/2010/main" val="2714070568"/>
+        <p14:creationId xmlns:p14="http://schemas.microsoft.com/office/powerpoint/2010/main" val="3237444771"/>
       </p:ext>
     </p:extLst>
   </p:cSld>
   <p:clrMapOvr>
     <a:masterClrMapping/>
   </p:clrMapOvr>
-  <mc:AlternateContent xmlns:mc="http://schemas.openxmlformats.org/markup-compatibility/2006" xmlns:p14="http://schemas.microsoft.com/office/powerpoint/2010/main">
-    <mc:Choice Requires="p14">
-      <p:transition spd="med" p14:dur="700">
-        <p:fade/>
-      </p:transition>
-    </mc:Choice>
-    <mc:Fallback xmlns="">
-      <p:transition spd="med">
-        <p:fade/>
-      </p:transition>
-    </mc:Fallback>
-  </mc:AlternateContent>
 </p:sld>
 </file>
 
@@ -17483,143 +17634,16 @@
         </p:nvSpPr>
         <p:spPr/>
         <p:txBody>
-          <a:bodyPr>
-            <a:normAutofit/>
-          </a:bodyPr>
+          <a:bodyPr/>
           <a:lstStyle/>
           <a:p>
             <a:r>
-              <a:rPr lang="en-US" sz="4400" dirty="0">
+              <a:rPr lang="en-US" dirty="0">
                 <a:solidFill>
                   <a:schemeClr val="tx1"/>
                 </a:solidFill>
-                <a:latin typeface="Segoe UI Light" panose="020B0502040204020203" pitchFamily="34" charset="0"/>
-                <a:cs typeface="Segoe UI Light" panose="020B0502040204020203" pitchFamily="34" charset="0"/>
               </a:rPr>
-              <a:t>Wrap-up</a:t>
-            </a:r>
-          </a:p>
-        </p:txBody>
-      </p:sp>
-      <p:sp>
-        <p:nvSpPr>
-          <p:cNvPr id="9" name="TextBox 8">
-            <a:extLst>
-              <a:ext uri="{FF2B5EF4-FFF2-40B4-BE49-F238E27FC236}">
-                <a16:creationId xmlns:a16="http://schemas.microsoft.com/office/drawing/2014/main" id="{0F86F9F9-39B5-4CE6-AF48-9ADAE40EA728}"/>
-              </a:ext>
-            </a:extLst>
-          </p:cNvPr>
-          <p:cNvSpPr txBox="1"/>
-          <p:nvPr/>
-        </p:nvSpPr>
-        <p:spPr>
-          <a:xfrm>
-            <a:off x="340285" y="1741246"/>
-            <a:ext cx="7247965" cy="3006977"/>
-          </a:xfrm>
-          <a:prstGeom prst="rect">
-            <a:avLst/>
-          </a:prstGeom>
-          <a:noFill/>
-        </p:spPr>
-        <p:txBody>
-          <a:bodyPr wrap="square" lIns="182880" tIns="146304" rIns="182880" bIns="146304" rtlCol="0">
-            <a:spAutoFit/>
-          </a:bodyPr>
-          <a:lstStyle/>
-          <a:p>
-            <a:pPr>
-              <a:lnSpc>
-                <a:spcPct val="90000"/>
-              </a:lnSpc>
-              <a:spcAft>
-                <a:spcPts val="600"/>
-              </a:spcAft>
-            </a:pPr>
-            <a:r>
-              <a:rPr lang="en-US" sz="3600" dirty="0">
-                <a:latin typeface="+mj-lt"/>
-              </a:rPr>
-              <a:t>Outcome</a:t>
-            </a:r>
-          </a:p>
-          <a:p>
-            <a:pPr>
-              <a:lnSpc>
-                <a:spcPct val="90000"/>
-              </a:lnSpc>
-              <a:spcAft>
-                <a:spcPts val="600"/>
-              </a:spcAft>
-            </a:pPr>
-            <a:r>
-              <a:rPr lang="en-US" sz="2400" dirty="0">
-                <a:latin typeface="Segoe UI Semilight" panose="020B0402040204020203" pitchFamily="34" charset="0"/>
-                <a:cs typeface="Segoe UI Semilight" panose="020B0402040204020203" pitchFamily="34" charset="0"/>
-              </a:rPr>
-              <a:t>Identify the preferred solution for the case study</a:t>
-            </a:r>
-          </a:p>
-          <a:p>
-            <a:pPr>
-              <a:lnSpc>
-                <a:spcPct val="90000"/>
-              </a:lnSpc>
-              <a:spcAft>
-                <a:spcPts val="600"/>
-              </a:spcAft>
-            </a:pPr>
-            <a:r>
-              <a:rPr lang="en-US" sz="2400" dirty="0">
-                <a:latin typeface="Segoe UI Semilight" panose="020B0402040204020203" pitchFamily="34" charset="0"/>
-                <a:cs typeface="Segoe UI Semilight" panose="020B0402040204020203" pitchFamily="34" charset="0"/>
-              </a:rPr>
-              <a:t>Identify solutions designed by other teams</a:t>
-            </a:r>
-          </a:p>
-          <a:p>
-            <a:pPr>
-              <a:lnSpc>
-                <a:spcPct val="90000"/>
-              </a:lnSpc>
-              <a:spcAft>
-                <a:spcPts val="600"/>
-              </a:spcAft>
-            </a:pPr>
-            <a:endParaRPr lang="en-US" sz="2400" dirty="0"/>
-          </a:p>
-          <a:p>
-            <a:pPr>
-              <a:lnSpc>
-                <a:spcPct val="90000"/>
-              </a:lnSpc>
-              <a:spcAft>
-                <a:spcPts val="600"/>
-              </a:spcAft>
-            </a:pPr>
-            <a:r>
-              <a:rPr lang="en-US" sz="3600" dirty="0">
-                <a:latin typeface="+mj-lt"/>
-              </a:rPr>
-              <a:t>Timeframe</a:t>
-            </a:r>
-          </a:p>
-          <a:p>
-            <a:pPr>
-              <a:lnSpc>
-                <a:spcPct val="90000"/>
-              </a:lnSpc>
-              <a:spcAft>
-                <a:spcPts val="600"/>
-              </a:spcAft>
-            </a:pPr>
-            <a:r>
-              <a:rPr lang="en-US" sz="2400" dirty="0">
-                <a:latin typeface="Segoe UI Semilight" panose="020B0402040204020203" pitchFamily="34" charset="0"/>
-                <a:cs typeface="Segoe UI Semilight" panose="020B0402040204020203" pitchFamily="34" charset="0"/>
-              </a:rPr>
-              <a:t>15 minutes</a:t>
+              <a:t>Wrap Up</a:t>
             </a:r>
           </a:p>
         </p:txBody>
@@ -17627,7 +17651,7 @@
     </p:spTree>
     <p:extLst>
       <p:ext uri="{BB962C8B-B14F-4D97-AF65-F5344CB8AC3E}">
-        <p14:creationId xmlns:p14="http://schemas.microsoft.com/office/powerpoint/2010/main" val="4239998353"/>
+        <p14:creationId xmlns:p14="http://schemas.microsoft.com/office/powerpoint/2010/main" val="2714070568"/>
       </p:ext>
     </p:extLst>
   </p:cSld>
@@ -17636,10 +17660,14 @@
   </p:clrMapOvr>
   <mc:AlternateContent xmlns:mc="http://schemas.openxmlformats.org/markup-compatibility/2006" xmlns:p14="http://schemas.microsoft.com/office/powerpoint/2010/main">
     <mc:Choice Requires="p14">
-      <p:transition p14:dur="0"/>
+      <p:transition spd="med" p14:dur="700">
+        <p:fade/>
+      </p:transition>
     </mc:Choice>
     <mc:Fallback xmlns="">
-      <p:transition/>
+      <p:transition spd="med">
+        <p:fade/>
+      </p:transition>
     </mc:Fallback>
   </mc:AlternateContent>
 </p:sld>
@@ -18137,7 +18165,7 @@
           <a:lstStyle/>
           <a:p>
             <a:r>
-              <a:rPr lang="en-US" b="1" dirty="0">
+              <a:rPr lang="en-US" sz="4400" b="1" dirty="0">
                 <a:latin typeface="+mn-lt"/>
               </a:rPr>
               <a:t>Using the Power BI Service API</a:t>
@@ -18177,7 +18205,7 @@
         </p:blipFill>
         <p:spPr>
           <a:xfrm>
-            <a:off x="3288506" y="4112279"/>
+            <a:off x="3288507" y="4112279"/>
             <a:ext cx="5614987" cy="847725"/>
           </a:xfrm>
           <a:prstGeom prst="rect">
@@ -18361,7 +18389,7 @@
           <a:lstStyle/>
           <a:p>
             <a:r>
-              <a:rPr lang="en-US" sz="3700" dirty="0">
+              <a:rPr lang="en-US" sz="4400" dirty="0">
                 <a:latin typeface="+mn-lt"/>
               </a:rPr>
               <a:t>Power BI Embedding The Big Picture</a:t>
@@ -18550,7 +18578,7 @@
           <a:lstStyle/>
           <a:p>
             <a:r>
-              <a:rPr lang="en-US" sz="3700" kern="1200" dirty="0">
+              <a:rPr lang="en-US" sz="4400" kern="1200" dirty="0">
                 <a:solidFill>
                   <a:schemeClr val="tx1"/>
                 </a:solidFill>
@@ -18653,7 +18681,7 @@
           <a:lstStyle/>
           <a:p>
             <a:r>
-              <a:rPr lang="en-US" kern="1200">
+              <a:rPr lang="en-US" sz="4400" kern="1200" dirty="0">
                 <a:solidFill>
                   <a:schemeClr val="tx1"/>
                 </a:solidFill>
@@ -18805,7 +18833,12 @@
             <p:ph type="title"/>
           </p:nvPr>
         </p:nvSpPr>
-        <p:spPr/>
+        <p:spPr>
+          <a:xfrm>
+            <a:off x="269240" y="296335"/>
+            <a:ext cx="11655840" cy="899665"/>
+          </a:xfrm>
+        </p:spPr>
         <p:txBody>
           <a:bodyPr vert="horz" lIns="91440" tIns="45720" rIns="91440" bIns="45720" rtlCol="0" anchor="ctr">
             <a:normAutofit/>
@@ -18813,7 +18846,7 @@
           <a:lstStyle/>
           <a:p>
             <a:r>
-              <a:rPr lang="en-US" kern="1200">
+              <a:rPr lang="en-US" sz="4400" kern="1200" dirty="0">
                 <a:solidFill>
                   <a:schemeClr val="tx1"/>
                 </a:solidFill>

--- a/Hands-on Modules/Embedding/1. What is Power BI Embedded.pptx
+++ b/Hands-on Modules/Embedding/1. What is Power BI Embedded.pptx
@@ -778,7 +778,7 @@
           <a:p>
             <a:fld id="{35A2D088-BDBD-41A5-ADCE-5C6A4DC08057}" type="datetime8">
               <a:rPr lang="en-US" smtClean="0"/>
-              <a:t>2/27/2019 1:06 PM</a:t>
+              <a:t>2/27/2019 5:08 PM</a:t>
             </a:fld>
             <a:endParaRPr lang="en-US" dirty="0"/>
           </a:p>
@@ -1130,7 +1130,7 @@
           <a:p>
             <a:fld id="{35A2D088-BDBD-41A5-ADCE-5C6A4DC08057}" type="datetime8">
               <a:rPr lang="en-US" smtClean="0"/>
-              <a:t>2/27/2019 1:09 PM</a:t>
+              <a:t>2/27/2019 5:08 PM</a:t>
             </a:fld>
             <a:endParaRPr lang="en-US" dirty="0"/>
           </a:p>
@@ -1311,7 +1311,7 @@
           <a:p>
             <a:fld id="{35A2D088-BDBD-41A5-ADCE-5C6A4DC08057}" type="datetime8">
               <a:rPr lang="en-US" smtClean="0"/>
-              <a:t>2/27/2019 1:06 PM</a:t>
+              <a:t>2/27/2019 5:08 PM</a:t>
             </a:fld>
             <a:endParaRPr lang="en-US" dirty="0"/>
           </a:p>
@@ -1461,7 +1461,7 @@
                   <a:prstClr val="black"/>
                 </a:solidFill>
               </a:rPr>
-              <a:t>2/27/2019 1:06 PM</a:t>
+              <a:t>2/27/2019 5:13 PM</a:t>
             </a:fld>
             <a:endParaRPr lang="en-US" dirty="0">
               <a:solidFill>
@@ -15703,8 +15703,8 @@
         </p:nvSpPr>
         <p:spPr>
           <a:xfrm>
-            <a:off x="839788" y="1877210"/>
-            <a:ext cx="5157787" cy="572465"/>
+            <a:off x="839788" y="1960310"/>
+            <a:ext cx="5157787" cy="406265"/>
           </a:xfrm>
         </p:spPr>
         <p:txBody>
@@ -15737,7 +15737,7 @@
         <p:spPr>
           <a:xfrm>
             <a:off x="839788" y="2505075"/>
-            <a:ext cx="5157787" cy="2179058"/>
+            <a:ext cx="5157787" cy="849463"/>
           </a:xfrm>
         </p:spPr>
         <p:txBody>
@@ -15745,43 +15745,43 @@
           <a:lstStyle/>
           <a:p>
             <a:r>
-              <a:rPr lang="en-US" sz="2400" b="1" dirty="0"/>
+              <a:rPr lang="en-US" sz="1600" b="1" dirty="0"/>
               <a:t>Dashboards</a:t>
             </a:r>
             <a:r>
-              <a:rPr lang="en-US" sz="2400" dirty="0"/>
+              <a:rPr lang="en-US" sz="1600" dirty="0"/>
               <a:t> and </a:t>
             </a:r>
             <a:r>
-              <a:rPr lang="en-US" sz="2400" b="1" dirty="0"/>
+              <a:rPr lang="en-US" sz="1600" b="1" dirty="0"/>
               <a:t>tiles</a:t>
             </a:r>
             <a:r>
-              <a:rPr lang="en-US" sz="2400" dirty="0"/>
+              <a:rPr lang="en-US" sz="1600" dirty="0"/>
               <a:t> that are built from content pack datasets </a:t>
             </a:r>
             <a:r>
-              <a:rPr lang="en-US" sz="2400" i="1" dirty="0"/>
+              <a:rPr lang="en-US" sz="1600" i="1" dirty="0"/>
               <a:t>cannot</a:t>
             </a:r>
             <a:r>
-              <a:rPr lang="en-US" sz="2400" dirty="0"/>
+              <a:rPr lang="en-US" sz="1600" dirty="0"/>
               <a:t> be embedded, however, </a:t>
             </a:r>
             <a:r>
-              <a:rPr lang="en-US" sz="2400" b="1" dirty="0"/>
+              <a:rPr lang="en-US" sz="1600" b="1" dirty="0"/>
               <a:t>reports</a:t>
             </a:r>
             <a:r>
-              <a:rPr lang="en-US" sz="2400" dirty="0"/>
+              <a:rPr lang="en-US" sz="1600" dirty="0"/>
               <a:t> built from a content pack dataset </a:t>
             </a:r>
             <a:r>
-              <a:rPr lang="en-US" sz="2400" i="1" dirty="0"/>
+              <a:rPr lang="en-US" sz="1600" i="1" dirty="0"/>
               <a:t>can</a:t>
             </a:r>
             <a:r>
-              <a:rPr lang="en-US" sz="2400" dirty="0"/>
+              <a:rPr lang="en-US" sz="1600" dirty="0"/>
               <a:t> be embedded.</a:t>
             </a:r>
           </a:p>
@@ -15805,8 +15805,8 @@
         </p:nvSpPr>
         <p:spPr>
           <a:xfrm>
-            <a:off x="6172200" y="1877210"/>
-            <a:ext cx="5183188" cy="572465"/>
+            <a:off x="6172200" y="1960310"/>
+            <a:ext cx="5183188" cy="406265"/>
           </a:xfrm>
         </p:spPr>
         <p:txBody>
@@ -15839,7 +15839,7 @@
         <p:spPr>
           <a:xfrm>
             <a:off x="6172200" y="2505075"/>
-            <a:ext cx="5183188" cy="3459409"/>
+            <a:ext cx="5183188" cy="3927229"/>
           </a:xfrm>
         </p:spPr>
         <p:txBody>
@@ -15847,86 +15847,86 @@
           <a:lstStyle/>
           <a:p>
             <a:r>
-              <a:rPr lang="en-US" sz="1400" dirty="0"/>
+              <a:rPr lang="en-US" sz="1600" dirty="0"/>
               <a:t>Australia Southeast, </a:t>
             </a:r>
           </a:p>
           <a:p>
             <a:r>
-              <a:rPr lang="en-US" sz="1400" dirty="0"/>
+              <a:rPr lang="en-US" sz="1600" dirty="0"/>
               <a:t>Brazil South, </a:t>
             </a:r>
           </a:p>
           <a:p>
             <a:r>
-              <a:rPr lang="en-US" sz="1400" dirty="0"/>
+              <a:rPr lang="en-US" sz="1600" dirty="0"/>
               <a:t>Canada Central, </a:t>
             </a:r>
           </a:p>
           <a:p>
             <a:r>
-              <a:rPr lang="en-US" sz="1400" dirty="0"/>
+              <a:rPr lang="en-US" sz="1600" dirty="0"/>
               <a:t>East US 2, </a:t>
             </a:r>
           </a:p>
           <a:p>
             <a:r>
-              <a:rPr lang="en-US" sz="1400" dirty="0"/>
+              <a:rPr lang="en-US" sz="1600" dirty="0"/>
               <a:t>India West, </a:t>
             </a:r>
           </a:p>
           <a:p>
             <a:r>
-              <a:rPr lang="en-US" sz="1400" dirty="0"/>
+              <a:rPr lang="en-US" sz="1600" dirty="0"/>
               <a:t>Japan East, </a:t>
             </a:r>
           </a:p>
           <a:p>
             <a:r>
-              <a:rPr lang="en-US" sz="1400" dirty="0"/>
+              <a:rPr lang="en-US" sz="1600" dirty="0"/>
               <a:t>North Central US, </a:t>
             </a:r>
           </a:p>
           <a:p>
             <a:r>
-              <a:rPr lang="en-US" sz="1400" dirty="0"/>
+              <a:rPr lang="en-US" sz="1600" dirty="0"/>
               <a:t>North Europe, </a:t>
             </a:r>
           </a:p>
           <a:p>
             <a:r>
-              <a:rPr lang="en-US" sz="1400" dirty="0"/>
+              <a:rPr lang="en-US" sz="1600" dirty="0"/>
               <a:t>South Central US, </a:t>
             </a:r>
           </a:p>
           <a:p>
             <a:r>
-              <a:rPr lang="en-US" sz="1400" dirty="0"/>
+              <a:rPr lang="en-US" sz="1600" dirty="0"/>
               <a:t>Southeast Asia, </a:t>
             </a:r>
           </a:p>
           <a:p>
             <a:r>
-              <a:rPr lang="en-US" sz="1400" dirty="0"/>
+              <a:rPr lang="en-US" sz="1600" dirty="0"/>
               <a:t>UK South, </a:t>
             </a:r>
           </a:p>
           <a:p>
             <a:r>
-              <a:rPr lang="en-US" sz="1400" dirty="0"/>
+              <a:rPr lang="en-US" sz="1600" dirty="0"/>
               <a:t>West Europe, </a:t>
             </a:r>
           </a:p>
           <a:p>
             <a:r>
-              <a:rPr lang="en-US" sz="1400" dirty="0"/>
-              <a:t>West US, and </a:t>
-            </a:r>
-          </a:p>
-          <a:p>
-            <a:r>
-              <a:rPr lang="en-US" sz="1400" dirty="0"/>
-              <a:t>West US 2.</a:t>
+              <a:rPr lang="en-US" sz="1600" dirty="0"/>
+              <a:t>West US,</a:t>
+            </a:r>
+          </a:p>
+          <a:p>
+            <a:r>
+              <a:rPr lang="en-US" sz="1600" dirty="0"/>
+              <a:t>West US 2</a:t>
             </a:r>
           </a:p>
         </p:txBody>
@@ -16007,8 +16007,8 @@
         </p:nvSpPr>
         <p:spPr>
           <a:xfrm>
-            <a:off x="839788" y="1655612"/>
-            <a:ext cx="5157787" cy="849463"/>
+            <a:off x="839788" y="1877211"/>
+            <a:ext cx="5157787" cy="627864"/>
           </a:xfrm>
         </p:spPr>
         <p:txBody>
@@ -16016,7 +16016,7 @@
           <a:lstStyle/>
           <a:p>
             <a:r>
-              <a:rPr lang="en-US" dirty="0"/>
+              <a:rPr lang="en-US" sz="1600" dirty="0"/>
               <a:t>How can I monitor Power BI Embedded capacity consumption?</a:t>
             </a:r>
           </a:p>
@@ -16041,7 +16041,7 @@
         <p:spPr>
           <a:xfrm>
             <a:off x="839788" y="2505075"/>
-            <a:ext cx="5157787" cy="1661993"/>
+            <a:ext cx="5157787" cy="947952"/>
           </a:xfrm>
         </p:spPr>
         <p:txBody>
@@ -16049,7 +16049,7 @@
           <a:lstStyle/>
           <a:p>
             <a:r>
-              <a:rPr lang="en-US" sz="2400" dirty="0">
+              <a:rPr lang="en-US" sz="1600" dirty="0">
                 <a:solidFill>
                   <a:schemeClr val="tx1"/>
                 </a:solidFill>
@@ -16057,7 +16057,7 @@
               <a:t>Using the </a:t>
             </a:r>
             <a:r>
-              <a:rPr lang="en-US" sz="2400" u="sng" dirty="0">
+              <a:rPr lang="en-US" sz="1600" u="sng" dirty="0">
                 <a:solidFill>
                   <a:schemeClr val="tx1"/>
                 </a:solidFill>
@@ -16072,7 +16072,7 @@
               <a:t>Power BI Admin portal</a:t>
             </a:r>
             <a:r>
-              <a:rPr lang="en-US" sz="2400" dirty="0">
+              <a:rPr lang="en-US" sz="1600" dirty="0">
                 <a:solidFill>
                   <a:schemeClr val="tx1"/>
                 </a:solidFill>
@@ -16082,7 +16082,7 @@
           </a:p>
           <a:p>
             <a:r>
-              <a:rPr lang="en-US" sz="2400" dirty="0">
+              <a:rPr lang="en-US" sz="1600" dirty="0">
                 <a:solidFill>
                   <a:schemeClr val="tx1"/>
                 </a:solidFill>
@@ -16090,7 +16090,7 @@
               <a:t>Downloading the </a:t>
             </a:r>
             <a:r>
-              <a:rPr lang="en-US" sz="2400" u="sng" dirty="0">
+              <a:rPr lang="en-US" sz="1600" u="sng" dirty="0">
                 <a:solidFill>
                   <a:schemeClr val="tx1"/>
                 </a:solidFill>
@@ -16105,7 +16105,7 @@
               <a:t>metric app</a:t>
             </a:r>
             <a:r>
-              <a:rPr lang="en-US" sz="2400" dirty="0">
+              <a:rPr lang="en-US" sz="1600" dirty="0">
                 <a:solidFill>
                   <a:schemeClr val="tx1"/>
                 </a:solidFill>
@@ -16115,7 +16115,7 @@
           </a:p>
           <a:p>
             <a:r>
-              <a:rPr lang="en-US" sz="2400" dirty="0">
+              <a:rPr lang="en-US" sz="1600" dirty="0">
                 <a:solidFill>
                   <a:schemeClr val="tx1"/>
                 </a:solidFill>
@@ -16123,7 +16123,7 @@
               <a:t>Using </a:t>
             </a:r>
             <a:r>
-              <a:rPr lang="en-US" sz="2400" u="sng" dirty="0">
+              <a:rPr lang="en-US" sz="1600" u="sng" dirty="0">
                 <a:solidFill>
                   <a:schemeClr val="tx1"/>
                 </a:solidFill>
@@ -16138,7 +16138,7 @@
               <a:t>Azure diagnostic logging</a:t>
             </a:r>
             <a:r>
-              <a:rPr lang="en-US" sz="2400" dirty="0">
+              <a:rPr lang="en-US" sz="1600" dirty="0">
                 <a:solidFill>
                   <a:schemeClr val="tx1"/>
                 </a:solidFill>
@@ -16166,8 +16166,8 @@
         </p:nvSpPr>
         <p:spPr>
           <a:xfrm>
-            <a:off x="6172200" y="1690688"/>
-            <a:ext cx="5183188" cy="517065"/>
+            <a:off x="6169024" y="1877211"/>
+            <a:ext cx="5183188" cy="406265"/>
           </a:xfrm>
         </p:spPr>
         <p:txBody>
@@ -16175,7 +16175,7 @@
           <a:lstStyle/>
           <a:p>
             <a:r>
-              <a:rPr lang="en-US" dirty="0"/>
+              <a:rPr lang="en-US" sz="1600" dirty="0"/>
               <a:t>What is the Power BI Service?</a:t>
             </a:r>
           </a:p>
@@ -16200,7 +16200,7 @@
         <p:spPr>
           <a:xfrm>
             <a:off x="6172200" y="2505075"/>
-            <a:ext cx="5183188" cy="3065455"/>
+            <a:ext cx="5183188" cy="1883593"/>
           </a:xfrm>
         </p:spPr>
         <p:txBody>
@@ -16208,7 +16208,7 @@
           <a:lstStyle/>
           <a:p>
             <a:r>
-              <a:rPr lang="en-US" sz="2400" dirty="0">
+              <a:rPr lang="en-US" sz="1600" dirty="0">
                 <a:solidFill>
                   <a:schemeClr val="tx1"/>
                 </a:solidFill>
@@ -16218,7 +16218,7 @@
           </a:p>
           <a:p>
             <a:r>
-              <a:rPr lang="en-US" sz="2400" dirty="0">
+              <a:rPr lang="en-US" sz="1600" dirty="0">
                 <a:solidFill>
                   <a:schemeClr val="tx1"/>
                 </a:solidFill>
@@ -16228,7 +16228,7 @@
           </a:p>
           <a:p>
             <a:r>
-              <a:rPr lang="en-US" sz="2400" dirty="0">
+              <a:rPr lang="en-US" sz="1600" dirty="0">
                 <a:solidFill>
                   <a:schemeClr val="tx1"/>
                 </a:solidFill>
@@ -16238,7 +16238,7 @@
           </a:p>
           <a:p>
             <a:r>
-              <a:rPr lang="en-US" sz="2400" dirty="0">
+              <a:rPr lang="en-US" sz="1600" dirty="0">
                 <a:solidFill>
                   <a:schemeClr val="tx1"/>
                 </a:solidFill>
@@ -16324,8 +16324,8 @@
         </p:nvSpPr>
         <p:spPr>
           <a:xfrm>
-            <a:off x="839788" y="1766411"/>
-            <a:ext cx="5157787" cy="738664"/>
+            <a:off x="839788" y="1877211"/>
+            <a:ext cx="5157787" cy="627864"/>
           </a:xfrm>
         </p:spPr>
         <p:txBody>
@@ -16333,7 +16333,7 @@
           <a:lstStyle/>
           <a:p>
             <a:r>
-              <a:rPr lang="en-US" sz="2000" dirty="0"/>
+              <a:rPr lang="en-US" sz="1600" dirty="0"/>
               <a:t>What is the PBI Embedded dedicated capacity role in a PBI Embedded solution?</a:t>
             </a:r>
           </a:p>
@@ -16358,7 +16358,7 @@
         <p:spPr>
           <a:xfrm>
             <a:off x="839788" y="2505075"/>
-            <a:ext cx="5157787" cy="2179058"/>
+            <a:ext cx="5157787" cy="1071062"/>
           </a:xfrm>
         </p:spPr>
         <p:txBody>
@@ -16366,7 +16366,7 @@
           <a:lstStyle/>
           <a:p>
             <a:r>
-              <a:rPr lang="en-US" sz="2400" dirty="0">
+              <a:rPr lang="en-US" sz="1600" dirty="0">
                 <a:solidFill>
                   <a:schemeClr val="tx1"/>
                 </a:solidFill>
@@ -16374,7 +16374,7 @@
               <a:t>To </a:t>
             </a:r>
             <a:r>
-              <a:rPr lang="en-US" sz="2400" u="sng" dirty="0">
+              <a:rPr lang="en-US" sz="1600" u="sng" dirty="0">
                 <a:solidFill>
                   <a:schemeClr val="tx1"/>
                 </a:solidFill>
@@ -16389,7 +16389,7 @@
               <a:t>promote your solution to production</a:t>
             </a:r>
             <a:r>
-              <a:rPr lang="en-US" sz="2400" dirty="0">
+              <a:rPr lang="en-US" sz="1600" dirty="0">
                 <a:solidFill>
                   <a:schemeClr val="tx1"/>
                 </a:solidFill>
@@ -16417,8 +16417,8 @@
         </p:nvSpPr>
         <p:spPr>
           <a:xfrm>
-            <a:off x="6172200" y="1655612"/>
-            <a:ext cx="5183188" cy="849463"/>
+            <a:off x="6169024" y="1877211"/>
+            <a:ext cx="5183188" cy="406265"/>
           </a:xfrm>
         </p:spPr>
         <p:txBody>
@@ -16426,7 +16426,7 @@
           <a:lstStyle/>
           <a:p>
             <a:r>
-              <a:rPr lang="en-US" dirty="0"/>
+              <a:rPr lang="en-US" sz="1600" dirty="0"/>
               <a:t>What type of content pack data can be embedded?</a:t>
             </a:r>
           </a:p>
@@ -16451,7 +16451,7 @@
         <p:spPr>
           <a:xfrm>
             <a:off x="6172200" y="2505075"/>
-            <a:ext cx="5183188" cy="2179058"/>
+            <a:ext cx="5183188" cy="849463"/>
           </a:xfrm>
         </p:spPr>
         <p:txBody>
@@ -16459,43 +16459,43 @@
           <a:lstStyle/>
           <a:p>
             <a:r>
-              <a:rPr lang="en-US" sz="2400" b="1" dirty="0"/>
+              <a:rPr lang="en-US" sz="1600" b="1" dirty="0"/>
               <a:t>Dashboards</a:t>
             </a:r>
             <a:r>
-              <a:rPr lang="en-US" sz="2400" dirty="0"/>
+              <a:rPr lang="en-US" sz="1600" dirty="0"/>
               <a:t> and </a:t>
             </a:r>
             <a:r>
-              <a:rPr lang="en-US" sz="2400" b="1" dirty="0"/>
+              <a:rPr lang="en-US" sz="1600" b="1" dirty="0"/>
               <a:t>tiles</a:t>
             </a:r>
             <a:r>
-              <a:rPr lang="en-US" sz="2400" dirty="0"/>
+              <a:rPr lang="en-US" sz="1600" dirty="0"/>
               <a:t> that are built from content pack datasets </a:t>
             </a:r>
             <a:r>
-              <a:rPr lang="en-US" sz="2400" i="1" dirty="0"/>
+              <a:rPr lang="en-US" sz="1600" i="1" dirty="0"/>
               <a:t>cannot</a:t>
             </a:r>
             <a:r>
-              <a:rPr lang="en-US" sz="2400" dirty="0"/>
+              <a:rPr lang="en-US" sz="1600" dirty="0"/>
               <a:t> be embedded, however, </a:t>
             </a:r>
             <a:r>
-              <a:rPr lang="en-US" sz="2400" b="1" dirty="0"/>
+              <a:rPr lang="en-US" sz="1600" b="1" dirty="0"/>
               <a:t>reports</a:t>
             </a:r>
             <a:r>
-              <a:rPr lang="en-US" sz="2400" dirty="0"/>
+              <a:rPr lang="en-US" sz="1600" dirty="0"/>
               <a:t> built from a content pack dataset </a:t>
             </a:r>
             <a:r>
-              <a:rPr lang="en-US" sz="2400" i="1" dirty="0"/>
+              <a:rPr lang="en-US" sz="1600" i="1" dirty="0"/>
               <a:t>can</a:t>
             </a:r>
             <a:r>
-              <a:rPr lang="en-US" sz="2400" dirty="0"/>
+              <a:rPr lang="en-US" sz="1600" dirty="0"/>
               <a:t> be embedded.</a:t>
             </a:r>
           </a:p>
@@ -16577,8 +16577,8 @@
         </p:nvSpPr>
         <p:spPr>
           <a:xfrm>
-            <a:off x="839788" y="1655612"/>
-            <a:ext cx="5157787" cy="849463"/>
+            <a:off x="839788" y="1877211"/>
+            <a:ext cx="5157787" cy="627864"/>
           </a:xfrm>
         </p:spPr>
         <p:txBody>
@@ -16586,7 +16586,7 @@
           <a:lstStyle/>
           <a:p>
             <a:r>
-              <a:rPr lang="en-US" dirty="0"/>
+              <a:rPr lang="en-US" sz="1600" dirty="0"/>
               <a:t>What is the authentication model for Power BI Embedded?</a:t>
             </a:r>
           </a:p>
@@ -16960,8 +16960,8 @@
         </p:nvSpPr>
         <p:spPr>
           <a:xfrm>
-            <a:off x="839788" y="1655612"/>
-            <a:ext cx="5157787" cy="849463"/>
+            <a:off x="836612" y="1655612"/>
+            <a:ext cx="5157787" cy="406265"/>
           </a:xfrm>
         </p:spPr>
         <p:txBody>
@@ -16969,7 +16969,7 @@
           <a:lstStyle/>
           <a:p>
             <a:r>
-              <a:rPr lang="en-US" dirty="0"/>
+              <a:rPr lang="en-US" sz="1600" dirty="0"/>
               <a:t>How do I purchase Power BI Embedded?</a:t>
             </a:r>
           </a:p>
@@ -16994,7 +16994,7 @@
         <p:spPr>
           <a:xfrm>
             <a:off x="839788" y="2505075"/>
-            <a:ext cx="5157787" cy="849463"/>
+            <a:ext cx="5157787" cy="406265"/>
           </a:xfrm>
         </p:spPr>
         <p:txBody>
@@ -17002,7 +17002,7 @@
           <a:lstStyle/>
           <a:p>
             <a:r>
-              <a:rPr lang="en-US" sz="2400" dirty="0"/>
+              <a:rPr lang="en-US" sz="1600" dirty="0"/>
               <a:t>Power BI Embedded is available through Azure.</a:t>
             </a:r>
           </a:p>
@@ -17060,7 +17060,7 @@
         <p:spPr>
           <a:xfrm>
             <a:off x="6172200" y="2505075"/>
-            <a:ext cx="5183188" cy="2511457"/>
+            <a:ext cx="5183188" cy="1071062"/>
           </a:xfrm>
         </p:spPr>
         <p:txBody>
@@ -17068,7 +17068,7 @@
           <a:lstStyle/>
           <a:p>
             <a:r>
-              <a:rPr lang="en-US" sz="2400" dirty="0"/>
+              <a:rPr lang="en-US" sz="1600" dirty="0"/>
               <a:t>Customers continue to pay for any existing Power BI Premium purchases until the end of their current agreement term and then may switch their Power BI Premium purchases as necessary at that point.</a:t>
             </a:r>
           </a:p>
@@ -17218,8 +17218,8 @@
         </p:nvSpPr>
         <p:spPr>
           <a:xfrm>
-            <a:off x="839788" y="1766411"/>
-            <a:ext cx="5157787" cy="738664"/>
+            <a:off x="839788" y="1877211"/>
+            <a:ext cx="5157787" cy="627864"/>
           </a:xfrm>
         </p:spPr>
         <p:txBody>
@@ -17227,7 +17227,7 @@
           <a:lstStyle/>
           <a:p>
             <a:r>
-              <a:rPr lang="en-US" sz="2000" dirty="0"/>
+              <a:rPr lang="en-US" sz="1600" dirty="0"/>
               <a:t>Do I still have to buy Power BI Premium to get access to Power BI Embedded?</a:t>
             </a:r>
           </a:p>
@@ -17252,7 +17252,7 @@
         <p:spPr>
           <a:xfrm>
             <a:off x="839788" y="2505075"/>
-            <a:ext cx="5157787" cy="1514261"/>
+            <a:ext cx="5157787" cy="849463"/>
           </a:xfrm>
         </p:spPr>
         <p:txBody>
@@ -17260,7 +17260,7 @@
           <a:lstStyle/>
           <a:p>
             <a:r>
-              <a:rPr lang="en-US" sz="2400" dirty="0"/>
+              <a:rPr lang="en-US" sz="1600" dirty="0"/>
               <a:t>No, Power BI Embedded includes the Azure-based capacity that you need to deploy and distribute your solution to customers.</a:t>
             </a:r>
           </a:p>
@@ -17284,8 +17284,8 @@
         </p:nvSpPr>
         <p:spPr>
           <a:xfrm>
-            <a:off x="6172200" y="1655612"/>
-            <a:ext cx="5183188" cy="849463"/>
+            <a:off x="6172200" y="1877211"/>
+            <a:ext cx="5183188" cy="627864"/>
           </a:xfrm>
         </p:spPr>
         <p:txBody>
@@ -17293,7 +17293,7 @@
           <a:lstStyle/>
           <a:p>
             <a:r>
-              <a:rPr lang="en-US" dirty="0"/>
+              <a:rPr lang="en-US" sz="1600" dirty="0"/>
               <a:t>What’s the purchase commitment for Power BI Embedded?</a:t>
             </a:r>
           </a:p>
@@ -17318,7 +17318,7 @@
         <p:spPr>
           <a:xfrm>
             <a:off x="6172200" y="2505075"/>
-            <a:ext cx="5183188" cy="1514261"/>
+            <a:ext cx="5183188" cy="849463"/>
           </a:xfrm>
         </p:spPr>
         <p:txBody>
@@ -17326,7 +17326,7 @@
           <a:lstStyle/>
           <a:p>
             <a:r>
-              <a:rPr lang="en-US" sz="2400" dirty="0"/>
+              <a:rPr lang="en-US" sz="1600" dirty="0"/>
               <a:t>Customers may change their usage on an hourly basis. There is no monthly or annual commitment for the Power BI Embedded service.</a:t>
             </a:r>
           </a:p>
@@ -17408,8 +17408,8 @@
         </p:nvSpPr>
         <p:spPr>
           <a:xfrm>
-            <a:off x="839788" y="1655612"/>
-            <a:ext cx="5157787" cy="849463"/>
+            <a:off x="839788" y="1877211"/>
+            <a:ext cx="5157787" cy="627864"/>
           </a:xfrm>
         </p:spPr>
         <p:txBody>
@@ -17417,7 +17417,7 @@
           <a:lstStyle/>
           <a:p>
             <a:r>
-              <a:rPr lang="en-US" dirty="0"/>
+              <a:rPr lang="en-US" sz="1600" dirty="0"/>
               <a:t>How does the usage of Power BI Embedded show up on my bill?</a:t>
             </a:r>
           </a:p>
@@ -17442,7 +17442,7 @@
         <p:spPr>
           <a:xfrm>
             <a:off x="839788" y="2505075"/>
-            <a:ext cx="5157787" cy="2511457"/>
+            <a:ext cx="5157787" cy="1292662"/>
           </a:xfrm>
         </p:spPr>
         <p:txBody>
@@ -17450,7 +17450,7 @@
           <a:lstStyle/>
           <a:p>
             <a:r>
-              <a:rPr lang="en-US" sz="2400" dirty="0"/>
+              <a:rPr lang="en-US" sz="1600" dirty="0"/>
               <a:t>Power BI Embedded bills on a predictable hourly rate based on the type of node(s) deployed. As long as your resource is active, you are billed even if there is no usage. To stop being billed, you need to pause your resource actively.</a:t>
             </a:r>
           </a:p>
@@ -17474,8 +17474,8 @@
         </p:nvSpPr>
         <p:spPr>
           <a:xfrm>
-            <a:off x="6172200" y="1655612"/>
-            <a:ext cx="5183188" cy="849463"/>
+            <a:off x="6172200" y="1877211"/>
+            <a:ext cx="5183188" cy="627864"/>
           </a:xfrm>
         </p:spPr>
         <p:txBody>
@@ -17483,7 +17483,7 @@
           <a:lstStyle/>
           <a:p>
             <a:r>
-              <a:rPr lang="en-US" dirty="0"/>
+              <a:rPr lang="en-US" sz="1600" dirty="0"/>
               <a:t>Who needs a Power BI Pro license for Power BI Embedded and why?</a:t>
             </a:r>
           </a:p>
@@ -17676,14 +17676,6 @@
 <file path=ppt/slides/slide23.xml><?xml version="1.0" encoding="utf-8"?>
 <p:sld xmlns:a="http://schemas.openxmlformats.org/drawingml/2006/main" xmlns:r="http://schemas.openxmlformats.org/officeDocument/2006/relationships" xmlns:p="http://schemas.openxmlformats.org/presentationml/2006/main">
   <p:cSld>
-    <p:bg>
-      <p:bgPr>
-        <a:solidFill>
-          <a:schemeClr val="bg2"/>
-        </a:solidFill>
-        <a:effectLst/>
-      </p:bgPr>
-    </p:bg>
     <p:spTree>
       <p:nvGrpSpPr>
         <p:cNvPr id="1" name=""/>
@@ -18383,14 +18375,19 @@
         </p:nvSpPr>
         <p:spPr/>
         <p:txBody>
-          <a:bodyPr>
+          <a:bodyPr vert="horz" wrap="square" lIns="91440" tIns="45720" rIns="91440" bIns="45720" rtlCol="0" anchor="ctr">
             <a:normAutofit/>
           </a:bodyPr>
           <a:lstStyle/>
           <a:p>
             <a:r>
               <a:rPr lang="en-US" sz="4400" dirty="0">
+                <a:solidFill>
+                  <a:schemeClr val="tx1"/>
+                </a:solidFill>
                 <a:latin typeface="+mn-lt"/>
+                <a:ea typeface="+mj-ea"/>
+                <a:cs typeface="+mj-cs"/>
               </a:rPr>
               <a:t>Power BI Embedding The Big Picture</a:t>
             </a:r>
@@ -19838,15 +19835,6 @@
 </file>
 
 <file path=customXml/item2.xml><?xml version="1.0" encoding="utf-8"?>
-<?mso-contentType ?>
-<FormTemplates xmlns="http://schemas.microsoft.com/sharepoint/v3/contenttype/forms">
-  <Display>DocumentLibraryForm</Display>
-  <Edit>DocumentLibraryForm</Edit>
-  <New>DocumentLibraryForm</New>
-</FormTemplates>
-</file>
-
-<file path=customXml/item3.xml><?xml version="1.0" encoding="utf-8"?>
 <ct:contentTypeSchema xmlns:ct="http://schemas.microsoft.com/office/2006/metadata/contentType" xmlns:ma="http://schemas.microsoft.com/office/2006/metadata/properties/metaAttributes" ct:_="" ma:_="" ma:contentTypeName="Document" ma:contentTypeID="0x010100D15DFA3690A15B4081582BBCC6BEAC3E" ma:contentTypeVersion="9" ma:contentTypeDescription="Create a new document." ma:contentTypeScope="" ma:versionID="642da1784587cbe85a7fdbbe4dc36103">
   <xsd:schema xmlns:xsd="http://www.w3.org/2001/XMLSchema" xmlns:xs="http://www.w3.org/2001/XMLSchema" xmlns:p="http://schemas.microsoft.com/office/2006/metadata/properties" xmlns:ns1="http://schemas.microsoft.com/sharepoint/v3" xmlns:ns2="2023ac63-7b75-4916-a9ee-591457758eee" xmlns:ns3="d9c797ad-d7c3-4982-82b7-81352a75e4a5" targetNamespace="http://schemas.microsoft.com/office/2006/metadata/properties" ma:root="true" ma:fieldsID="91198b0246576053cc55dd2c67035a89" ns1:_="" ns2:_="" ns3:_="">
     <xsd:import namespace="http://schemas.microsoft.com/sharepoint/v3"/>
@@ -20048,6 +20036,15 @@
 </ct:contentTypeSchema>
 </file>
 
+<file path=customXml/item3.xml><?xml version="1.0" encoding="utf-8"?>
+<?mso-contentType ?>
+<FormTemplates xmlns="http://schemas.microsoft.com/sharepoint/v3/contenttype/forms">
+  <Display>DocumentLibraryForm</Display>
+  <Edit>DocumentLibraryForm</Edit>
+  <New>DocumentLibraryForm</New>
+</FormTemplates>
+</file>
+
 <file path=customXml/itemProps1.xml><?xml version="1.0" encoding="utf-8"?>
 <ds:datastoreItem xmlns:ds="http://schemas.openxmlformats.org/officeDocument/2006/customXml" ds:itemID="{BAF7D529-36AB-45DA-B239-2F912F2D1610}">
   <ds:schemaRefs>
@@ -20067,14 +20064,6 @@
 </file>
 
 <file path=customXml/itemProps2.xml><?xml version="1.0" encoding="utf-8"?>
-<ds:datastoreItem xmlns:ds="http://schemas.openxmlformats.org/officeDocument/2006/customXml" ds:itemID="{F18501AF-04CF-4482-BAE1-607B49DDC378}">
-  <ds:schemaRefs>
-    <ds:schemaRef ds:uri="http://schemas.microsoft.com/sharepoint/v3/contenttype/forms"/>
-  </ds:schemaRefs>
-</ds:datastoreItem>
-</file>
-
-<file path=customXml/itemProps3.xml><?xml version="1.0" encoding="utf-8"?>
 <ds:datastoreItem xmlns:ds="http://schemas.openxmlformats.org/officeDocument/2006/customXml" ds:itemID="{255F5BEB-6AD6-480A-8556-C80C5EBC10F2}">
   <ds:schemaRefs>
     <ds:schemaRef ds:uri="http://schemas.microsoft.com/office/2006/metadata/contentType"/>
@@ -20092,4 +20081,12 @@
     <ds:schemaRef ds:uri="http://schemas.microsoft.com/internal/obd"/>
   </ds:schemaRefs>
 </ds:datastoreItem>
+</file>
+
+<file path=customXml/itemProps3.xml><?xml version="1.0" encoding="utf-8"?>
+<ds:datastoreItem xmlns:ds="http://schemas.openxmlformats.org/officeDocument/2006/customXml" ds:itemID="{F18501AF-04CF-4482-BAE1-607B49DDC378}">
+  <ds:schemaRefs>
+    <ds:schemaRef ds:uri="http://schemas.microsoft.com/sharepoint/v3/contenttype/forms"/>
+  </ds:schemaRefs>
+</ds:datastoreItem>
 </file>